--- a/SAVI - Design Camp 2015.pptx
+++ b/SAVI - Design Camp 2015.pptx
@@ -10,8 +10,14 @@
     <p:sldId id="261" r:id="rId4"/>
     <p:sldId id="262" r:id="rId5"/>
     <p:sldId id="259" r:id="rId6"/>
-    <p:sldId id="258" r:id="rId7"/>
-    <p:sldId id="260" r:id="rId8"/>
+    <p:sldId id="265" r:id="rId7"/>
+    <p:sldId id="263" r:id="rId8"/>
+    <p:sldId id="264" r:id="rId9"/>
+    <p:sldId id="267" r:id="rId10"/>
+    <p:sldId id="270" r:id="rId11"/>
+    <p:sldId id="266" r:id="rId12"/>
+    <p:sldId id="268" r:id="rId13"/>
+    <p:sldId id="269" r:id="rId14"/>
   </p:sldIdLst>
   <p:sldSz cx="12192000" cy="6858000"/>
   <p:notesSz cx="6858000" cy="9144000"/>
@@ -110,6 +116,11 @@
       </a:defRPr>
     </a:lvl9pPr>
   </p:defaultTextStyle>
+  <p:extLst>
+    <p:ext uri="{EFAFB233-063F-42B5-8137-9DF3F51BA10A}">
+      <p15:sldGuideLst xmlns:p15="http://schemas.microsoft.com/office/powerpoint/2012/main"/>
+    </p:ext>
+  </p:extLst>
 </p:presentation>
 </file>
 
@@ -3906,6 +3917,1049 @@
 </p:sld>
 </file>
 
+<file path=ppt/slides/slide10.xml><?xml version="1.0" encoding="utf-8"?>
+<p:sld xmlns:a="http://schemas.openxmlformats.org/drawingml/2006/main" xmlns:r="http://schemas.openxmlformats.org/officeDocument/2006/relationships" xmlns:p="http://schemas.openxmlformats.org/presentationml/2006/main">
+  <p:cSld>
+    <p:spTree>
+      <p:nvGrpSpPr>
+        <p:cNvPr id="1" name=""/>
+        <p:cNvGrpSpPr/>
+        <p:nvPr/>
+      </p:nvGrpSpPr>
+      <p:grpSpPr>
+        <a:xfrm>
+          <a:off x="0" y="0"/>
+          <a:ext cx="0" cy="0"/>
+          <a:chOff x="0" y="0"/>
+          <a:chExt cx="0" cy="0"/>
+        </a:xfrm>
+      </p:grpSpPr>
+      <p:sp>
+        <p:nvSpPr>
+          <p:cNvPr id="2" name="Title 1"/>
+          <p:cNvSpPr>
+            <a:spLocks noGrp="1"/>
+          </p:cNvSpPr>
+          <p:nvPr>
+            <p:ph type="title"/>
+          </p:nvPr>
+        </p:nvSpPr>
+        <p:spPr/>
+        <p:txBody>
+          <a:bodyPr/>
+          <a:lstStyle/>
+          <a:p>
+            <a:r>
+              <a:rPr lang="en-CA" dirty="0"/>
+              <a:t>Design</a:t>
+            </a:r>
+          </a:p>
+        </p:txBody>
+      </p:sp>
+      <p:sp>
+        <p:nvSpPr>
+          <p:cNvPr id="3" name="Content Placeholder 2"/>
+          <p:cNvSpPr>
+            <a:spLocks noGrp="1"/>
+          </p:cNvSpPr>
+          <p:nvPr>
+            <p:ph idx="1"/>
+          </p:nvPr>
+        </p:nvSpPr>
+        <p:spPr/>
+        <p:txBody>
+          <a:bodyPr/>
+          <a:lstStyle/>
+          <a:p>
+            <a:pPr marL="0" indent="0">
+              <a:buNone/>
+            </a:pPr>
+            <a:r>
+              <a:rPr lang="en-CA" b="1" dirty="0" smtClean="0"/>
+              <a:t>Public transportation cost:</a:t>
+            </a:r>
+          </a:p>
+          <a:p>
+            <a:pPr marL="0" indent="0">
+              <a:buNone/>
+            </a:pPr>
+            <a:r>
+              <a:rPr lang="en-CA" dirty="0" smtClean="0"/>
+              <a:t>C_PUB(</a:t>
+            </a:r>
+            <a:r>
+              <a:rPr lang="en-CA" dirty="0" err="1" smtClean="0"/>
+              <a:t>S,D,t</a:t>
+            </a:r>
+            <a:r>
+              <a:rPr lang="en-CA" dirty="0"/>
+              <a:t>) = </a:t>
+            </a:r>
+            <a:r>
+              <a:rPr lang="en-CA" dirty="0" smtClean="0"/>
+              <a:t>G_PUB(S,S1,t)</a:t>
+            </a:r>
+            <a:endParaRPr lang="en-CA" b="1" dirty="0" smtClean="0"/>
+          </a:p>
+          <a:p>
+            <a:pPr marL="0" indent="0">
+              <a:buNone/>
+            </a:pPr>
+            <a:r>
+              <a:rPr lang="en-CA" b="1" dirty="0" smtClean="0"/>
+              <a:t>BIXI </a:t>
+            </a:r>
+            <a:r>
+              <a:rPr lang="en-CA" b="1" dirty="0"/>
+              <a:t>cost:</a:t>
+            </a:r>
+          </a:p>
+          <a:p>
+            <a:pPr marL="0" indent="0">
+              <a:buNone/>
+            </a:pPr>
+            <a:r>
+              <a:rPr lang="en-CA" dirty="0"/>
+              <a:t>C_BIXI(</a:t>
+            </a:r>
+            <a:r>
+              <a:rPr lang="en-CA" dirty="0" err="1"/>
+              <a:t>S,D,t</a:t>
+            </a:r>
+            <a:r>
+              <a:rPr lang="en-CA" dirty="0"/>
+              <a:t>) = </a:t>
+            </a:r>
+            <a:r>
+              <a:rPr lang="en-CA" dirty="0" err="1" smtClean="0"/>
+              <a:t>G_w</a:t>
+            </a:r>
+            <a:r>
+              <a:rPr lang="en-CA" dirty="0" smtClean="0"/>
+              <a:t>(S,S1,t) </a:t>
+            </a:r>
+            <a:r>
+              <a:rPr lang="en-CA" dirty="0"/>
+              <a:t>+ </a:t>
+            </a:r>
+            <a:r>
+              <a:rPr lang="en-CA" dirty="0" err="1" smtClean="0"/>
+              <a:t>G_b</a:t>
+            </a:r>
+            <a:r>
+              <a:rPr lang="en-CA" dirty="0" smtClean="0"/>
+              <a:t>(S1,D1,t) </a:t>
+            </a:r>
+            <a:r>
+              <a:rPr lang="en-CA" dirty="0"/>
+              <a:t>+ </a:t>
+            </a:r>
+            <a:r>
+              <a:rPr lang="en-CA" dirty="0" err="1" smtClean="0"/>
+              <a:t>G_w</a:t>
+            </a:r>
+            <a:r>
+              <a:rPr lang="en-CA" dirty="0" smtClean="0"/>
+              <a:t>(D1,D,t)</a:t>
+            </a:r>
+          </a:p>
+          <a:p>
+            <a:pPr marL="0" indent="0">
+              <a:buNone/>
+            </a:pPr>
+            <a:r>
+              <a:rPr lang="en-CA" i="1" dirty="0" smtClean="0"/>
+              <a:t>These 2 costs could be adjusted by other information from CVST</a:t>
+            </a:r>
+          </a:p>
+          <a:p>
+            <a:pPr>
+              <a:buFont typeface="Arial" panose="020B0604020202020204" pitchFamily="34" charset="0"/>
+              <a:buChar char="•"/>
+            </a:pPr>
+            <a:r>
+              <a:rPr lang="en-CA" i="1" dirty="0"/>
+              <a:t> </a:t>
+            </a:r>
+            <a:r>
+              <a:rPr lang="en-CA" i="1" dirty="0" smtClean="0"/>
+              <a:t>Road blocks</a:t>
+            </a:r>
+          </a:p>
+          <a:p>
+            <a:pPr>
+              <a:buFont typeface="Arial" panose="020B0604020202020204" pitchFamily="34" charset="0"/>
+              <a:buChar char="•"/>
+            </a:pPr>
+            <a:r>
+              <a:rPr lang="en-CA" i="1" dirty="0"/>
+              <a:t> </a:t>
+            </a:r>
+            <a:r>
+              <a:rPr lang="en-CA" i="1" dirty="0" smtClean="0"/>
+              <a:t>Constructions</a:t>
+            </a:r>
+          </a:p>
+          <a:p>
+            <a:pPr>
+              <a:buFont typeface="Arial" panose="020B0604020202020204" pitchFamily="34" charset="0"/>
+              <a:buChar char="•"/>
+            </a:pPr>
+            <a:r>
+              <a:rPr lang="en-CA" i="1" dirty="0"/>
+              <a:t> </a:t>
+            </a:r>
+            <a:r>
+              <a:rPr lang="en-CA" i="1" dirty="0" smtClean="0"/>
+              <a:t>Accidents</a:t>
+            </a:r>
+          </a:p>
+          <a:p>
+            <a:pPr>
+              <a:buFont typeface="Arial" panose="020B0604020202020204" pitchFamily="34" charset="0"/>
+              <a:buChar char="•"/>
+            </a:pPr>
+            <a:r>
+              <a:rPr lang="en-CA" i="1" dirty="0"/>
+              <a:t> </a:t>
+            </a:r>
+            <a:r>
+              <a:rPr lang="en-CA" i="1" dirty="0" smtClean="0"/>
+              <a:t>…</a:t>
+            </a:r>
+          </a:p>
+          <a:p>
+            <a:pPr marL="0" indent="0">
+              <a:buNone/>
+            </a:pPr>
+            <a:endParaRPr lang="en-CA" dirty="0"/>
+          </a:p>
+          <a:p>
+            <a:pPr marL="0" indent="0">
+              <a:buNone/>
+            </a:pPr>
+            <a:endParaRPr lang="en-CA" dirty="0"/>
+          </a:p>
+          <a:p>
+            <a:endParaRPr lang="en-CA" dirty="0"/>
+          </a:p>
+        </p:txBody>
+      </p:sp>
+    </p:spTree>
+    <p:extLst>
+      <p:ext uri="{BB962C8B-B14F-4D97-AF65-F5344CB8AC3E}">
+        <p14:creationId xmlns:p14="http://schemas.microsoft.com/office/powerpoint/2010/main" val="51058796"/>
+      </p:ext>
+    </p:extLst>
+  </p:cSld>
+  <p:clrMapOvr>
+    <a:masterClrMapping/>
+  </p:clrMapOvr>
+  <p:timing>
+    <p:tnLst>
+      <p:par>
+        <p:cTn id="1" dur="indefinite" restart="never" nodeType="tmRoot"/>
+      </p:par>
+    </p:tnLst>
+  </p:timing>
+</p:sld>
+</file>
+
+<file path=ppt/slides/slide11.xml><?xml version="1.0" encoding="utf-8"?>
+<p:sld xmlns:a="http://schemas.openxmlformats.org/drawingml/2006/main" xmlns:r="http://schemas.openxmlformats.org/officeDocument/2006/relationships" xmlns:p="http://schemas.openxmlformats.org/presentationml/2006/main">
+  <p:cSld>
+    <p:spTree>
+      <p:nvGrpSpPr>
+        <p:cNvPr id="1" name=""/>
+        <p:cNvGrpSpPr/>
+        <p:nvPr/>
+      </p:nvGrpSpPr>
+      <p:grpSpPr>
+        <a:xfrm>
+          <a:off x="0" y="0"/>
+          <a:ext cx="0" cy="0"/>
+          <a:chOff x="0" y="0"/>
+          <a:chExt cx="0" cy="0"/>
+        </a:xfrm>
+      </p:grpSpPr>
+      <p:sp>
+        <p:nvSpPr>
+          <p:cNvPr id="2" name="Title 1"/>
+          <p:cNvSpPr>
+            <a:spLocks noGrp="1"/>
+          </p:cNvSpPr>
+          <p:nvPr>
+            <p:ph type="title"/>
+          </p:nvPr>
+        </p:nvSpPr>
+        <p:spPr/>
+        <p:txBody>
+          <a:bodyPr/>
+          <a:lstStyle/>
+          <a:p>
+            <a:r>
+              <a:rPr lang="en-CA" dirty="0"/>
+              <a:t>Design</a:t>
+            </a:r>
+          </a:p>
+        </p:txBody>
+      </p:sp>
+      <p:sp>
+        <p:nvSpPr>
+          <p:cNvPr id="3" name="Content Placeholder 2"/>
+          <p:cNvSpPr>
+            <a:spLocks noGrp="1"/>
+          </p:cNvSpPr>
+          <p:nvPr>
+            <p:ph idx="1"/>
+          </p:nvPr>
+        </p:nvSpPr>
+        <p:spPr/>
+        <p:txBody>
+          <a:bodyPr/>
+          <a:lstStyle/>
+          <a:p>
+            <a:pPr marL="0" indent="0">
+              <a:buNone/>
+            </a:pPr>
+            <a:r>
+              <a:rPr lang="en-CA" b="1" dirty="0" smtClean="0"/>
+              <a:t>BIXI </a:t>
+            </a:r>
+            <a:r>
+              <a:rPr lang="en-CA" b="1" dirty="0"/>
+              <a:t>cost:</a:t>
+            </a:r>
+          </a:p>
+          <a:p>
+            <a:pPr marL="0" indent="0">
+              <a:buNone/>
+            </a:pPr>
+            <a:r>
+              <a:rPr lang="en-CA" dirty="0"/>
+              <a:t>C_BIXI(</a:t>
+            </a:r>
+            <a:r>
+              <a:rPr lang="en-CA" dirty="0" err="1"/>
+              <a:t>S,D,t</a:t>
+            </a:r>
+            <a:r>
+              <a:rPr lang="en-CA" dirty="0"/>
+              <a:t>) = </a:t>
+            </a:r>
+            <a:r>
+              <a:rPr lang="en-CA" dirty="0" err="1" smtClean="0"/>
+              <a:t>G_w</a:t>
+            </a:r>
+            <a:r>
+              <a:rPr lang="en-CA" dirty="0" smtClean="0"/>
+              <a:t>(S,S1,t) </a:t>
+            </a:r>
+            <a:r>
+              <a:rPr lang="en-CA" dirty="0"/>
+              <a:t>+ </a:t>
+            </a:r>
+            <a:r>
+              <a:rPr lang="en-CA" dirty="0" err="1" smtClean="0"/>
+              <a:t>G_b</a:t>
+            </a:r>
+            <a:r>
+              <a:rPr lang="en-CA" dirty="0" smtClean="0"/>
+              <a:t>(S1,D1,t) </a:t>
+            </a:r>
+            <a:r>
+              <a:rPr lang="en-CA" dirty="0"/>
+              <a:t>+ </a:t>
+            </a:r>
+            <a:r>
+              <a:rPr lang="en-CA" dirty="0" err="1" smtClean="0"/>
+              <a:t>G_w</a:t>
+            </a:r>
+            <a:r>
+              <a:rPr lang="en-CA" dirty="0" smtClean="0"/>
+              <a:t>(D1,D,t)</a:t>
+            </a:r>
+          </a:p>
+          <a:p>
+            <a:pPr marL="0" indent="0">
+              <a:buNone/>
+            </a:pPr>
+            <a:r>
+              <a:rPr lang="en-CA" b="1" dirty="0" smtClean="0"/>
+              <a:t>This cost could be associated with confidence level when combined with historical data over the last P observations (from current time) in the period from [t-W/2, T+W/2]</a:t>
+            </a:r>
+          </a:p>
+          <a:p>
+            <a:pPr>
+              <a:buFont typeface="Arial" panose="020B0604020202020204" pitchFamily="34" charset="0"/>
+              <a:buChar char="•"/>
+            </a:pPr>
+            <a:r>
+              <a:rPr lang="en-CA" dirty="0"/>
+              <a:t> </a:t>
+            </a:r>
+            <a:r>
+              <a:rPr lang="en-CA" dirty="0" smtClean="0"/>
+              <a:t>Confidence(s1,t)&gt;Confidence(s2,t) if </a:t>
+            </a:r>
+            <a:r>
+              <a:rPr lang="en-CA" dirty="0" err="1" smtClean="0"/>
+              <a:t>AvailableBikes</a:t>
+            </a:r>
+            <a:r>
+              <a:rPr lang="en-CA" dirty="0" smtClean="0"/>
+              <a:t>(s1,t)&gt;</a:t>
+            </a:r>
+            <a:r>
+              <a:rPr lang="en-CA" dirty="0" err="1" smtClean="0"/>
+              <a:t>AvailableBikes</a:t>
+            </a:r>
+            <a:r>
+              <a:rPr lang="en-CA" dirty="0" smtClean="0"/>
+              <a:t>(s2,t)</a:t>
+            </a:r>
+          </a:p>
+          <a:p>
+            <a:pPr>
+              <a:buFont typeface="Arial" panose="020B0604020202020204" pitchFamily="34" charset="0"/>
+              <a:buChar char="•"/>
+            </a:pPr>
+            <a:r>
+              <a:rPr lang="en-CA" dirty="0" smtClean="0"/>
+              <a:t> Confidence(s1,t</a:t>
+            </a:r>
+            <a:r>
+              <a:rPr lang="en-CA" dirty="0"/>
+              <a:t>)&gt;Confidence(s2,t) if </a:t>
+            </a:r>
+            <a:r>
+              <a:rPr lang="en-CA" dirty="0" err="1" smtClean="0"/>
+              <a:t>AvailableBikesAvg</a:t>
+            </a:r>
+            <a:r>
+              <a:rPr lang="en-CA" dirty="0" smtClean="0"/>
+              <a:t>(s1,t,P,W)&gt;</a:t>
+            </a:r>
+            <a:r>
+              <a:rPr lang="en-CA" dirty="0" err="1" smtClean="0"/>
+              <a:t>AvailableBikesAvg</a:t>
+            </a:r>
+            <a:r>
+              <a:rPr lang="en-CA" dirty="0" smtClean="0"/>
+              <a:t>(s2,t,P,W)</a:t>
+            </a:r>
+            <a:endParaRPr lang="en-CA" dirty="0"/>
+          </a:p>
+          <a:p>
+            <a:pPr>
+              <a:buFont typeface="Arial" panose="020B0604020202020204" pitchFamily="34" charset="0"/>
+              <a:buChar char="•"/>
+            </a:pPr>
+            <a:r>
+              <a:rPr lang="en-CA" dirty="0" smtClean="0"/>
+              <a:t> Confidence(d1,t</a:t>
+            </a:r>
+            <a:r>
+              <a:rPr lang="en-CA" dirty="0"/>
+              <a:t>)&gt;</a:t>
+            </a:r>
+            <a:r>
+              <a:rPr lang="en-CA" dirty="0" smtClean="0"/>
+              <a:t>Confidence(d2,t</a:t>
+            </a:r>
+            <a:r>
+              <a:rPr lang="en-CA" dirty="0"/>
+              <a:t>) if </a:t>
+            </a:r>
+            <a:r>
+              <a:rPr lang="en-CA" dirty="0" err="1" smtClean="0"/>
+              <a:t>AvailableDocks</a:t>
+            </a:r>
+            <a:r>
+              <a:rPr lang="en-CA" dirty="0" smtClean="0"/>
+              <a:t>(d1,t</a:t>
+            </a:r>
+            <a:r>
+              <a:rPr lang="en-CA" dirty="0"/>
+              <a:t>)&gt;</a:t>
+            </a:r>
+            <a:r>
+              <a:rPr lang="en-CA" dirty="0" err="1" smtClean="0"/>
+              <a:t>AvailableDocks</a:t>
+            </a:r>
+            <a:r>
+              <a:rPr lang="en-CA" dirty="0" smtClean="0"/>
+              <a:t>(d2,t</a:t>
+            </a:r>
+            <a:r>
+              <a:rPr lang="en-CA" dirty="0"/>
+              <a:t>)</a:t>
+            </a:r>
+          </a:p>
+          <a:p>
+            <a:pPr>
+              <a:buFont typeface="Arial" panose="020B0604020202020204" pitchFamily="34" charset="0"/>
+              <a:buChar char="•"/>
+            </a:pPr>
+            <a:r>
+              <a:rPr lang="en-CA" dirty="0"/>
+              <a:t> </a:t>
+            </a:r>
+            <a:r>
+              <a:rPr lang="en-CA" dirty="0" smtClean="0"/>
+              <a:t>Confidence(d1,t</a:t>
+            </a:r>
+            <a:r>
+              <a:rPr lang="en-CA" dirty="0"/>
+              <a:t>)&gt;</a:t>
+            </a:r>
+            <a:r>
+              <a:rPr lang="en-CA" dirty="0" smtClean="0"/>
+              <a:t>Confidence(d2,t</a:t>
+            </a:r>
+            <a:r>
+              <a:rPr lang="en-CA" dirty="0"/>
+              <a:t>) if </a:t>
+            </a:r>
+            <a:r>
+              <a:rPr lang="en-CA" dirty="0" err="1" smtClean="0"/>
+              <a:t>AvailableDocksAvg</a:t>
+            </a:r>
+            <a:r>
+              <a:rPr lang="en-CA" dirty="0" smtClean="0"/>
+              <a:t>(d1,t,P,W</a:t>
+            </a:r>
+            <a:r>
+              <a:rPr lang="en-CA" dirty="0"/>
+              <a:t>)&gt;</a:t>
+            </a:r>
+            <a:r>
+              <a:rPr lang="en-CA" dirty="0" err="1" smtClean="0"/>
+              <a:t>AvailableDocksAvg</a:t>
+            </a:r>
+            <a:r>
+              <a:rPr lang="en-CA" dirty="0" smtClean="0"/>
+              <a:t>(d2,t,P,W</a:t>
+            </a:r>
+            <a:r>
+              <a:rPr lang="en-CA" dirty="0"/>
+              <a:t>)</a:t>
+            </a:r>
+          </a:p>
+          <a:p>
+            <a:pPr marL="0" indent="0">
+              <a:buNone/>
+            </a:pPr>
+            <a:endParaRPr lang="en-CA" dirty="0"/>
+          </a:p>
+          <a:p>
+            <a:endParaRPr lang="en-CA" dirty="0"/>
+          </a:p>
+        </p:txBody>
+      </p:sp>
+    </p:spTree>
+    <p:extLst>
+      <p:ext uri="{BB962C8B-B14F-4D97-AF65-F5344CB8AC3E}">
+        <p14:creationId xmlns:p14="http://schemas.microsoft.com/office/powerpoint/2010/main" val="3886950627"/>
+      </p:ext>
+    </p:extLst>
+  </p:cSld>
+  <p:clrMapOvr>
+    <a:masterClrMapping/>
+  </p:clrMapOvr>
+  <p:timing>
+    <p:tnLst>
+      <p:par>
+        <p:cTn id="1" dur="indefinite" restart="never" nodeType="tmRoot"/>
+      </p:par>
+    </p:tnLst>
+  </p:timing>
+</p:sld>
+</file>
+
+<file path=ppt/slides/slide12.xml><?xml version="1.0" encoding="utf-8"?>
+<p:sld xmlns:a="http://schemas.openxmlformats.org/drawingml/2006/main" xmlns:r="http://schemas.openxmlformats.org/officeDocument/2006/relationships" xmlns:p="http://schemas.openxmlformats.org/presentationml/2006/main">
+  <p:cSld>
+    <p:spTree>
+      <p:nvGrpSpPr>
+        <p:cNvPr id="1" name=""/>
+        <p:cNvGrpSpPr/>
+        <p:nvPr/>
+      </p:nvGrpSpPr>
+      <p:grpSpPr>
+        <a:xfrm>
+          <a:off x="0" y="0"/>
+          <a:ext cx="0" cy="0"/>
+          <a:chOff x="0" y="0"/>
+          <a:chExt cx="0" cy="0"/>
+        </a:xfrm>
+      </p:grpSpPr>
+      <p:sp>
+        <p:nvSpPr>
+          <p:cNvPr id="2" name="Title 1"/>
+          <p:cNvSpPr>
+            <a:spLocks noGrp="1"/>
+          </p:cNvSpPr>
+          <p:nvPr>
+            <p:ph type="title"/>
+          </p:nvPr>
+        </p:nvSpPr>
+        <p:spPr/>
+        <p:txBody>
+          <a:bodyPr/>
+          <a:lstStyle/>
+          <a:p>
+            <a:r>
+              <a:rPr lang="en-CA" dirty="0" smtClean="0"/>
+              <a:t>V1.1: No real-time update/re-routing</a:t>
+            </a:r>
+            <a:endParaRPr lang="en-CA" dirty="0"/>
+          </a:p>
+        </p:txBody>
+      </p:sp>
+      <p:sp>
+        <p:nvSpPr>
+          <p:cNvPr id="3" name="Content Placeholder 2"/>
+          <p:cNvSpPr>
+            <a:spLocks noGrp="1"/>
+          </p:cNvSpPr>
+          <p:nvPr>
+            <p:ph idx="1"/>
+          </p:nvPr>
+        </p:nvSpPr>
+        <p:spPr/>
+        <p:txBody>
+          <a:bodyPr/>
+          <a:lstStyle/>
+          <a:p>
+            <a:pPr marL="457200" indent="-457200">
+              <a:buFont typeface="+mj-lt"/>
+              <a:buAutoNum type="arabicPeriod"/>
+            </a:pPr>
+            <a:r>
+              <a:rPr lang="en-CA" dirty="0" smtClean="0"/>
+              <a:t>Read(S,D)</a:t>
+            </a:r>
+          </a:p>
+          <a:p>
+            <a:pPr marL="457200" indent="-457200">
+              <a:buFont typeface="+mj-lt"/>
+              <a:buAutoNum type="arabicPeriod"/>
+            </a:pPr>
+            <a:r>
+              <a:rPr lang="en-CA" dirty="0" smtClean="0"/>
+              <a:t>Calculate </a:t>
+            </a:r>
+            <a:r>
+              <a:rPr lang="en-CA" dirty="0"/>
+              <a:t>C_PUB(</a:t>
+            </a:r>
+            <a:r>
+              <a:rPr lang="en-CA" dirty="0" err="1"/>
+              <a:t>S,D,t</a:t>
+            </a:r>
+            <a:r>
+              <a:rPr lang="en-CA" dirty="0" smtClean="0"/>
+              <a:t>)</a:t>
+            </a:r>
+          </a:p>
+          <a:p>
+            <a:pPr marL="457200" indent="-457200">
+              <a:buFont typeface="+mj-lt"/>
+              <a:buAutoNum type="arabicPeriod"/>
+            </a:pPr>
+            <a:r>
+              <a:rPr lang="en-CA" dirty="0" smtClean="0"/>
+              <a:t>Calculate </a:t>
+            </a:r>
+            <a:r>
+              <a:rPr lang="en-CA" dirty="0"/>
+              <a:t>C_BIXI(</a:t>
+            </a:r>
+            <a:r>
+              <a:rPr lang="en-CA" dirty="0" err="1"/>
+              <a:t>S,D,t</a:t>
+            </a:r>
+            <a:r>
+              <a:rPr lang="en-CA" dirty="0" smtClean="0"/>
+              <a:t>)</a:t>
+            </a:r>
+          </a:p>
+          <a:p>
+            <a:pPr marL="457200" indent="-457200">
+              <a:buFont typeface="+mj-lt"/>
+              <a:buAutoNum type="arabicPeriod"/>
+            </a:pPr>
+            <a:r>
+              <a:rPr lang="en-CA" dirty="0" smtClean="0"/>
+              <a:t>Select route</a:t>
+            </a:r>
+          </a:p>
+          <a:p>
+            <a:pPr marL="457200" indent="-457200">
+              <a:buFont typeface="+mj-lt"/>
+              <a:buAutoNum type="arabicPeriod"/>
+            </a:pPr>
+            <a:r>
+              <a:rPr lang="en-CA" dirty="0" smtClean="0"/>
+              <a:t>Display decision and map  </a:t>
+            </a:r>
+            <a:endParaRPr lang="en-CA" dirty="0"/>
+          </a:p>
+          <a:p>
+            <a:pPr marL="0" indent="0">
+              <a:buNone/>
+            </a:pPr>
+            <a:endParaRPr lang="en-CA" dirty="0"/>
+          </a:p>
+          <a:p>
+            <a:endParaRPr lang="en-CA" dirty="0"/>
+          </a:p>
+        </p:txBody>
+      </p:sp>
+    </p:spTree>
+    <p:extLst>
+      <p:ext uri="{BB962C8B-B14F-4D97-AF65-F5344CB8AC3E}">
+        <p14:creationId xmlns:p14="http://schemas.microsoft.com/office/powerpoint/2010/main" val="4248212465"/>
+      </p:ext>
+    </p:extLst>
+  </p:cSld>
+  <p:clrMapOvr>
+    <a:masterClrMapping/>
+  </p:clrMapOvr>
+  <p:timing>
+    <p:tnLst>
+      <p:par>
+        <p:cTn id="1" dur="indefinite" restart="never" nodeType="tmRoot"/>
+      </p:par>
+    </p:tnLst>
+  </p:timing>
+</p:sld>
+</file>
+
+<file path=ppt/slides/slide13.xml><?xml version="1.0" encoding="utf-8"?>
+<p:sld xmlns:a="http://schemas.openxmlformats.org/drawingml/2006/main" xmlns:r="http://schemas.openxmlformats.org/officeDocument/2006/relationships" xmlns:p="http://schemas.openxmlformats.org/presentationml/2006/main">
+  <p:cSld>
+    <p:spTree>
+      <p:nvGrpSpPr>
+        <p:cNvPr id="1" name=""/>
+        <p:cNvGrpSpPr/>
+        <p:nvPr/>
+      </p:nvGrpSpPr>
+      <p:grpSpPr>
+        <a:xfrm>
+          <a:off x="0" y="0"/>
+          <a:ext cx="0" cy="0"/>
+          <a:chOff x="0" y="0"/>
+          <a:chExt cx="0" cy="0"/>
+        </a:xfrm>
+      </p:grpSpPr>
+      <p:sp>
+        <p:nvSpPr>
+          <p:cNvPr id="2" name="Title 1"/>
+          <p:cNvSpPr>
+            <a:spLocks noGrp="1"/>
+          </p:cNvSpPr>
+          <p:nvPr>
+            <p:ph type="title"/>
+          </p:nvPr>
+        </p:nvSpPr>
+        <p:spPr/>
+        <p:txBody>
+          <a:bodyPr/>
+          <a:lstStyle/>
+          <a:p>
+            <a:r>
+              <a:rPr lang="en-CA" dirty="0" smtClean="0"/>
+              <a:t>V2.1: Real-time updates + re-routings</a:t>
+            </a:r>
+            <a:endParaRPr lang="en-CA" dirty="0"/>
+          </a:p>
+        </p:txBody>
+      </p:sp>
+      <p:sp>
+        <p:nvSpPr>
+          <p:cNvPr id="3" name="Content Placeholder 2"/>
+          <p:cNvSpPr>
+            <a:spLocks noGrp="1"/>
+          </p:cNvSpPr>
+          <p:nvPr>
+            <p:ph idx="1"/>
+          </p:nvPr>
+        </p:nvSpPr>
+        <p:spPr/>
+        <p:txBody>
+          <a:bodyPr>
+            <a:normAutofit fontScale="85000" lnSpcReduction="20000"/>
+          </a:bodyPr>
+          <a:lstStyle/>
+          <a:p>
+            <a:pPr marL="457200" indent="-457200">
+              <a:buFont typeface="+mj-lt"/>
+              <a:buAutoNum type="arabicPeriod"/>
+            </a:pPr>
+            <a:r>
+              <a:rPr lang="en-CA" dirty="0" smtClean="0"/>
+              <a:t>Read(S,D)</a:t>
+            </a:r>
+          </a:p>
+          <a:p>
+            <a:pPr marL="457200" indent="-457200">
+              <a:buFont typeface="+mj-lt"/>
+              <a:buAutoNum type="arabicPeriod"/>
+            </a:pPr>
+            <a:r>
+              <a:rPr lang="en-CA" dirty="0" smtClean="0"/>
+              <a:t>Calculate </a:t>
+            </a:r>
+            <a:r>
+              <a:rPr lang="en-CA" dirty="0"/>
+              <a:t>C_PUB(</a:t>
+            </a:r>
+            <a:r>
+              <a:rPr lang="en-CA" dirty="0" err="1"/>
+              <a:t>S,D,t</a:t>
+            </a:r>
+            <a:r>
+              <a:rPr lang="en-CA" dirty="0" smtClean="0"/>
+              <a:t>)</a:t>
+            </a:r>
+          </a:p>
+          <a:p>
+            <a:pPr marL="457200" indent="-457200">
+              <a:buFont typeface="+mj-lt"/>
+              <a:buAutoNum type="arabicPeriod"/>
+            </a:pPr>
+            <a:r>
+              <a:rPr lang="en-CA" dirty="0" smtClean="0"/>
+              <a:t>Calculate </a:t>
+            </a:r>
+            <a:r>
+              <a:rPr lang="en-CA" dirty="0"/>
+              <a:t>C_BIXI(</a:t>
+            </a:r>
+            <a:r>
+              <a:rPr lang="en-CA" dirty="0" err="1"/>
+              <a:t>S,D,t</a:t>
+            </a:r>
+            <a:r>
+              <a:rPr lang="en-CA" dirty="0" smtClean="0"/>
+              <a:t>)</a:t>
+            </a:r>
+          </a:p>
+          <a:p>
+            <a:pPr marL="457200" indent="-457200">
+              <a:buFont typeface="+mj-lt"/>
+              <a:buAutoNum type="arabicPeriod"/>
+            </a:pPr>
+            <a:r>
+              <a:rPr lang="en-CA" dirty="0" smtClean="0"/>
+              <a:t>Select route</a:t>
+            </a:r>
+          </a:p>
+          <a:p>
+            <a:pPr marL="457200" indent="-457200">
+              <a:buFont typeface="+mj-lt"/>
+              <a:buAutoNum type="arabicPeriod"/>
+            </a:pPr>
+            <a:r>
+              <a:rPr lang="en-CA" dirty="0" smtClean="0"/>
+              <a:t>Display decision and map</a:t>
+            </a:r>
+          </a:p>
+          <a:p>
+            <a:pPr marL="0" indent="0">
+              <a:buNone/>
+            </a:pPr>
+            <a:r>
+              <a:rPr lang="en-CA" b="1" dirty="0" smtClean="0"/>
+              <a:t>If decision == BIXI</a:t>
+            </a:r>
+          </a:p>
+          <a:p>
+            <a:pPr marL="0" indent="0">
+              <a:buNone/>
+            </a:pPr>
+            <a:r>
+              <a:rPr lang="en-CA" dirty="0" smtClean="0"/>
+              <a:t>Every 5 minutes (or upon related information updated): </a:t>
+            </a:r>
+            <a:r>
+              <a:rPr lang="en-CA" dirty="0"/>
+              <a:t>if </a:t>
+            </a:r>
+            <a:r>
+              <a:rPr lang="en-CA" dirty="0" err="1"/>
+              <a:t>AvailableBikes</a:t>
+            </a:r>
+            <a:r>
+              <a:rPr lang="en-CA" dirty="0"/>
+              <a:t>(S1,t)==0 </a:t>
+            </a:r>
+            <a:r>
+              <a:rPr lang="en-CA" dirty="0" smtClean="0"/>
+              <a:t> or </a:t>
+            </a:r>
+            <a:r>
+              <a:rPr lang="en-CA" dirty="0" err="1" smtClean="0"/>
+              <a:t>AvailableDocks</a:t>
+            </a:r>
+            <a:r>
+              <a:rPr lang="en-CA" dirty="0" smtClean="0"/>
+              <a:t>(D1,t</a:t>
+            </a:r>
+            <a:r>
+              <a:rPr lang="en-CA" dirty="0"/>
+              <a:t>)==0</a:t>
+            </a:r>
+            <a:endParaRPr lang="en-CA" dirty="0" smtClean="0"/>
+          </a:p>
+          <a:p>
+            <a:pPr>
+              <a:buFont typeface="Wingdings" panose="05000000000000000000" pitchFamily="2" charset="2"/>
+              <a:buChar char="§"/>
+            </a:pPr>
+            <a:r>
+              <a:rPr lang="en-CA" dirty="0"/>
+              <a:t> </a:t>
+            </a:r>
+            <a:r>
+              <a:rPr lang="en-CA" dirty="0" smtClean="0"/>
+              <a:t>if currently in SEG1</a:t>
+            </a:r>
+          </a:p>
+          <a:p>
+            <a:pPr lvl="1">
+              <a:buFont typeface="Wingdings" panose="05000000000000000000" pitchFamily="2" charset="2"/>
+              <a:buChar char="§"/>
+            </a:pPr>
+            <a:r>
+              <a:rPr lang="en-CA" dirty="0"/>
+              <a:t> </a:t>
+            </a:r>
+            <a:r>
+              <a:rPr lang="en-CA" dirty="0" smtClean="0"/>
+              <a:t>if </a:t>
+            </a:r>
+            <a:r>
+              <a:rPr lang="en-CA" dirty="0" err="1" smtClean="0"/>
+              <a:t>AvailableBikes</a:t>
+            </a:r>
+            <a:r>
+              <a:rPr lang="en-CA" dirty="0" smtClean="0"/>
+              <a:t>(S1,t)==0 </a:t>
+            </a:r>
+          </a:p>
+          <a:p>
+            <a:pPr lvl="1">
+              <a:buFont typeface="Wingdings" panose="05000000000000000000" pitchFamily="2" charset="2"/>
+              <a:buChar char="§"/>
+            </a:pPr>
+            <a:r>
+              <a:rPr lang="en-CA" dirty="0"/>
+              <a:t> </a:t>
+            </a:r>
+            <a:r>
+              <a:rPr lang="en-CA" dirty="0" smtClean="0"/>
+              <a:t>if </a:t>
+            </a:r>
+            <a:r>
+              <a:rPr lang="en-CA" dirty="0" err="1" smtClean="0"/>
+              <a:t>AvailableDocks</a:t>
+            </a:r>
+            <a:r>
+              <a:rPr lang="en-CA" dirty="0" smtClean="0"/>
+              <a:t>(D1,t</a:t>
+            </a:r>
+            <a:r>
+              <a:rPr lang="en-CA" dirty="0"/>
+              <a:t>)==</a:t>
+            </a:r>
+            <a:r>
+              <a:rPr lang="en-CA" dirty="0" smtClean="0"/>
+              <a:t>0</a:t>
+            </a:r>
+          </a:p>
+          <a:p>
+            <a:pPr>
+              <a:buFont typeface="Wingdings" panose="05000000000000000000" pitchFamily="2" charset="2"/>
+              <a:buChar char="§"/>
+            </a:pPr>
+            <a:r>
+              <a:rPr lang="en-CA" dirty="0" smtClean="0"/>
+              <a:t> </a:t>
+            </a:r>
+            <a:r>
+              <a:rPr lang="en-CA" dirty="0"/>
+              <a:t>if currently in </a:t>
+            </a:r>
+            <a:r>
+              <a:rPr lang="en-CA" dirty="0" smtClean="0"/>
+              <a:t>SEG2</a:t>
+            </a:r>
+          </a:p>
+          <a:p>
+            <a:pPr lvl="1">
+              <a:buFont typeface="Wingdings" panose="05000000000000000000" pitchFamily="2" charset="2"/>
+              <a:buChar char="§"/>
+            </a:pPr>
+            <a:r>
+              <a:rPr lang="en-CA" dirty="0"/>
+              <a:t>if </a:t>
+            </a:r>
+            <a:r>
+              <a:rPr lang="en-CA" dirty="0" err="1" smtClean="0"/>
+              <a:t>AvailableDocks</a:t>
+            </a:r>
+            <a:r>
+              <a:rPr lang="en-CA" dirty="0" smtClean="0"/>
+              <a:t>(D1,t</a:t>
+            </a:r>
+            <a:r>
+              <a:rPr lang="en-CA" dirty="0"/>
+              <a:t>)==0</a:t>
+            </a:r>
+            <a:endParaRPr lang="en-CA" dirty="0" smtClean="0"/>
+          </a:p>
+          <a:p>
+            <a:pPr>
+              <a:buFont typeface="Wingdings" panose="05000000000000000000" pitchFamily="2" charset="2"/>
+              <a:buChar char="§"/>
+            </a:pPr>
+            <a:endParaRPr lang="en-CA" dirty="0" smtClean="0"/>
+          </a:p>
+          <a:p>
+            <a:pPr marL="457200" indent="-457200">
+              <a:buFont typeface="+mj-lt"/>
+              <a:buAutoNum type="arabicPeriod"/>
+            </a:pPr>
+            <a:endParaRPr lang="en-CA" dirty="0"/>
+          </a:p>
+          <a:p>
+            <a:endParaRPr lang="en-CA" dirty="0"/>
+          </a:p>
+        </p:txBody>
+      </p:sp>
+    </p:spTree>
+    <p:extLst>
+      <p:ext uri="{BB962C8B-B14F-4D97-AF65-F5344CB8AC3E}">
+        <p14:creationId xmlns:p14="http://schemas.microsoft.com/office/powerpoint/2010/main" val="1280183590"/>
+      </p:ext>
+    </p:extLst>
+  </p:cSld>
+  <p:clrMapOvr>
+    <a:masterClrMapping/>
+  </p:clrMapOvr>
+  <p:timing>
+    <p:tnLst>
+      <p:par>
+        <p:cTn id="1" dur="indefinite" restart="never" nodeType="tmRoot"/>
+      </p:par>
+    </p:tnLst>
+  </p:timing>
+</p:sld>
+</file>
+
 <file path=ppt/slides/slide2.xml><?xml version="1.0" encoding="utf-8"?>
 <p:sld xmlns:a="http://schemas.openxmlformats.org/drawingml/2006/main" xmlns:r="http://schemas.openxmlformats.org/officeDocument/2006/relationships" xmlns:p="http://schemas.openxmlformats.org/presentationml/2006/main">
   <p:cSld>
@@ -4214,7 +5268,7 @@
           <a:bodyPr/>
           <a:lstStyle/>
           <a:p>
-            <a:endParaRPr lang="en-CA"/>
+            <a:endParaRPr lang="en-CA" dirty="0"/>
           </a:p>
         </p:txBody>
       </p:sp>
@@ -4332,7 +5386,7 @@
             </a:pPr>
             <a:r>
               <a:rPr lang="en-CA" dirty="0" smtClean="0"/>
-              <a:t>How to demo the application: perform tests in advance, summarize, visualize the results for presentations</a:t>
+              <a:t>How to demo the application: perform tests in advance, summarize, visualize the results for presentations, live demo?</a:t>
             </a:r>
           </a:p>
           <a:p>
@@ -4392,10 +5446,10 @@
           <a:lstStyle/>
           <a:p>
             <a:r>
-              <a:rPr lang="en-CA" dirty="0" smtClean="0"/>
-              <a:t>Design</a:t>
-            </a:r>
-            <a:endParaRPr lang="en-CA" dirty="0"/>
+              <a:rPr lang="en-CA" sz="6600" b="1" dirty="0" smtClean="0"/>
+              <a:t>Designs and milestones</a:t>
+            </a:r>
+            <a:endParaRPr lang="en-CA" b="1" dirty="0"/>
           </a:p>
         </p:txBody>
       </p:sp>
@@ -4414,101 +5468,27 @@
           <a:bodyPr/>
           <a:lstStyle/>
           <a:p>
-            <a:r>
-              <a:rPr lang="en-CA" b="1" dirty="0" smtClean="0"/>
-              <a:t>Route planning for bus:</a:t>
-            </a:r>
-          </a:p>
-          <a:p>
-            <a:r>
-              <a:rPr lang="en-CA" dirty="0"/>
-              <a:t>- Current location to the best </a:t>
-            </a:r>
-            <a:r>
-              <a:rPr lang="en-CA" dirty="0" smtClean="0"/>
-              <a:t>departure bus station: </a:t>
-            </a:r>
-            <a:r>
-              <a:rPr lang="en-CA" dirty="0"/>
-              <a:t>walk from S to S1</a:t>
-            </a:r>
-          </a:p>
-          <a:p>
-            <a:r>
-              <a:rPr lang="en-CA" dirty="0"/>
-              <a:t>- </a:t>
-            </a:r>
-            <a:r>
-              <a:rPr lang="en-CA" dirty="0" smtClean="0"/>
-              <a:t>Departure bus station </a:t>
-            </a:r>
-            <a:r>
-              <a:rPr lang="en-CA" dirty="0"/>
-              <a:t>S1 to </a:t>
-            </a:r>
-            <a:r>
-              <a:rPr lang="en-CA" dirty="0" smtClean="0"/>
-              <a:t>destination bus station: on the bus from </a:t>
-            </a:r>
-            <a:r>
-              <a:rPr lang="en-CA" dirty="0"/>
-              <a:t>S1 to D1</a:t>
-            </a:r>
-          </a:p>
-          <a:p>
-            <a:r>
-              <a:rPr lang="en-CA" dirty="0"/>
-              <a:t>- </a:t>
-            </a:r>
-            <a:r>
-              <a:rPr lang="en-CA" dirty="0" smtClean="0"/>
-              <a:t>Destination bus station </a:t>
-            </a:r>
-            <a:r>
-              <a:rPr lang="en-CA" dirty="0"/>
-              <a:t>D1 to final destination: walk from D1 to D</a:t>
-            </a:r>
-          </a:p>
-          <a:p>
-            <a:endParaRPr lang="en-CA" dirty="0" smtClean="0"/>
-          </a:p>
-          <a:p>
-            <a:r>
-              <a:rPr lang="en-CA" b="1" dirty="0" smtClean="0"/>
-              <a:t>Route planning for biking:</a:t>
-            </a:r>
-          </a:p>
-          <a:p>
-            <a:r>
-              <a:rPr lang="en-CA" dirty="0" smtClean="0"/>
-              <a:t>- Current location to the best departure BIXI station to pickup a bike: walk from S to S1</a:t>
-            </a:r>
-          </a:p>
-          <a:p>
-            <a:r>
-              <a:rPr lang="en-CA" dirty="0" smtClean="0"/>
-              <a:t>- Departure BIXI station to destination BIXI station: bike from S1 to D1</a:t>
-            </a:r>
-          </a:p>
-          <a:p>
-            <a:r>
-              <a:rPr lang="en-CA" dirty="0" smtClean="0"/>
-              <a:t>- Destination BIXI station to the final destination: walk from D1 to D</a:t>
-            </a:r>
-            <a:endParaRPr lang="en-CA" dirty="0"/>
+            <a:endParaRPr lang="en-CA"/>
           </a:p>
         </p:txBody>
       </p:sp>
     </p:spTree>
     <p:extLst>
       <p:ext uri="{BB962C8B-B14F-4D97-AF65-F5344CB8AC3E}">
-        <p14:creationId xmlns:p14="http://schemas.microsoft.com/office/powerpoint/2010/main" val="863555795"/>
+        <p14:creationId xmlns:p14="http://schemas.microsoft.com/office/powerpoint/2010/main" val="2441757737"/>
       </p:ext>
     </p:extLst>
   </p:cSld>
   <p:clrMapOvr>
     <a:masterClrMapping/>
   </p:clrMapOvr>
+  <p:timing>
+    <p:tnLst>
+      <p:par>
+        <p:cTn id="1" dur="indefinite" restart="never" nodeType="tmRoot"/>
+      </p:par>
+    </p:tnLst>
+  </p:timing>
 </p:sld>
 </file>
 
@@ -4544,7 +5524,11 @@
           <a:bodyPr/>
           <a:lstStyle/>
           <a:p>
-            <a:endParaRPr lang="en-CA"/>
+            <a:r>
+              <a:rPr lang="en-CA" dirty="0" smtClean="0"/>
+              <a:t>Design</a:t>
+            </a:r>
+            <a:endParaRPr lang="en-CA" dirty="0"/>
           </a:p>
         </p:txBody>
       </p:sp>
@@ -4560,38 +5544,111 @@
         </p:nvSpPr>
         <p:spPr/>
         <p:txBody>
-          <a:bodyPr/>
+          <a:bodyPr>
+            <a:normAutofit fontScale="92500" lnSpcReduction="10000"/>
+          </a:bodyPr>
           <a:lstStyle/>
           <a:p>
             <a:pPr marL="0" indent="0">
               <a:buNone/>
             </a:pPr>
             <a:r>
+              <a:rPr lang="en-CA" dirty="0" smtClean="0"/>
+              <a:t>S:</a:t>
+            </a:r>
+            <a:r>
+              <a:rPr lang="en-CA" b="1" dirty="0" smtClean="0"/>
+              <a:t> </a:t>
+            </a:r>
+            <a:r>
+              <a:rPr lang="en-CA" dirty="0" smtClean="0"/>
+              <a:t>original departure point</a:t>
+            </a:r>
+          </a:p>
+          <a:p>
+            <a:pPr marL="0" indent="0">
+              <a:buNone/>
+            </a:pPr>
+            <a:r>
+              <a:rPr lang="en-CA" dirty="0" smtClean="0"/>
+              <a:t>D: final destination</a:t>
+            </a:r>
+          </a:p>
+          <a:p>
+            <a:pPr marL="0" indent="0">
+              <a:buNone/>
+            </a:pPr>
+            <a:r>
+              <a:rPr lang="en-CA" dirty="0" smtClean="0"/>
+              <a:t>S1: </a:t>
+            </a:r>
+            <a:r>
               <a:rPr lang="en-CA" dirty="0"/>
-              <a:t>Scalability:</a:t>
-            </a:r>
-          </a:p>
-          <a:p>
-            <a:pPr>
-              <a:buFontTx/>
-              <a:buChar char="-"/>
+              <a:t>departure BIXI station </a:t>
+            </a:r>
+            <a:endParaRPr lang="en-CA" dirty="0" smtClean="0"/>
+          </a:p>
+          <a:p>
+            <a:pPr marL="0" indent="0">
+              <a:buNone/>
             </a:pPr>
             <a:r>
               <a:rPr lang="en-CA" dirty="0"/>
-              <a:t>a vast number of users use the APP in peak time</a:t>
-            </a:r>
-          </a:p>
-          <a:p>
-            <a:pPr>
-              <a:buFontTx/>
-              <a:buChar char="-"/>
-            </a:pPr>
+              <a:t>D1: </a:t>
+            </a:r>
+            <a:r>
+              <a:rPr lang="en-CA" dirty="0" smtClean="0"/>
+              <a:t>destination </a:t>
+            </a:r>
             <a:r>
               <a:rPr lang="en-CA" dirty="0"/>
-              <a:t> VMs management</a:t>
-            </a:r>
-          </a:p>
-          <a:p>
+              <a:t>BIXI </a:t>
+            </a:r>
+            <a:r>
+              <a:rPr lang="en-CA" dirty="0" smtClean="0"/>
+              <a:t>station</a:t>
+            </a:r>
+          </a:p>
+          <a:p>
+            <a:r>
+              <a:rPr lang="en-CA" b="1" dirty="0" smtClean="0"/>
+              <a:t>Route planning for biking:</a:t>
+            </a:r>
+          </a:p>
+          <a:p>
+            <a:r>
+              <a:rPr lang="en-CA" dirty="0" smtClean="0"/>
+              <a:t>- SEG1: Current location to the best departure BIXI station to pickup a bike: walk from S to S1</a:t>
+            </a:r>
+          </a:p>
+          <a:p>
+            <a:r>
+              <a:rPr lang="en-CA" dirty="0" smtClean="0"/>
+              <a:t>- SEG2: Departure BIXI station to destination BIXI station: bike from S1 to D1</a:t>
+            </a:r>
+          </a:p>
+          <a:p>
+            <a:r>
+              <a:rPr lang="en-CA" dirty="0" smtClean="0"/>
+              <a:t>- SEG3: Destination BIXI station to the final destination: walk from D1 to D</a:t>
+            </a:r>
+          </a:p>
+          <a:p>
+            <a:endParaRPr lang="en-CA" dirty="0" smtClean="0"/>
+          </a:p>
+          <a:p>
+            <a:r>
+              <a:rPr lang="en-CA" dirty="0" smtClean="0"/>
+              <a:t>S ----------------------&gt; S1</a:t>
+            </a:r>
+            <a:r>
+              <a:rPr lang="en-CA" dirty="0"/>
+              <a:t> </a:t>
+            </a:r>
+            <a:r>
+              <a:rPr lang="en-CA" dirty="0" smtClean="0"/>
+              <a:t>======================&gt; D1 ----------------------&gt; D</a:t>
+            </a:r>
             <a:endParaRPr lang="en-CA" dirty="0"/>
           </a:p>
         </p:txBody>
@@ -4599,13 +5656,619 @@
     </p:spTree>
     <p:extLst>
       <p:ext uri="{BB962C8B-B14F-4D97-AF65-F5344CB8AC3E}">
-        <p14:creationId xmlns:p14="http://schemas.microsoft.com/office/powerpoint/2010/main" val="1614953261"/>
+        <p14:creationId xmlns:p14="http://schemas.microsoft.com/office/powerpoint/2010/main" val="3119394370"/>
       </p:ext>
     </p:extLst>
   </p:cSld>
   <p:clrMapOvr>
     <a:masterClrMapping/>
   </p:clrMapOvr>
+  <p:timing>
+    <p:tnLst>
+      <p:par>
+        <p:cTn id="1" dur="indefinite" restart="never" nodeType="tmRoot"/>
+      </p:par>
+    </p:tnLst>
+  </p:timing>
+</p:sld>
+</file>
+
+<file path=ppt/slides/slide8.xml><?xml version="1.0" encoding="utf-8"?>
+<p:sld xmlns:a="http://schemas.openxmlformats.org/drawingml/2006/main" xmlns:r="http://schemas.openxmlformats.org/officeDocument/2006/relationships" xmlns:p="http://schemas.openxmlformats.org/presentationml/2006/main">
+  <p:cSld>
+    <p:spTree>
+      <p:nvGrpSpPr>
+        <p:cNvPr id="1" name=""/>
+        <p:cNvGrpSpPr/>
+        <p:nvPr/>
+      </p:nvGrpSpPr>
+      <p:grpSpPr>
+        <a:xfrm>
+          <a:off x="0" y="0"/>
+          <a:ext cx="0" cy="0"/>
+          <a:chOff x="0" y="0"/>
+          <a:chExt cx="0" cy="0"/>
+        </a:xfrm>
+      </p:grpSpPr>
+      <p:sp>
+        <p:nvSpPr>
+          <p:cNvPr id="2" name="Title 1"/>
+          <p:cNvSpPr>
+            <a:spLocks noGrp="1"/>
+          </p:cNvSpPr>
+          <p:nvPr>
+            <p:ph type="title"/>
+          </p:nvPr>
+        </p:nvSpPr>
+        <p:spPr/>
+        <p:txBody>
+          <a:bodyPr/>
+          <a:lstStyle/>
+          <a:p>
+            <a:r>
+              <a:rPr lang="en-CA" dirty="0" smtClean="0"/>
+              <a:t>Design</a:t>
+            </a:r>
+            <a:endParaRPr lang="en-CA" dirty="0"/>
+          </a:p>
+        </p:txBody>
+      </p:sp>
+      <p:sp>
+        <p:nvSpPr>
+          <p:cNvPr id="3" name="Content Placeholder 2"/>
+          <p:cNvSpPr>
+            <a:spLocks noGrp="1"/>
+          </p:cNvSpPr>
+          <p:nvPr>
+            <p:ph idx="1"/>
+          </p:nvPr>
+        </p:nvSpPr>
+        <p:spPr>
+          <a:xfrm>
+            <a:off x="1097280" y="1845734"/>
+            <a:ext cx="10058400" cy="4422062"/>
+          </a:xfrm>
+        </p:spPr>
+        <p:txBody>
+          <a:bodyPr>
+            <a:normAutofit/>
+          </a:bodyPr>
+          <a:lstStyle/>
+          <a:p>
+            <a:pPr>
+              <a:buFont typeface="Wingdings" panose="05000000000000000000" pitchFamily="2" charset="2"/>
+              <a:buChar char="§"/>
+            </a:pPr>
+            <a:r>
+              <a:rPr lang="en-CA" b="1" dirty="0" smtClean="0"/>
+              <a:t> B</a:t>
+            </a:r>
+            <a:r>
+              <a:rPr lang="en-CA" dirty="0" smtClean="0"/>
+              <a:t>: set of all bike stations</a:t>
+            </a:r>
+          </a:p>
+          <a:p>
+            <a:pPr lvl="1">
+              <a:buFont typeface="Wingdings" panose="05000000000000000000" pitchFamily="2" charset="2"/>
+              <a:buChar char="§"/>
+            </a:pPr>
+            <a:r>
+              <a:rPr lang="en-CA" dirty="0"/>
+              <a:t>  </a:t>
+            </a:r>
+            <a:r>
+              <a:rPr lang="en-CA" dirty="0" err="1"/>
+              <a:t>AvailableBikes</a:t>
+            </a:r>
+            <a:r>
+              <a:rPr lang="en-CA" dirty="0"/>
+              <a:t>(</a:t>
+            </a:r>
+            <a:r>
+              <a:rPr lang="en-CA" dirty="0" err="1"/>
+              <a:t>s,t</a:t>
+            </a:r>
+            <a:r>
+              <a:rPr lang="en-CA" dirty="0"/>
+              <a:t>): the number of available bikes at station s at time t</a:t>
+            </a:r>
+          </a:p>
+          <a:p>
+            <a:pPr lvl="1">
+              <a:buFont typeface="Wingdings" panose="05000000000000000000" pitchFamily="2" charset="2"/>
+              <a:buChar char="§"/>
+            </a:pPr>
+            <a:r>
+              <a:rPr lang="en-CA" dirty="0"/>
+              <a:t> </a:t>
+            </a:r>
+            <a:r>
+              <a:rPr lang="en-CA" dirty="0" err="1"/>
+              <a:t>AvailableDocks</a:t>
+            </a:r>
+            <a:r>
+              <a:rPr lang="en-CA" dirty="0"/>
+              <a:t>(</a:t>
+            </a:r>
+            <a:r>
+              <a:rPr lang="en-CA" dirty="0" err="1"/>
+              <a:t>s,t</a:t>
+            </a:r>
+            <a:r>
+              <a:rPr lang="en-CA" dirty="0"/>
+              <a:t>): the number of available docks at station s at time t</a:t>
+            </a:r>
+          </a:p>
+          <a:p>
+            <a:pPr>
+              <a:buFont typeface="Wingdings" panose="05000000000000000000" pitchFamily="2" charset="2"/>
+              <a:buChar char="§"/>
+            </a:pPr>
+            <a:r>
+              <a:rPr lang="en-CA" b="1" dirty="0" smtClean="0"/>
+              <a:t> B_s</a:t>
+            </a:r>
+            <a:r>
+              <a:rPr lang="en-CA" dirty="0" smtClean="0"/>
+              <a:t>(</a:t>
+            </a:r>
+            <a:r>
+              <a:rPr lang="en-CA" dirty="0" err="1" smtClean="0"/>
+              <a:t>S,n,m,t</a:t>
+            </a:r>
+            <a:r>
+              <a:rPr lang="en-CA" dirty="0" smtClean="0"/>
+              <a:t>): </a:t>
+            </a:r>
+            <a:r>
+              <a:rPr lang="en-CA" dirty="0"/>
+              <a:t>set of n</a:t>
+            </a:r>
+            <a:r>
+              <a:rPr lang="en-CA" dirty="0" smtClean="0"/>
+              <a:t> bike stations that have (</a:t>
+            </a:r>
+            <a:r>
+              <a:rPr lang="en-CA" dirty="0"/>
+              <a:t>a</a:t>
+            </a:r>
+            <a:r>
+              <a:rPr lang="en-CA" dirty="0" smtClean="0"/>
+              <a:t>) </a:t>
+            </a:r>
+            <a:r>
+              <a:rPr lang="en-CA" dirty="0"/>
+              <a:t>shortest geo distances to </a:t>
+            </a:r>
+            <a:r>
+              <a:rPr lang="en-CA" dirty="0" smtClean="0"/>
+              <a:t>S and (b) at least m available bikes at time t</a:t>
+            </a:r>
+            <a:endParaRPr lang="en-CA" dirty="0"/>
+          </a:p>
+          <a:p>
+            <a:pPr>
+              <a:buFont typeface="Wingdings" panose="05000000000000000000" pitchFamily="2" charset="2"/>
+              <a:buChar char="§"/>
+            </a:pPr>
+            <a:r>
+              <a:rPr lang="en-CA" b="1" dirty="0" smtClean="0"/>
+              <a:t> </a:t>
+            </a:r>
+            <a:r>
+              <a:rPr lang="en-CA" b="1" dirty="0" err="1" smtClean="0"/>
+              <a:t>B_d</a:t>
+            </a:r>
+            <a:r>
+              <a:rPr lang="en-CA" dirty="0" smtClean="0"/>
+              <a:t>(</a:t>
+            </a:r>
+            <a:r>
+              <a:rPr lang="en-CA" dirty="0" err="1" smtClean="0"/>
+              <a:t>D,n,m,t</a:t>
+            </a:r>
+            <a:r>
+              <a:rPr lang="en-CA" dirty="0" smtClean="0"/>
+              <a:t>): </a:t>
+            </a:r>
+            <a:r>
+              <a:rPr lang="en-CA" dirty="0"/>
+              <a:t>set of n bike stations </a:t>
+            </a:r>
+            <a:r>
+              <a:rPr lang="en-CA" dirty="0" smtClean="0"/>
+              <a:t>that have (a) </a:t>
+            </a:r>
+            <a:r>
+              <a:rPr lang="en-CA" dirty="0"/>
+              <a:t>shortest geo distances to </a:t>
+            </a:r>
+            <a:r>
+              <a:rPr lang="en-CA" dirty="0" smtClean="0"/>
+              <a:t>D and (b) </a:t>
+            </a:r>
+            <a:r>
+              <a:rPr lang="en-CA" dirty="0"/>
+              <a:t>at least m available </a:t>
+            </a:r>
+            <a:r>
+              <a:rPr lang="en-CA" dirty="0" smtClean="0"/>
+              <a:t>docks at time t</a:t>
+            </a:r>
+          </a:p>
+          <a:p>
+            <a:pPr>
+              <a:buFont typeface="Wingdings" panose="05000000000000000000" pitchFamily="2" charset="2"/>
+              <a:buChar char="§"/>
+            </a:pPr>
+            <a:r>
+              <a:rPr lang="en-CA" dirty="0" smtClean="0"/>
+              <a:t> </a:t>
+            </a:r>
+            <a:r>
+              <a:rPr lang="en-CA" dirty="0" err="1" smtClean="0"/>
+              <a:t>G_w</a:t>
+            </a:r>
+            <a:r>
+              <a:rPr lang="en-CA" dirty="0" smtClean="0"/>
+              <a:t>(X,Y), </a:t>
+            </a:r>
+            <a:r>
+              <a:rPr lang="en-CA" dirty="0" err="1" smtClean="0"/>
+              <a:t>G_b</a:t>
+            </a:r>
+            <a:r>
+              <a:rPr lang="en-CA" dirty="0" smtClean="0"/>
+              <a:t>(X,Y), </a:t>
+            </a:r>
+            <a:r>
+              <a:rPr lang="en-CA" dirty="0" err="1" smtClean="0"/>
+              <a:t>G_pub</a:t>
+            </a:r>
+            <a:r>
+              <a:rPr lang="en-CA" dirty="0" smtClean="0"/>
+              <a:t>(X,Y</a:t>
+            </a:r>
+            <a:r>
+              <a:rPr lang="en-CA" dirty="0"/>
+              <a:t>)</a:t>
+            </a:r>
+            <a:r>
+              <a:rPr lang="en-CA" dirty="0" smtClean="0"/>
+              <a:t>: </a:t>
+            </a:r>
+            <a:r>
+              <a:rPr lang="en-CA" dirty="0"/>
+              <a:t>the cost of </a:t>
+            </a:r>
+            <a:r>
+              <a:rPr lang="en-CA" dirty="0" smtClean="0"/>
+              <a:t>walking/biking/public transportation </a:t>
+            </a:r>
+            <a:r>
+              <a:rPr lang="en-CA" dirty="0"/>
+              <a:t>from X to Y calculated by </a:t>
+            </a:r>
+            <a:r>
+              <a:rPr lang="en-CA" dirty="0" err="1" smtClean="0"/>
+              <a:t>GoogleAPI</a:t>
+            </a:r>
+            <a:r>
+              <a:rPr lang="en-CA" dirty="0" smtClean="0"/>
+              <a:t> at time t</a:t>
+            </a:r>
+          </a:p>
+        </p:txBody>
+      </p:sp>
+    </p:spTree>
+    <p:extLst>
+      <p:ext uri="{BB962C8B-B14F-4D97-AF65-F5344CB8AC3E}">
+        <p14:creationId xmlns:p14="http://schemas.microsoft.com/office/powerpoint/2010/main" val="2256211168"/>
+      </p:ext>
+    </p:extLst>
+  </p:cSld>
+  <p:clrMapOvr>
+    <a:masterClrMapping/>
+  </p:clrMapOvr>
+  <p:timing>
+    <p:tnLst>
+      <p:par>
+        <p:cTn id="1" dur="indefinite" restart="never" nodeType="tmRoot"/>
+      </p:par>
+    </p:tnLst>
+  </p:timing>
+</p:sld>
+</file>
+
+<file path=ppt/slides/slide9.xml><?xml version="1.0" encoding="utf-8"?>
+<p:sld xmlns:a="http://schemas.openxmlformats.org/drawingml/2006/main" xmlns:r="http://schemas.openxmlformats.org/officeDocument/2006/relationships" xmlns:p="http://schemas.openxmlformats.org/presentationml/2006/main">
+  <p:cSld>
+    <p:spTree>
+      <p:nvGrpSpPr>
+        <p:cNvPr id="1" name=""/>
+        <p:cNvGrpSpPr/>
+        <p:nvPr/>
+      </p:nvGrpSpPr>
+      <p:grpSpPr>
+        <a:xfrm>
+          <a:off x="0" y="0"/>
+          <a:ext cx="0" cy="0"/>
+          <a:chOff x="0" y="0"/>
+          <a:chExt cx="0" cy="0"/>
+        </a:xfrm>
+      </p:grpSpPr>
+      <p:sp>
+        <p:nvSpPr>
+          <p:cNvPr id="2" name="Title 1"/>
+          <p:cNvSpPr>
+            <a:spLocks noGrp="1"/>
+          </p:cNvSpPr>
+          <p:nvPr>
+            <p:ph type="title"/>
+          </p:nvPr>
+        </p:nvSpPr>
+        <p:spPr/>
+        <p:txBody>
+          <a:bodyPr/>
+          <a:lstStyle/>
+          <a:p>
+            <a:r>
+              <a:rPr lang="en-CA" dirty="0" smtClean="0"/>
+              <a:t>Design</a:t>
+            </a:r>
+            <a:endParaRPr lang="en-CA" dirty="0"/>
+          </a:p>
+        </p:txBody>
+      </p:sp>
+      <p:sp>
+        <p:nvSpPr>
+          <p:cNvPr id="3" name="Content Placeholder 2"/>
+          <p:cNvSpPr>
+            <a:spLocks noGrp="1"/>
+          </p:cNvSpPr>
+          <p:nvPr>
+            <p:ph idx="1"/>
+          </p:nvPr>
+        </p:nvSpPr>
+        <p:spPr>
+          <a:xfrm>
+            <a:off x="1097280" y="1845734"/>
+            <a:ext cx="10058400" cy="4422062"/>
+          </a:xfrm>
+        </p:spPr>
+        <p:txBody>
+          <a:bodyPr>
+            <a:normAutofit/>
+          </a:bodyPr>
+          <a:lstStyle/>
+          <a:p>
+            <a:pPr marL="0" indent="0">
+              <a:buNone/>
+            </a:pPr>
+            <a:r>
+              <a:rPr lang="en-CA" b="1" dirty="0" smtClean="0"/>
+              <a:t>How to select S1?</a:t>
+            </a:r>
+          </a:p>
+          <a:p>
+            <a:pPr marL="0" indent="0">
+              <a:buNone/>
+            </a:pPr>
+            <a:r>
+              <a:rPr lang="en-CA" dirty="0" smtClean="0"/>
+              <a:t>S1 \in </a:t>
+            </a:r>
+            <a:r>
+              <a:rPr lang="en-CA" b="1" dirty="0"/>
+              <a:t>B_s</a:t>
+            </a:r>
+            <a:r>
+              <a:rPr lang="en-CA" dirty="0"/>
+              <a:t>(</a:t>
+            </a:r>
+            <a:r>
+              <a:rPr lang="en-CA" dirty="0" err="1"/>
+              <a:t>S,n,m,t</a:t>
+            </a:r>
+            <a:r>
+              <a:rPr lang="en-CA" dirty="0" smtClean="0"/>
+              <a:t>) and </a:t>
+            </a:r>
+            <a:r>
+              <a:rPr lang="en-CA" dirty="0" err="1" smtClean="0"/>
+              <a:t>G_w</a:t>
+            </a:r>
+            <a:r>
+              <a:rPr lang="en-CA" dirty="0" smtClean="0"/>
+              <a:t>(S,S1) = min{</a:t>
+            </a:r>
+            <a:r>
+              <a:rPr lang="en-CA" dirty="0" err="1" smtClean="0"/>
+              <a:t>G_w</a:t>
+            </a:r>
+            <a:r>
+              <a:rPr lang="en-CA" dirty="0" smtClean="0"/>
+              <a:t>(S,s)}, \</a:t>
+            </a:r>
+            <a:r>
+              <a:rPr lang="en-CA" dirty="0" err="1" smtClean="0"/>
+              <a:t>forall</a:t>
+            </a:r>
+            <a:r>
+              <a:rPr lang="en-CA" dirty="0" smtClean="0"/>
+              <a:t> s \in </a:t>
+            </a:r>
+            <a:r>
+              <a:rPr lang="en-CA" b="1" dirty="0" smtClean="0"/>
+              <a:t>B_s</a:t>
+            </a:r>
+            <a:r>
+              <a:rPr lang="en-CA" dirty="0" smtClean="0"/>
+              <a:t>(</a:t>
+            </a:r>
+            <a:r>
+              <a:rPr lang="en-CA" dirty="0" err="1" smtClean="0"/>
+              <a:t>S,n,m,t</a:t>
+            </a:r>
+            <a:r>
+              <a:rPr lang="en-CA" dirty="0" smtClean="0"/>
+              <a:t>)</a:t>
+            </a:r>
+          </a:p>
+          <a:p>
+            <a:pPr marL="0" indent="0">
+              <a:buNone/>
+            </a:pPr>
+            <a:r>
+              <a:rPr lang="en-CA" b="1" dirty="0"/>
+              <a:t>How to select </a:t>
+            </a:r>
+            <a:r>
+              <a:rPr lang="en-CA" b="1" dirty="0" smtClean="0"/>
+              <a:t>D1</a:t>
+            </a:r>
+            <a:r>
+              <a:rPr lang="en-CA" b="1" dirty="0"/>
+              <a:t>?</a:t>
+            </a:r>
+          </a:p>
+          <a:p>
+            <a:pPr marL="0" indent="0">
+              <a:buNone/>
+            </a:pPr>
+            <a:r>
+              <a:rPr lang="en-CA" dirty="0" smtClean="0"/>
+              <a:t>D1 </a:t>
+            </a:r>
+            <a:r>
+              <a:rPr lang="en-CA" dirty="0"/>
+              <a:t>\in </a:t>
+            </a:r>
+            <a:r>
+              <a:rPr lang="en-CA" b="1" dirty="0" err="1" smtClean="0"/>
+              <a:t>B_d</a:t>
+            </a:r>
+            <a:r>
+              <a:rPr lang="en-CA" dirty="0" smtClean="0"/>
+              <a:t>(</a:t>
+            </a:r>
+            <a:r>
+              <a:rPr lang="en-CA" dirty="0" err="1"/>
+              <a:t>D</a:t>
+            </a:r>
+            <a:r>
+              <a:rPr lang="en-CA" dirty="0" err="1" smtClean="0"/>
+              <a:t>,n,m,t</a:t>
+            </a:r>
+            <a:r>
+              <a:rPr lang="en-CA" dirty="0"/>
+              <a:t>) and </a:t>
+            </a:r>
+            <a:r>
+              <a:rPr lang="en-CA" dirty="0" err="1" smtClean="0"/>
+              <a:t>G_w</a:t>
+            </a:r>
+            <a:r>
+              <a:rPr lang="en-CA" dirty="0" smtClean="0"/>
+              <a:t>(D1,D) </a:t>
+            </a:r>
+            <a:r>
+              <a:rPr lang="en-CA" dirty="0"/>
+              <a:t>= </a:t>
+            </a:r>
+            <a:r>
+              <a:rPr lang="en-CA" dirty="0" smtClean="0"/>
+              <a:t>min{</a:t>
+            </a:r>
+            <a:r>
+              <a:rPr lang="en-CA" dirty="0" err="1" smtClean="0"/>
+              <a:t>G_w</a:t>
+            </a:r>
+            <a:r>
+              <a:rPr lang="en-CA" dirty="0" smtClean="0"/>
+              <a:t>(</a:t>
+            </a:r>
+            <a:r>
+              <a:rPr lang="en-CA" dirty="0" err="1" smtClean="0"/>
+              <a:t>d,D</a:t>
+            </a:r>
+            <a:r>
+              <a:rPr lang="en-CA" dirty="0" smtClean="0"/>
+              <a:t>)}, </a:t>
+            </a:r>
+            <a:r>
+              <a:rPr lang="en-CA" dirty="0"/>
+              <a:t>\</a:t>
+            </a:r>
+            <a:r>
+              <a:rPr lang="en-CA" dirty="0" err="1"/>
+              <a:t>forall</a:t>
+            </a:r>
+            <a:r>
+              <a:rPr lang="en-CA" dirty="0"/>
+              <a:t> </a:t>
+            </a:r>
+            <a:r>
+              <a:rPr lang="en-CA" dirty="0" smtClean="0"/>
+              <a:t>d </a:t>
+            </a:r>
+            <a:r>
+              <a:rPr lang="en-CA" dirty="0"/>
+              <a:t>\in </a:t>
+            </a:r>
+            <a:r>
+              <a:rPr lang="en-CA" b="1" dirty="0" err="1" smtClean="0"/>
+              <a:t>B_d</a:t>
+            </a:r>
+            <a:r>
+              <a:rPr lang="en-CA" dirty="0" smtClean="0"/>
+              <a:t>(</a:t>
+            </a:r>
+            <a:r>
+              <a:rPr lang="en-CA" dirty="0" err="1"/>
+              <a:t>D</a:t>
+            </a:r>
+            <a:r>
+              <a:rPr lang="en-CA" dirty="0" err="1" smtClean="0"/>
+              <a:t>,n,m,t</a:t>
+            </a:r>
+            <a:r>
+              <a:rPr lang="en-CA" dirty="0" smtClean="0"/>
+              <a:t>)</a:t>
+            </a:r>
+          </a:p>
+          <a:p>
+            <a:pPr marL="0" indent="0">
+              <a:buNone/>
+            </a:pPr>
+            <a:endParaRPr lang="en-CA" dirty="0"/>
+          </a:p>
+          <a:p>
+            <a:pPr marL="0" indent="0">
+              <a:buNone/>
+            </a:pPr>
+            <a:endParaRPr lang="en-CA" dirty="0" smtClean="0"/>
+          </a:p>
+        </p:txBody>
+      </p:sp>
+    </p:spTree>
+    <p:extLst>
+      <p:ext uri="{BB962C8B-B14F-4D97-AF65-F5344CB8AC3E}">
+        <p14:creationId xmlns:p14="http://schemas.microsoft.com/office/powerpoint/2010/main" val="2511717434"/>
+      </p:ext>
+    </p:extLst>
+  </p:cSld>
+  <p:clrMapOvr>
+    <a:masterClrMapping/>
+  </p:clrMapOvr>
+  <p:timing>
+    <p:tnLst>
+      <p:par>
+        <p:cTn id="1" dur="indefinite" restart="never" nodeType="tmRoot"/>
+      </p:par>
+    </p:tnLst>
+  </p:timing>
 </p:sld>
 </file>
 

--- a/SAVI - Design Camp 2015.pptx
+++ b/SAVI - Design Camp 2015.pptx
@@ -8,16 +8,17 @@
     <p:sldId id="256" r:id="rId2"/>
     <p:sldId id="257" r:id="rId3"/>
     <p:sldId id="261" r:id="rId4"/>
-    <p:sldId id="262" r:id="rId5"/>
-    <p:sldId id="259" r:id="rId6"/>
-    <p:sldId id="265" r:id="rId7"/>
-    <p:sldId id="263" r:id="rId8"/>
-    <p:sldId id="264" r:id="rId9"/>
-    <p:sldId id="267" r:id="rId10"/>
-    <p:sldId id="270" r:id="rId11"/>
-    <p:sldId id="266" r:id="rId12"/>
-    <p:sldId id="268" r:id="rId13"/>
-    <p:sldId id="269" r:id="rId14"/>
+    <p:sldId id="265" r:id="rId5"/>
+    <p:sldId id="263" r:id="rId6"/>
+    <p:sldId id="264" r:id="rId7"/>
+    <p:sldId id="267" r:id="rId8"/>
+    <p:sldId id="270" r:id="rId9"/>
+    <p:sldId id="266" r:id="rId10"/>
+    <p:sldId id="268" r:id="rId11"/>
+    <p:sldId id="269" r:id="rId12"/>
+    <p:sldId id="271" r:id="rId13"/>
+    <p:sldId id="272" r:id="rId14"/>
+    <p:sldId id="273" r:id="rId15"/>
   </p:sldIdLst>
   <p:sldSz cx="12192000" cy="6858000"/>
   <p:notesSz cx="6858000" cy="9144000"/>
@@ -350,7 +351,7 @@
           <a:p>
             <a:fld id="{4BDF68E2-58F2-4D09-BE8B-E3BD06533059}" type="datetimeFigureOut">
               <a:rPr lang="en-US" dirty="0"/>
-              <a:t>10/9/2015</a:t>
+              <a:t>10/10/2015</a:t>
             </a:fld>
             <a:endParaRPr lang="en-US" dirty="0"/>
           </a:p>
@@ -553,7 +554,7 @@
           <a:p>
             <a:fld id="{2E2D6473-DF6D-4702-B328-E0DD40540A4E}" type="datetimeFigureOut">
               <a:rPr lang="en-US" dirty="0"/>
-              <a:t>10/9/2015</a:t>
+              <a:t>10/10/2015</a:t>
             </a:fld>
             <a:endParaRPr lang="en-US" dirty="0"/>
           </a:p>
@@ -804,7 +805,7 @@
           <a:p>
             <a:fld id="{E26F7E3A-B166-407D-9866-32884E7D5B37}" type="datetimeFigureOut">
               <a:rPr lang="en-US" dirty="0"/>
-              <a:t>10/9/2015</a:t>
+              <a:t>10/10/2015</a:t>
             </a:fld>
             <a:endParaRPr lang="en-US" dirty="0"/>
           </a:p>
@@ -973,7 +974,7 @@
           <a:p>
             <a:fld id="{528FC5F6-F338-4AE4-BB23-26385BCFC423}" type="datetimeFigureOut">
               <a:rPr lang="en-US" dirty="0"/>
-              <a:t>10/9/2015</a:t>
+              <a:t>10/10/2015</a:t>
             </a:fld>
             <a:endParaRPr lang="en-US" dirty="0"/>
           </a:p>
@@ -1311,7 +1312,7 @@
           <a:p>
             <a:fld id="{20EBB0C4-6273-4C6E-B9BD-2EDC30F1CD52}" type="datetimeFigureOut">
               <a:rPr lang="en-US" dirty="0"/>
-              <a:t>10/9/2015</a:t>
+              <a:t>10/10/2015</a:t>
             </a:fld>
             <a:endParaRPr lang="en-US" dirty="0"/>
           </a:p>
@@ -1581,7 +1582,7 @@
           <a:p>
             <a:fld id="{19AB4D41-86C1-4908-B66A-0B50CEB3BF29}" type="datetimeFigureOut">
               <a:rPr lang="en-US" dirty="0"/>
-              <a:t>10/9/2015</a:t>
+              <a:t>10/10/2015</a:t>
             </a:fld>
             <a:endParaRPr lang="en-US" dirty="0"/>
           </a:p>
@@ -1955,7 +1956,7 @@
           <a:p>
             <a:fld id="{E6426E2C-56C1-4E0D-A793-0088A7FDD37E}" type="datetimeFigureOut">
               <a:rPr lang="en-US" dirty="0"/>
-              <a:t>10/9/2015</a:t>
+              <a:t>10/10/2015</a:t>
             </a:fld>
             <a:endParaRPr lang="en-US" dirty="0"/>
           </a:p>
@@ -2068,7 +2069,7 @@
           <a:p>
             <a:fld id="{C8C39B41-D8B5-4052-B551-9B5525EAA8B6}" type="datetimeFigureOut">
               <a:rPr lang="en-US" dirty="0"/>
-              <a:t>10/9/2015</a:t>
+              <a:t>10/10/2015</a:t>
             </a:fld>
             <a:endParaRPr lang="en-US" dirty="0"/>
           </a:p>
@@ -2234,7 +2235,7 @@
           <a:p>
             <a:fld id="{4D94136C-8742-45B2-AF27-D93DF72833A9}" type="datetimeFigureOut">
               <a:rPr lang="en-US" dirty="0"/>
-              <a:t>10/9/2015</a:t>
+              <a:t>10/10/2015</a:t>
             </a:fld>
             <a:endParaRPr lang="en-US" dirty="0"/>
           </a:p>
@@ -2584,7 +2585,7 @@
           <a:p>
             <a:fld id="{32ABBEA6-7C60-4B02-AE87-00D78D8422AF}" type="datetimeFigureOut">
               <a:rPr lang="en-US" dirty="0"/>
-              <a:t>10/9/2015</a:t>
+              <a:t>10/10/2015</a:t>
             </a:fld>
             <a:endParaRPr lang="en-US" dirty="0"/>
           </a:p>
@@ -2962,7 +2963,7 @@
           <a:p>
             <a:fld id="{C9CAD897-D46E-4AD2-BD9B-49DD3E640873}" type="datetimeFigureOut">
               <a:rPr lang="en-US" dirty="0"/>
-              <a:t>10/9/2015</a:t>
+              <a:t>10/10/2015</a:t>
             </a:fld>
             <a:endParaRPr lang="en-US" dirty="0"/>
           </a:p>
@@ -3244,7 +3245,7 @@
           <a:p>
             <a:fld id="{98624D31-43A5-475A-80CF-332C9F6DCF35}" type="datetimeFigureOut">
               <a:rPr lang="en-US" dirty="0"/>
-              <a:t>10/9/2015</a:t>
+              <a:t>10/10/2015</a:t>
             </a:fld>
             <a:endParaRPr lang="en-US" dirty="0"/>
           </a:p>
@@ -3950,9 +3951,10 @@
           <a:lstStyle/>
           <a:p>
             <a:r>
-              <a:rPr lang="en-CA" dirty="0"/>
-              <a:t>Design</a:t>
-            </a:r>
+              <a:rPr lang="en-CA" dirty="0" smtClean="0"/>
+              <a:t>V1.1: No real-time update/re-routing</a:t>
+            </a:r>
+            <a:endParaRPr lang="en-CA" dirty="0"/>
           </a:p>
         </p:txBody>
       </p:sp>
@@ -3971,167 +3973,78 @@
           <a:bodyPr/>
           <a:lstStyle/>
           <a:p>
-            <a:pPr marL="0" indent="0">
-              <a:buNone/>
-            </a:pPr>
-            <a:r>
-              <a:rPr lang="en-CA" b="1" dirty="0" smtClean="0"/>
-              <a:t>Public transportation cost:</a:t>
-            </a:r>
-          </a:p>
-          <a:p>
-            <a:pPr marL="0" indent="0">
-              <a:buNone/>
-            </a:pPr>
-            <a:r>
-              <a:rPr lang="en-CA" dirty="0" smtClean="0"/>
+            <a:pPr marL="457200" indent="-457200">
+              <a:buFont typeface="+mj-lt"/>
+              <a:buAutoNum type="arabicPeriod"/>
+            </a:pPr>
+            <a:r>
+              <a:rPr lang="en-CA" dirty="0" smtClean="0"/>
+              <a:t>Read(S,D)</a:t>
+            </a:r>
+          </a:p>
+          <a:p>
+            <a:pPr marL="457200" indent="-457200">
+              <a:buFont typeface="+mj-lt"/>
+              <a:buAutoNum type="arabicPeriod"/>
+            </a:pPr>
+            <a:r>
+              <a:rPr lang="en-CA" dirty="0" smtClean="0"/>
+              <a:t>Calculate </a:t>
+            </a:r>
+            <a:r>
+              <a:rPr lang="en-CA" dirty="0"/>
               <a:t>C_PUB(</a:t>
-            </a:r>
-            <a:r>
-              <a:rPr lang="en-CA" dirty="0" err="1" smtClean="0"/>
-              <a:t>S,D,t</a:t>
-            </a:r>
-            <a:r>
-              <a:rPr lang="en-CA" dirty="0"/>
-              <a:t>) = </a:t>
-            </a:r>
-            <a:r>
-              <a:rPr lang="en-CA" dirty="0" smtClean="0"/>
-              <a:t>G_PUB(S,S1,t)</a:t>
-            </a:r>
-            <a:endParaRPr lang="en-CA" b="1" dirty="0" smtClean="0"/>
-          </a:p>
-          <a:p>
-            <a:pPr marL="0" indent="0">
-              <a:buNone/>
-            </a:pPr>
-            <a:r>
-              <a:rPr lang="en-CA" b="1" dirty="0" smtClean="0"/>
-              <a:t>BIXI </a:t>
-            </a:r>
-            <a:r>
-              <a:rPr lang="en-CA" b="1" dirty="0"/>
-              <a:t>cost:</a:t>
-            </a:r>
-          </a:p>
-          <a:p>
-            <a:pPr marL="0" indent="0">
-              <a:buNone/>
-            </a:pPr>
-            <a:r>
-              <a:rPr lang="en-CA" dirty="0"/>
-              <a:t>C_BIXI(</a:t>
             </a:r>
             <a:r>
               <a:rPr lang="en-CA" dirty="0" err="1"/>
               <a:t>S,D,t</a:t>
             </a:r>
             <a:r>
-              <a:rPr lang="en-CA" dirty="0"/>
-              <a:t>) = </a:t>
-            </a:r>
-            <a:r>
-              <a:rPr lang="en-CA" dirty="0" err="1" smtClean="0"/>
-              <a:t>G_w</a:t>
-            </a:r>
-            <a:r>
-              <a:rPr lang="en-CA" dirty="0" smtClean="0"/>
-              <a:t>(S,S1,t) </a:t>
-            </a:r>
-            <a:r>
-              <a:rPr lang="en-CA" dirty="0"/>
-              <a:t>+ </a:t>
-            </a:r>
-            <a:r>
-              <a:rPr lang="en-CA" dirty="0" err="1" smtClean="0"/>
-              <a:t>G_b</a:t>
-            </a:r>
-            <a:r>
-              <a:rPr lang="en-CA" dirty="0" smtClean="0"/>
-              <a:t>(S1,D1,t) </a:t>
-            </a:r>
-            <a:r>
-              <a:rPr lang="en-CA" dirty="0"/>
-              <a:t>+ </a:t>
-            </a:r>
-            <a:r>
-              <a:rPr lang="en-CA" dirty="0" err="1" smtClean="0"/>
-              <a:t>G_w</a:t>
-            </a:r>
-            <a:r>
-              <a:rPr lang="en-CA" dirty="0" smtClean="0"/>
-              <a:t>(D1,D,t)</a:t>
-            </a:r>
-          </a:p>
-          <a:p>
-            <a:pPr marL="0" indent="0">
-              <a:buNone/>
-            </a:pPr>
-            <a:r>
-              <a:rPr lang="en-CA" i="1" dirty="0" smtClean="0"/>
-              <a:t>These 2 costs could be adjusted by other information from CVST</a:t>
-            </a:r>
-          </a:p>
-          <a:p>
-            <a:pPr>
-              <a:buFont typeface="Arial" panose="020B0604020202020204" pitchFamily="34" charset="0"/>
-              <a:buChar char="•"/>
-            </a:pPr>
-            <a:r>
-              <a:rPr lang="en-CA" i="1" dirty="0"/>
-              <a:t> </a:t>
-            </a:r>
-            <a:r>
-              <a:rPr lang="en-CA" i="1" dirty="0" smtClean="0"/>
-              <a:t>Road blocks</a:t>
-            </a:r>
-          </a:p>
-          <a:p>
-            <a:pPr>
-              <a:buFont typeface="Arial" panose="020B0604020202020204" pitchFamily="34" charset="0"/>
-              <a:buChar char="•"/>
-            </a:pPr>
-            <a:r>
-              <a:rPr lang="en-CA" i="1" dirty="0"/>
-              <a:t> </a:t>
-            </a:r>
-            <a:r>
-              <a:rPr lang="en-CA" i="1" dirty="0" smtClean="0"/>
-              <a:t>Constructions</a:t>
-            </a:r>
-          </a:p>
-          <a:p>
-            <a:pPr>
-              <a:buFont typeface="Arial" panose="020B0604020202020204" pitchFamily="34" charset="0"/>
-              <a:buChar char="•"/>
-            </a:pPr>
-            <a:r>
-              <a:rPr lang="en-CA" i="1" dirty="0"/>
-              <a:t> </a:t>
-            </a:r>
-            <a:r>
-              <a:rPr lang="en-CA" i="1" dirty="0" smtClean="0"/>
-              <a:t>Accidents</a:t>
-            </a:r>
-          </a:p>
-          <a:p>
-            <a:pPr>
-              <a:buFont typeface="Arial" panose="020B0604020202020204" pitchFamily="34" charset="0"/>
-              <a:buChar char="•"/>
-            </a:pPr>
-            <a:r>
-              <a:rPr lang="en-CA" i="1" dirty="0"/>
-              <a:t> </a:t>
-            </a:r>
-            <a:r>
-              <a:rPr lang="en-CA" i="1" dirty="0" smtClean="0"/>
-              <a:t>…</a:t>
-            </a:r>
-          </a:p>
-          <a:p>
-            <a:pPr marL="0" indent="0">
-              <a:buNone/>
-            </a:pPr>
+              <a:rPr lang="en-CA" dirty="0" smtClean="0"/>
+              <a:t>)</a:t>
+            </a:r>
+          </a:p>
+          <a:p>
+            <a:pPr marL="457200" indent="-457200">
+              <a:buFont typeface="+mj-lt"/>
+              <a:buAutoNum type="arabicPeriod"/>
+            </a:pPr>
+            <a:r>
+              <a:rPr lang="en-CA" dirty="0" smtClean="0"/>
+              <a:t>Calculate </a:t>
+            </a:r>
+            <a:r>
+              <a:rPr lang="en-CA" dirty="0"/>
+              <a:t>C_BIXI(</a:t>
+            </a:r>
+            <a:r>
+              <a:rPr lang="en-CA" dirty="0" err="1"/>
+              <a:t>S,D,t</a:t>
+            </a:r>
+            <a:r>
+              <a:rPr lang="en-CA" dirty="0" smtClean="0"/>
+              <a:t>)</a:t>
+            </a:r>
+          </a:p>
+          <a:p>
+            <a:pPr marL="457200" indent="-457200">
+              <a:buFont typeface="+mj-lt"/>
+              <a:buAutoNum type="arabicPeriod"/>
+            </a:pPr>
+            <a:r>
+              <a:rPr lang="en-CA" dirty="0" smtClean="0"/>
+              <a:t>Select route</a:t>
+            </a:r>
+          </a:p>
+          <a:p>
+            <a:pPr marL="457200" indent="-457200">
+              <a:buFont typeface="+mj-lt"/>
+              <a:buAutoNum type="arabicPeriod"/>
+            </a:pPr>
+            <a:r>
+              <a:rPr lang="en-CA" dirty="0" smtClean="0"/>
+              <a:t>Display decision and map  </a:t>
+            </a:r>
             <a:endParaRPr lang="en-CA" dirty="0"/>
           </a:p>
           <a:p>
@@ -4148,7 +4061,7 @@
     </p:spTree>
     <p:extLst>
       <p:ext uri="{BB962C8B-B14F-4D97-AF65-F5344CB8AC3E}">
-        <p14:creationId xmlns:p14="http://schemas.microsoft.com/office/powerpoint/2010/main" val="51058796"/>
+        <p14:creationId xmlns:p14="http://schemas.microsoft.com/office/powerpoint/2010/main" val="4248212465"/>
       </p:ext>
     </p:extLst>
   </p:cSld>
@@ -4198,9 +4111,10 @@
           <a:lstStyle/>
           <a:p>
             <a:r>
-              <a:rPr lang="en-CA" dirty="0"/>
-              <a:t>Design</a:t>
-            </a:r>
+              <a:rPr lang="en-CA" dirty="0" smtClean="0"/>
+              <a:t>V2.1: Real-time updates + re-routings</a:t>
+            </a:r>
+            <a:endParaRPr lang="en-CA" dirty="0"/>
           </a:p>
         </p:txBody>
       </p:sp>
@@ -4216,83 +4130,135 @@
         </p:nvSpPr>
         <p:spPr/>
         <p:txBody>
-          <a:bodyPr/>
-          <a:lstStyle/>
-          <a:p>
-            <a:pPr marL="0" indent="0">
-              <a:buNone/>
-            </a:pPr>
-            <a:r>
-              <a:rPr lang="en-CA" b="1" dirty="0" smtClean="0"/>
-              <a:t>BIXI </a:t>
-            </a:r>
-            <a:r>
-              <a:rPr lang="en-CA" b="1" dirty="0"/>
-              <a:t>cost:</a:t>
-            </a:r>
-          </a:p>
-          <a:p>
-            <a:pPr marL="0" indent="0">
-              <a:buNone/>
-            </a:pPr>
-            <a:r>
-              <a:rPr lang="en-CA" dirty="0"/>
-              <a:t>C_BIXI(</a:t>
+          <a:bodyPr>
+            <a:normAutofit fontScale="85000" lnSpcReduction="20000"/>
+          </a:bodyPr>
+          <a:lstStyle/>
+          <a:p>
+            <a:pPr marL="457200" indent="-457200">
+              <a:buFont typeface="+mj-lt"/>
+              <a:buAutoNum type="arabicPeriod"/>
+            </a:pPr>
+            <a:r>
+              <a:rPr lang="en-CA" dirty="0" smtClean="0"/>
+              <a:t>Read(S,D)</a:t>
+            </a:r>
+          </a:p>
+          <a:p>
+            <a:pPr marL="457200" indent="-457200">
+              <a:buFont typeface="+mj-lt"/>
+              <a:buAutoNum type="arabicPeriod"/>
+            </a:pPr>
+            <a:r>
+              <a:rPr lang="en-CA" dirty="0" smtClean="0"/>
+              <a:t>Calculate </a:t>
+            </a:r>
+            <a:r>
+              <a:rPr lang="en-CA" dirty="0"/>
+              <a:t>C_PUB(</a:t>
             </a:r>
             <a:r>
               <a:rPr lang="en-CA" dirty="0" err="1"/>
               <a:t>S,D,t</a:t>
             </a:r>
             <a:r>
-              <a:rPr lang="en-CA" dirty="0"/>
-              <a:t>) = </a:t>
+              <a:rPr lang="en-CA" dirty="0" smtClean="0"/>
+              <a:t>)</a:t>
+            </a:r>
+          </a:p>
+          <a:p>
+            <a:pPr marL="457200" indent="-457200">
+              <a:buFont typeface="+mj-lt"/>
+              <a:buAutoNum type="arabicPeriod"/>
+            </a:pPr>
+            <a:r>
+              <a:rPr lang="en-CA" dirty="0" smtClean="0"/>
+              <a:t>Calculate </a:t>
+            </a:r>
+            <a:r>
+              <a:rPr lang="en-CA" dirty="0"/>
+              <a:t>C_BIXI(</a:t>
+            </a:r>
+            <a:r>
+              <a:rPr lang="en-CA" dirty="0" err="1"/>
+              <a:t>S,D,t</a:t>
+            </a:r>
+            <a:r>
+              <a:rPr lang="en-CA" dirty="0" smtClean="0"/>
+              <a:t>)</a:t>
+            </a:r>
+          </a:p>
+          <a:p>
+            <a:pPr marL="457200" indent="-457200">
+              <a:buFont typeface="+mj-lt"/>
+              <a:buAutoNum type="arabicPeriod"/>
+            </a:pPr>
+            <a:r>
+              <a:rPr lang="en-CA" dirty="0" smtClean="0"/>
+              <a:t>Select route</a:t>
+            </a:r>
+          </a:p>
+          <a:p>
+            <a:pPr marL="457200" indent="-457200">
+              <a:buFont typeface="+mj-lt"/>
+              <a:buAutoNum type="arabicPeriod"/>
+            </a:pPr>
+            <a:r>
+              <a:rPr lang="en-CA" dirty="0" smtClean="0"/>
+              <a:t>Display decision and map</a:t>
+            </a:r>
+          </a:p>
+          <a:p>
+            <a:pPr marL="0" indent="0">
+              <a:buNone/>
+            </a:pPr>
+            <a:r>
+              <a:rPr lang="en-CA" b="1" dirty="0" smtClean="0"/>
+              <a:t>If decision == BIXI</a:t>
+            </a:r>
+          </a:p>
+          <a:p>
+            <a:pPr marL="0" indent="0">
+              <a:buNone/>
+            </a:pPr>
+            <a:r>
+              <a:rPr lang="en-CA" dirty="0" smtClean="0"/>
+              <a:t>Every 5 minutes (or upon related information updated): </a:t>
+            </a:r>
+            <a:r>
+              <a:rPr lang="en-CA" dirty="0"/>
+              <a:t>if </a:t>
+            </a:r>
+            <a:r>
+              <a:rPr lang="en-CA" dirty="0" err="1"/>
+              <a:t>AvailableBikes</a:t>
+            </a:r>
+            <a:r>
+              <a:rPr lang="en-CA" dirty="0"/>
+              <a:t>(S1,t)==0 </a:t>
+            </a:r>
+            <a:r>
+              <a:rPr lang="en-CA" dirty="0" smtClean="0"/>
+              <a:t> or </a:t>
             </a:r>
             <a:r>
               <a:rPr lang="en-CA" dirty="0" err="1" smtClean="0"/>
-              <a:t>G_w</a:t>
-            </a:r>
-            <a:r>
-              <a:rPr lang="en-CA" dirty="0" smtClean="0"/>
-              <a:t>(S,S1,t) </a:t>
-            </a:r>
-            <a:r>
-              <a:rPr lang="en-CA" dirty="0"/>
-              <a:t>+ </a:t>
-            </a:r>
-            <a:r>
-              <a:rPr lang="en-CA" dirty="0" err="1" smtClean="0"/>
-              <a:t>G_b</a:t>
-            </a:r>
-            <a:r>
-              <a:rPr lang="en-CA" dirty="0" smtClean="0"/>
-              <a:t>(S1,D1,t) </a:t>
-            </a:r>
-            <a:r>
-              <a:rPr lang="en-CA" dirty="0"/>
-              <a:t>+ </a:t>
-            </a:r>
-            <a:r>
-              <a:rPr lang="en-CA" dirty="0" err="1" smtClean="0"/>
-              <a:t>G_w</a:t>
-            </a:r>
-            <a:r>
-              <a:rPr lang="en-CA" dirty="0" smtClean="0"/>
-              <a:t>(D1,D,t)</a:t>
-            </a:r>
-          </a:p>
-          <a:p>
-            <a:pPr marL="0" indent="0">
-              <a:buNone/>
-            </a:pPr>
-            <a:r>
-              <a:rPr lang="en-CA" b="1" dirty="0" smtClean="0"/>
-              <a:t>This cost could be associated with confidence level when combined with historical data over the last P observations (from current time) in the period from [t-W/2, T+W/2]</a:t>
-            </a:r>
+              <a:t>AvailableDocks</a:t>
+            </a:r>
+            <a:r>
+              <a:rPr lang="en-CA" dirty="0" smtClean="0"/>
+              <a:t>(D1,t</a:t>
+            </a:r>
+            <a:r>
+              <a:rPr lang="en-CA" dirty="0"/>
+              <a:t>)==0</a:t>
+            </a:r>
+            <a:endParaRPr lang="en-CA" dirty="0" smtClean="0"/>
           </a:p>
           <a:p>
             <a:pPr>
-              <a:buFont typeface="Arial" panose="020B0604020202020204" pitchFamily="34" charset="0"/>
-              <a:buChar char="•"/>
+              <a:buFont typeface="Wingdings" panose="05000000000000000000" pitchFamily="2" charset="2"/>
+              <a:buChar char="§"/>
             </a:pPr>
             <a:r>
               <a:rPr lang="en-CA" dirty="0"/>
@@ -4300,7 +4266,21 @@
             </a:r>
             <a:r>
               <a:rPr lang="en-CA" dirty="0" smtClean="0"/>
-              <a:t>Confidence(s1,t)&gt;Confidence(s2,t) if </a:t>
+              <a:t>if currently in SEG1</a:t>
+            </a:r>
+          </a:p>
+          <a:p>
+            <a:pPr lvl="1">
+              <a:buFont typeface="Wingdings" panose="05000000000000000000" pitchFamily="2" charset="2"/>
+              <a:buChar char="§"/>
+            </a:pPr>
+            <a:r>
+              <a:rPr lang="en-CA" dirty="0"/>
+              <a:t> </a:t>
+            </a:r>
+            <a:r>
+              <a:rPr lang="en-CA" dirty="0" smtClean="0"/>
+              <a:t>if </a:t>
             </a:r>
             <a:r>
               <a:rPr lang="en-CA" dirty="0" err="1" smtClean="0"/>
@@ -4308,68 +4288,21 @@
             </a:r>
             <a:r>
               <a:rPr lang="en-CA" dirty="0" smtClean="0"/>
-              <a:t>(s1,t)&gt;</a:t>
-            </a:r>
-            <a:r>
-              <a:rPr lang="en-CA" dirty="0" err="1" smtClean="0"/>
-              <a:t>AvailableBikes</a:t>
-            </a:r>
-            <a:r>
-              <a:rPr lang="en-CA" dirty="0" smtClean="0"/>
-              <a:t>(s2,t)</a:t>
-            </a:r>
-          </a:p>
-          <a:p>
-            <a:pPr>
-              <a:buFont typeface="Arial" panose="020B0604020202020204" pitchFamily="34" charset="0"/>
-              <a:buChar char="•"/>
-            </a:pPr>
-            <a:r>
-              <a:rPr lang="en-CA" dirty="0" smtClean="0"/>
-              <a:t> Confidence(s1,t</a:t>
-            </a:r>
-            <a:r>
-              <a:rPr lang="en-CA" dirty="0"/>
-              <a:t>)&gt;Confidence(s2,t) if </a:t>
-            </a:r>
-            <a:r>
-              <a:rPr lang="en-CA" dirty="0" err="1" smtClean="0"/>
-              <a:t>AvailableBikesAvg</a:t>
-            </a:r>
-            <a:r>
-              <a:rPr lang="en-CA" dirty="0" smtClean="0"/>
-              <a:t>(s1,t,P,W)&gt;</a:t>
-            </a:r>
-            <a:r>
-              <a:rPr lang="en-CA" dirty="0" err="1" smtClean="0"/>
-              <a:t>AvailableBikesAvg</a:t>
-            </a:r>
-            <a:r>
-              <a:rPr lang="en-CA" dirty="0" smtClean="0"/>
-              <a:t>(s2,t,P,W)</a:t>
-            </a:r>
-            <a:endParaRPr lang="en-CA" dirty="0"/>
-          </a:p>
-          <a:p>
-            <a:pPr>
-              <a:buFont typeface="Arial" panose="020B0604020202020204" pitchFamily="34" charset="0"/>
-              <a:buChar char="•"/>
-            </a:pPr>
-            <a:r>
-              <a:rPr lang="en-CA" dirty="0" smtClean="0"/>
-              <a:t> Confidence(d1,t</a:t>
-            </a:r>
-            <a:r>
-              <a:rPr lang="en-CA" dirty="0"/>
-              <a:t>)&gt;</a:t>
-            </a:r>
-            <a:r>
-              <a:rPr lang="en-CA" dirty="0" smtClean="0"/>
-              <a:t>Confidence(d2,t</a:t>
-            </a:r>
-            <a:r>
-              <a:rPr lang="en-CA" dirty="0"/>
-              <a:t>) if </a:t>
+              <a:t>(S1,t)==0 </a:t>
+            </a:r>
+          </a:p>
+          <a:p>
+            <a:pPr lvl="1">
+              <a:buFont typeface="Wingdings" panose="05000000000000000000" pitchFamily="2" charset="2"/>
+              <a:buChar char="§"/>
+            </a:pPr>
+            <a:r>
+              <a:rPr lang="en-CA" dirty="0"/>
+              <a:t> </a:t>
+            </a:r>
+            <a:r>
+              <a:rPr lang="en-CA" dirty="0" smtClean="0"/>
+              <a:t>if </a:t>
             </a:r>
             <a:r>
               <a:rPr lang="en-CA" dirty="0" err="1" smtClean="0"/>
@@ -4377,11 +4310,43 @@
             </a:r>
             <a:r>
               <a:rPr lang="en-CA" dirty="0" smtClean="0"/>
-              <a:t>(d1,t</a:t>
-            </a:r>
-            <a:r>
-              <a:rPr lang="en-CA" dirty="0"/>
-              <a:t>)&gt;</a:t>
+              <a:t>(D1,t</a:t>
+            </a:r>
+            <a:r>
+              <a:rPr lang="en-CA" dirty="0"/>
+              <a:t>)==</a:t>
+            </a:r>
+            <a:r>
+              <a:rPr lang="en-CA" dirty="0" smtClean="0"/>
+              <a:t>0</a:t>
+            </a:r>
+          </a:p>
+          <a:p>
+            <a:pPr>
+              <a:buFont typeface="Wingdings" panose="05000000000000000000" pitchFamily="2" charset="2"/>
+              <a:buChar char="§"/>
+            </a:pPr>
+            <a:r>
+              <a:rPr lang="en-CA" dirty="0" smtClean="0"/>
+              <a:t> </a:t>
+            </a:r>
+            <a:r>
+              <a:rPr lang="en-CA" dirty="0"/>
+              <a:t>if currently in </a:t>
+            </a:r>
+            <a:r>
+              <a:rPr lang="en-CA" dirty="0" smtClean="0"/>
+              <a:t>SEG2</a:t>
+            </a:r>
+          </a:p>
+          <a:p>
+            <a:pPr lvl="1">
+              <a:buFont typeface="Wingdings" panose="05000000000000000000" pitchFamily="2" charset="2"/>
+              <a:buChar char="§"/>
+            </a:pPr>
+            <a:r>
+              <a:rPr lang="en-CA" dirty="0"/>
+              <a:t>if </a:t>
             </a:r>
             <a:r>
               <a:rPr lang="en-CA" dirty="0" err="1" smtClean="0"/>
@@ -4389,66 +4354,25 @@
             </a:r>
             <a:r>
               <a:rPr lang="en-CA" dirty="0" smtClean="0"/>
-              <a:t>(d2,t</a:t>
-            </a:r>
-            <a:r>
-              <a:rPr lang="en-CA" dirty="0"/>
-              <a:t>)</a:t>
-            </a:r>
+              <a:t>(D1,t</a:t>
+            </a:r>
+            <a:r>
+              <a:rPr lang="en-CA" dirty="0"/>
+              <a:t>)==0</a:t>
+            </a:r>
+            <a:endParaRPr lang="en-CA" dirty="0" smtClean="0"/>
           </a:p>
           <a:p>
             <a:pPr>
-              <a:buFont typeface="Arial" panose="020B0604020202020204" pitchFamily="34" charset="0"/>
-              <a:buChar char="•"/>
-            </a:pPr>
-            <a:r>
-              <a:rPr lang="en-CA" dirty="0"/>
-              <a:t> </a:t>
-            </a:r>
-            <a:r>
-              <a:rPr lang="en-CA" dirty="0" smtClean="0"/>
-              <a:t>Confidence(d1,t</a:t>
-            </a:r>
-            <a:r>
-              <a:rPr lang="en-CA" dirty="0"/>
-              <a:t>)&gt;</a:t>
-            </a:r>
-            <a:r>
-              <a:rPr lang="en-CA" dirty="0" smtClean="0"/>
-              <a:t>Confidence(d2,t</a:t>
-            </a:r>
-            <a:r>
-              <a:rPr lang="en-CA" dirty="0"/>
-              <a:t>) if </a:t>
-            </a:r>
-            <a:r>
-              <a:rPr lang="en-CA" dirty="0" err="1" smtClean="0"/>
-              <a:t>AvailableDocksAvg</a:t>
-            </a:r>
-            <a:r>
-              <a:rPr lang="en-CA" dirty="0" smtClean="0"/>
-              <a:t>(d1,t,P,W</a:t>
-            </a:r>
-            <a:r>
-              <a:rPr lang="en-CA" dirty="0"/>
-              <a:t>)&gt;</a:t>
-            </a:r>
-            <a:r>
-              <a:rPr lang="en-CA" dirty="0" err="1" smtClean="0"/>
-              <a:t>AvailableDocksAvg</a:t>
-            </a:r>
-            <a:r>
-              <a:rPr lang="en-CA" dirty="0" smtClean="0"/>
-              <a:t>(d2,t,P,W</a:t>
-            </a:r>
-            <a:r>
-              <a:rPr lang="en-CA" dirty="0"/>
-              <a:t>)</a:t>
-            </a:r>
-          </a:p>
-          <a:p>
-            <a:pPr marL="0" indent="0">
-              <a:buNone/>
+              <a:buFont typeface="Wingdings" panose="05000000000000000000" pitchFamily="2" charset="2"/>
+              <a:buChar char="§"/>
+            </a:pPr>
+            <a:endParaRPr lang="en-CA" dirty="0" smtClean="0"/>
+          </a:p>
+          <a:p>
+            <a:pPr marL="457200" indent="-457200">
+              <a:buFont typeface="+mj-lt"/>
+              <a:buAutoNum type="arabicPeriod"/>
             </a:pPr>
             <a:endParaRPr lang="en-CA" dirty="0"/>
           </a:p>
@@ -4460,7 +4384,7 @@
     </p:spTree>
     <p:extLst>
       <p:ext uri="{BB962C8B-B14F-4D97-AF65-F5344CB8AC3E}">
-        <p14:creationId xmlns:p14="http://schemas.microsoft.com/office/powerpoint/2010/main" val="3886950627"/>
+        <p14:creationId xmlns:p14="http://schemas.microsoft.com/office/powerpoint/2010/main" val="1280183590"/>
       </p:ext>
     </p:extLst>
   </p:cSld>
@@ -4511,7 +4435,7 @@
           <a:p>
             <a:r>
               <a:rPr lang="en-CA" dirty="0" smtClean="0"/>
-              <a:t>V1.1: No real-time update/re-routing</a:t>
+              <a:t>Tasks</a:t>
             </a:r>
             <a:endParaRPr lang="en-CA" dirty="0"/>
           </a:p>
@@ -4538,7 +4462,7 @@
             </a:pPr>
             <a:r>
               <a:rPr lang="en-CA" dirty="0" smtClean="0"/>
-              <a:t>Read(S,D)</a:t>
+              <a:t>Google map APIs: find the route from S to D using bus or bike</a:t>
             </a:r>
           </a:p>
           <a:p>
@@ -4548,19 +4472,7 @@
             </a:pPr>
             <a:r>
               <a:rPr lang="en-CA" dirty="0" smtClean="0"/>
-              <a:t>Calculate </a:t>
-            </a:r>
-            <a:r>
-              <a:rPr lang="en-CA" dirty="0"/>
-              <a:t>C_PUB(</a:t>
-            </a:r>
-            <a:r>
-              <a:rPr lang="en-CA" dirty="0" err="1"/>
-              <a:t>S,D,t</a:t>
-            </a:r>
-            <a:r>
-              <a:rPr lang="en-CA" dirty="0" smtClean="0"/>
-              <a:t>)</a:t>
+              <a:t>CVST APIs to access bus and BIXI information</a:t>
             </a:r>
           </a:p>
           <a:p>
@@ -4570,19 +4482,7 @@
             </a:pPr>
             <a:r>
               <a:rPr lang="en-CA" dirty="0" smtClean="0"/>
-              <a:t>Calculate </a:t>
-            </a:r>
-            <a:r>
-              <a:rPr lang="en-CA" dirty="0"/>
-              <a:t>C_BIXI(</a:t>
-            </a:r>
-            <a:r>
-              <a:rPr lang="en-CA" dirty="0" err="1"/>
-              <a:t>S,D,t</a:t>
-            </a:r>
-            <a:r>
-              <a:rPr lang="en-CA" dirty="0" smtClean="0"/>
-              <a:t>)</a:t>
+              <a:t>CVST APIs to access to road blocks</a:t>
             </a:r>
           </a:p>
           <a:p>
@@ -4592,7 +4492,7 @@
             </a:pPr>
             <a:r>
               <a:rPr lang="en-CA" dirty="0" smtClean="0"/>
-              <a:t>Select route</a:t>
+              <a:t>How to test the application: scenarios, performance metrics</a:t>
             </a:r>
           </a:p>
           <a:p>
@@ -4602,38 +4502,30 @@
             </a:pPr>
             <a:r>
               <a:rPr lang="en-CA" dirty="0" smtClean="0"/>
-              <a:t>Display decision and map  </a:t>
-            </a:r>
-            <a:endParaRPr lang="en-CA" dirty="0"/>
+              <a:t>How to demo the application: perform tests in advance, summarize, visualize the results for presentations, live demo?</a:t>
+            </a:r>
           </a:p>
           <a:p>
             <a:pPr marL="0" indent="0">
               <a:buNone/>
             </a:pPr>
-            <a:endParaRPr lang="en-CA" dirty="0"/>
-          </a:p>
-          <a:p>
-            <a:endParaRPr lang="en-CA" dirty="0"/>
+            <a:r>
+              <a:rPr lang="en-CA" dirty="0" smtClean="0"/>
+              <a:t> </a:t>
+            </a:r>
           </a:p>
         </p:txBody>
       </p:sp>
     </p:spTree>
     <p:extLst>
       <p:ext uri="{BB962C8B-B14F-4D97-AF65-F5344CB8AC3E}">
-        <p14:creationId xmlns:p14="http://schemas.microsoft.com/office/powerpoint/2010/main" val="4248212465"/>
+        <p14:creationId xmlns:p14="http://schemas.microsoft.com/office/powerpoint/2010/main" val="991234321"/>
       </p:ext>
     </p:extLst>
   </p:cSld>
   <p:clrMapOvr>
     <a:masterClrMapping/>
   </p:clrMapOvr>
-  <p:timing>
-    <p:tnLst>
-      <p:par>
-        <p:cTn id="1" dur="indefinite" restart="never" nodeType="tmRoot"/>
-      </p:par>
-    </p:tnLst>
-  </p:timing>
 </p:sld>
 </file>
 
@@ -4671,7 +4563,7 @@
           <a:p>
             <a:r>
               <a:rPr lang="en-CA" dirty="0" smtClean="0"/>
-              <a:t>V2.1: Real-time updates + re-routings</a:t>
+              <a:t>Tasks</a:t>
             </a:r>
             <a:endParaRPr lang="en-CA" dirty="0"/>
           </a:p>
@@ -4689,274 +4581,427 @@
         </p:nvSpPr>
         <p:spPr/>
         <p:txBody>
-          <a:bodyPr>
-            <a:normAutofit fontScale="85000" lnSpcReduction="20000"/>
-          </a:bodyPr>
-          <a:lstStyle/>
-          <a:p>
-            <a:pPr marL="457200" indent="-457200">
-              <a:buFont typeface="+mj-lt"/>
-              <a:buAutoNum type="arabicPeriod"/>
-            </a:pPr>
-            <a:r>
-              <a:rPr lang="en-CA" dirty="0" smtClean="0"/>
-              <a:t>Read(S,D)</a:t>
-            </a:r>
-          </a:p>
-          <a:p>
-            <a:pPr marL="457200" indent="-457200">
-              <a:buFont typeface="+mj-lt"/>
-              <a:buAutoNum type="arabicPeriod"/>
-            </a:pPr>
-            <a:r>
-              <a:rPr lang="en-CA" dirty="0" smtClean="0"/>
-              <a:t>Calculate </a:t>
-            </a:r>
-            <a:r>
-              <a:rPr lang="en-CA" dirty="0"/>
-              <a:t>C_PUB(</a:t>
+          <a:bodyPr/>
+          <a:lstStyle/>
+          <a:p>
+            <a:pPr marL="0" indent="0">
+              <a:buNone/>
+            </a:pPr>
+            <a:r>
+              <a:rPr lang="en-CA" b="1" dirty="0" smtClean="0"/>
+              <a:t>Google map </a:t>
+            </a:r>
+            <a:r>
+              <a:rPr lang="en-CA" b="1" dirty="0" smtClean="0"/>
+              <a:t>APIs</a:t>
+            </a:r>
+          </a:p>
+          <a:p>
+            <a:pPr>
+              <a:buFont typeface="Arial" panose="020B0604020202020204" pitchFamily="34" charset="0"/>
+              <a:buChar char="•"/>
+            </a:pPr>
+            <a:r>
+              <a:rPr lang="en-CA" dirty="0" smtClean="0"/>
+              <a:t> </a:t>
+            </a:r>
+            <a:r>
+              <a:rPr lang="en-CA" dirty="0" err="1" smtClean="0"/>
+              <a:t>G_w</a:t>
+            </a:r>
+            <a:r>
+              <a:rPr lang="en-CA" dirty="0" smtClean="0"/>
+              <a:t>(X,Y): </a:t>
+            </a:r>
+            <a:r>
+              <a:rPr lang="en-CA" dirty="0"/>
+              <a:t>the cost of </a:t>
+            </a:r>
+            <a:r>
+              <a:rPr lang="en-CA" dirty="0" smtClean="0"/>
+              <a:t>walking from </a:t>
+            </a:r>
+            <a:r>
+              <a:rPr lang="en-CA" dirty="0"/>
+              <a:t>X to Y calculated by </a:t>
             </a:r>
             <a:r>
               <a:rPr lang="en-CA" dirty="0" err="1"/>
-              <a:t>S,D,t</a:t>
-            </a:r>
-            <a:r>
-              <a:rPr lang="en-CA" dirty="0" smtClean="0"/>
-              <a:t>)</a:t>
-            </a:r>
-          </a:p>
-          <a:p>
-            <a:pPr marL="457200" indent="-457200">
-              <a:buFont typeface="+mj-lt"/>
-              <a:buAutoNum type="arabicPeriod"/>
-            </a:pPr>
-            <a:r>
-              <a:rPr lang="en-CA" dirty="0" smtClean="0"/>
-              <a:t>Calculate </a:t>
-            </a:r>
-            <a:r>
-              <a:rPr lang="en-CA" dirty="0"/>
-              <a:t>C_BIXI(</a:t>
+              <a:t>GoogleAPI</a:t>
+            </a:r>
+            <a:r>
+              <a:rPr lang="en-CA" dirty="0"/>
+              <a:t> at time </a:t>
+            </a:r>
+            <a:r>
+              <a:rPr lang="en-CA" dirty="0" smtClean="0"/>
+              <a:t>t</a:t>
+            </a:r>
+          </a:p>
+          <a:p>
+            <a:pPr>
+              <a:buFont typeface="Arial" panose="020B0604020202020204" pitchFamily="34" charset="0"/>
+              <a:buChar char="•"/>
+            </a:pPr>
+            <a:r>
+              <a:rPr lang="en-CA" dirty="0" smtClean="0"/>
+              <a:t> </a:t>
+            </a:r>
+            <a:r>
+              <a:rPr lang="en-CA" dirty="0" err="1" smtClean="0"/>
+              <a:t>G_b</a:t>
+            </a:r>
+            <a:r>
+              <a:rPr lang="en-CA" dirty="0" smtClean="0"/>
+              <a:t>(X,Y): </a:t>
+            </a:r>
+            <a:r>
+              <a:rPr lang="en-CA" dirty="0"/>
+              <a:t>the cost of </a:t>
+            </a:r>
+            <a:r>
+              <a:rPr lang="en-CA" dirty="0" smtClean="0"/>
+              <a:t>biking from </a:t>
+            </a:r>
+            <a:r>
+              <a:rPr lang="en-CA" dirty="0"/>
+              <a:t>X to Y calculated by </a:t>
             </a:r>
             <a:r>
               <a:rPr lang="en-CA" dirty="0" err="1"/>
-              <a:t>S,D,t</a:t>
-            </a:r>
-            <a:r>
-              <a:rPr lang="en-CA" dirty="0" smtClean="0"/>
-              <a:t>)</a:t>
-            </a:r>
-          </a:p>
-          <a:p>
-            <a:pPr marL="457200" indent="-457200">
-              <a:buFont typeface="+mj-lt"/>
-              <a:buAutoNum type="arabicPeriod"/>
-            </a:pPr>
-            <a:r>
-              <a:rPr lang="en-CA" dirty="0" smtClean="0"/>
-              <a:t>Select route</a:t>
-            </a:r>
-          </a:p>
-          <a:p>
-            <a:pPr marL="457200" indent="-457200">
-              <a:buFont typeface="+mj-lt"/>
-              <a:buAutoNum type="arabicPeriod"/>
-            </a:pPr>
-            <a:r>
-              <a:rPr lang="en-CA" dirty="0" smtClean="0"/>
-              <a:t>Display decision and map</a:t>
+              <a:t>GoogleAPI</a:t>
+            </a:r>
+            <a:r>
+              <a:rPr lang="en-CA" dirty="0"/>
+              <a:t> at time </a:t>
+            </a:r>
+            <a:r>
+              <a:rPr lang="en-CA" dirty="0" smtClean="0"/>
+              <a:t>t</a:t>
+            </a:r>
+          </a:p>
+          <a:p>
+            <a:pPr algn="just">
+              <a:buFont typeface="Arial" panose="020B0604020202020204" pitchFamily="34" charset="0"/>
+              <a:buChar char="•"/>
+            </a:pPr>
+            <a:r>
+              <a:rPr lang="en-CA" dirty="0" smtClean="0"/>
+              <a:t> </a:t>
+            </a:r>
+            <a:r>
+              <a:rPr lang="en-CA" dirty="0" err="1" smtClean="0"/>
+              <a:t>G_pub</a:t>
+            </a:r>
+            <a:r>
+              <a:rPr lang="en-CA" dirty="0" smtClean="0"/>
+              <a:t>(X,Y</a:t>
+            </a:r>
+            <a:r>
+              <a:rPr lang="en-CA" dirty="0"/>
+              <a:t>): the cost of </a:t>
+            </a:r>
+            <a:r>
+              <a:rPr lang="en-CA" dirty="0" smtClean="0"/>
+              <a:t>public </a:t>
+            </a:r>
+            <a:r>
+              <a:rPr lang="en-CA" dirty="0"/>
+              <a:t>transportation </a:t>
+            </a:r>
+            <a:r>
+              <a:rPr lang="en-CA" dirty="0" smtClean="0"/>
+              <a:t>(bus, metro, street car, …) from </a:t>
+            </a:r>
+            <a:r>
+              <a:rPr lang="en-CA" dirty="0"/>
+              <a:t>X to Y calculated by </a:t>
+            </a:r>
+            <a:r>
+              <a:rPr lang="en-CA" dirty="0" err="1"/>
+              <a:t>GoogleAPI</a:t>
+            </a:r>
+            <a:r>
+              <a:rPr lang="en-CA" dirty="0"/>
+              <a:t> at time t</a:t>
             </a:r>
           </a:p>
           <a:p>
             <a:pPr marL="0" indent="0">
               <a:buNone/>
             </a:pPr>
-            <a:r>
-              <a:rPr lang="en-CA" b="1" dirty="0" smtClean="0"/>
-              <a:t>If decision == BIXI</a:t>
-            </a:r>
-          </a:p>
-          <a:p>
-            <a:pPr marL="0" indent="0">
-              <a:buNone/>
-            </a:pPr>
-            <a:r>
-              <a:rPr lang="en-CA" dirty="0" smtClean="0"/>
-              <a:t>Every 5 minutes (or upon related information updated): </a:t>
-            </a:r>
-            <a:r>
-              <a:rPr lang="en-CA" dirty="0"/>
-              <a:t>if </a:t>
-            </a:r>
-            <a:r>
-              <a:rPr lang="en-CA" dirty="0" err="1"/>
-              <a:t>AvailableBikes</a:t>
-            </a:r>
-            <a:r>
-              <a:rPr lang="en-CA" dirty="0"/>
-              <a:t>(S1,t)==0 </a:t>
-            </a:r>
-            <a:r>
-              <a:rPr lang="en-CA" dirty="0" smtClean="0"/>
-              <a:t> or </a:t>
-            </a:r>
-            <a:r>
-              <a:rPr lang="en-CA" dirty="0" err="1" smtClean="0"/>
-              <a:t>AvailableDocks</a:t>
-            </a:r>
-            <a:r>
-              <a:rPr lang="en-CA" dirty="0" smtClean="0"/>
-              <a:t>(D1,t</a:t>
-            </a:r>
-            <a:r>
-              <a:rPr lang="en-CA" dirty="0"/>
-              <a:t>)==0</a:t>
-            </a:r>
             <a:endParaRPr lang="en-CA" dirty="0" smtClean="0"/>
-          </a:p>
-          <a:p>
-            <a:pPr>
-              <a:buFont typeface="Wingdings" panose="05000000000000000000" pitchFamily="2" charset="2"/>
-              <a:buChar char="§"/>
-            </a:pPr>
-            <a:r>
-              <a:rPr lang="en-CA" dirty="0"/>
-              <a:t> </a:t>
-            </a:r>
-            <a:r>
-              <a:rPr lang="en-CA" dirty="0" smtClean="0"/>
-              <a:t>if currently in SEG1</a:t>
-            </a:r>
-          </a:p>
-          <a:p>
-            <a:pPr lvl="1">
-              <a:buFont typeface="Wingdings" panose="05000000000000000000" pitchFamily="2" charset="2"/>
-              <a:buChar char="§"/>
-            </a:pPr>
-            <a:r>
-              <a:rPr lang="en-CA" dirty="0"/>
-              <a:t> </a:t>
-            </a:r>
-            <a:r>
-              <a:rPr lang="en-CA" dirty="0" smtClean="0"/>
-              <a:t>if </a:t>
-            </a:r>
-            <a:r>
-              <a:rPr lang="en-CA" dirty="0" err="1" smtClean="0"/>
-              <a:t>AvailableBikes</a:t>
-            </a:r>
-            <a:r>
-              <a:rPr lang="en-CA" dirty="0" smtClean="0"/>
-              <a:t>(S1,t)==0 </a:t>
-            </a:r>
-          </a:p>
-          <a:p>
-            <a:pPr lvl="1">
-              <a:buFont typeface="Wingdings" panose="05000000000000000000" pitchFamily="2" charset="2"/>
-              <a:buChar char="§"/>
-            </a:pPr>
-            <a:r>
-              <a:rPr lang="en-CA" dirty="0"/>
-              <a:t> </a:t>
-            </a:r>
-            <a:r>
-              <a:rPr lang="en-CA" dirty="0" smtClean="0"/>
-              <a:t>if </a:t>
-            </a:r>
-            <a:r>
-              <a:rPr lang="en-CA" dirty="0" err="1" smtClean="0"/>
-              <a:t>AvailableDocks</a:t>
-            </a:r>
-            <a:r>
-              <a:rPr lang="en-CA" dirty="0" smtClean="0"/>
-              <a:t>(D1,t</a:t>
-            </a:r>
-            <a:r>
-              <a:rPr lang="en-CA" dirty="0"/>
-              <a:t>)==</a:t>
-            </a:r>
-            <a:r>
-              <a:rPr lang="en-CA" dirty="0" smtClean="0"/>
-              <a:t>0</a:t>
-            </a:r>
-          </a:p>
-          <a:p>
-            <a:pPr>
-              <a:buFont typeface="Wingdings" panose="05000000000000000000" pitchFamily="2" charset="2"/>
-              <a:buChar char="§"/>
-            </a:pPr>
-            <a:r>
-              <a:rPr lang="en-CA" dirty="0" smtClean="0"/>
-              <a:t> </a:t>
-            </a:r>
-            <a:r>
-              <a:rPr lang="en-CA" dirty="0"/>
-              <a:t>if currently in </a:t>
-            </a:r>
-            <a:r>
-              <a:rPr lang="en-CA" dirty="0" smtClean="0"/>
-              <a:t>SEG2</a:t>
-            </a:r>
-          </a:p>
-          <a:p>
-            <a:pPr lvl="1">
-              <a:buFont typeface="Wingdings" panose="05000000000000000000" pitchFamily="2" charset="2"/>
-              <a:buChar char="§"/>
-            </a:pPr>
-            <a:r>
-              <a:rPr lang="en-CA" dirty="0"/>
-              <a:t>if </a:t>
-            </a:r>
-            <a:r>
-              <a:rPr lang="en-CA" dirty="0" err="1" smtClean="0"/>
-              <a:t>AvailableDocks</a:t>
-            </a:r>
-            <a:r>
-              <a:rPr lang="en-CA" dirty="0" smtClean="0"/>
-              <a:t>(D1,t</a:t>
-            </a:r>
-            <a:r>
-              <a:rPr lang="en-CA" dirty="0"/>
-              <a:t>)==0</a:t>
-            </a:r>
-            <a:endParaRPr lang="en-CA" dirty="0" smtClean="0"/>
-          </a:p>
-          <a:p>
-            <a:pPr>
-              <a:buFont typeface="Wingdings" panose="05000000000000000000" pitchFamily="2" charset="2"/>
-              <a:buChar char="§"/>
-            </a:pPr>
-            <a:endParaRPr lang="en-CA" dirty="0" smtClean="0"/>
-          </a:p>
-          <a:p>
-            <a:pPr marL="457200" indent="-457200">
-              <a:buFont typeface="+mj-lt"/>
-              <a:buAutoNum type="arabicPeriod"/>
-            </a:pPr>
-            <a:endParaRPr lang="en-CA" dirty="0"/>
-          </a:p>
-          <a:p>
-            <a:endParaRPr lang="en-CA" dirty="0"/>
           </a:p>
         </p:txBody>
       </p:sp>
     </p:spTree>
     <p:extLst>
       <p:ext uri="{BB962C8B-B14F-4D97-AF65-F5344CB8AC3E}">
-        <p14:creationId xmlns:p14="http://schemas.microsoft.com/office/powerpoint/2010/main" val="1280183590"/>
+        <p14:creationId xmlns:p14="http://schemas.microsoft.com/office/powerpoint/2010/main" val="700665803"/>
       </p:ext>
     </p:extLst>
   </p:cSld>
   <p:clrMapOvr>
     <a:masterClrMapping/>
   </p:clrMapOvr>
-  <p:timing>
-    <p:tnLst>
-      <p:par>
-        <p:cTn id="1" dur="indefinite" restart="never" nodeType="tmRoot"/>
-      </p:par>
-    </p:tnLst>
-  </p:timing>
+</p:sld>
+</file>
+
+<file path=ppt/slides/slide14.xml><?xml version="1.0" encoding="utf-8"?>
+<p:sld xmlns:a="http://schemas.openxmlformats.org/drawingml/2006/main" xmlns:r="http://schemas.openxmlformats.org/officeDocument/2006/relationships" xmlns:p="http://schemas.openxmlformats.org/presentationml/2006/main">
+  <p:cSld>
+    <p:spTree>
+      <p:nvGrpSpPr>
+        <p:cNvPr id="1" name=""/>
+        <p:cNvGrpSpPr/>
+        <p:nvPr/>
+      </p:nvGrpSpPr>
+      <p:grpSpPr>
+        <a:xfrm>
+          <a:off x="0" y="0"/>
+          <a:ext cx="0" cy="0"/>
+          <a:chOff x="0" y="0"/>
+          <a:chExt cx="0" cy="0"/>
+        </a:xfrm>
+      </p:grpSpPr>
+      <p:sp>
+        <p:nvSpPr>
+          <p:cNvPr id="2" name="Title 1"/>
+          <p:cNvSpPr>
+            <a:spLocks noGrp="1"/>
+          </p:cNvSpPr>
+          <p:nvPr>
+            <p:ph type="title"/>
+          </p:nvPr>
+        </p:nvSpPr>
+        <p:spPr/>
+        <p:txBody>
+          <a:bodyPr/>
+          <a:lstStyle/>
+          <a:p>
+            <a:r>
+              <a:rPr lang="en-CA" dirty="0" smtClean="0"/>
+              <a:t>Tasks</a:t>
+            </a:r>
+            <a:endParaRPr lang="en-CA" dirty="0"/>
+          </a:p>
+        </p:txBody>
+      </p:sp>
+      <p:sp>
+        <p:nvSpPr>
+          <p:cNvPr id="3" name="Content Placeholder 2"/>
+          <p:cNvSpPr>
+            <a:spLocks noGrp="1"/>
+          </p:cNvSpPr>
+          <p:nvPr>
+            <p:ph idx="1"/>
+          </p:nvPr>
+        </p:nvSpPr>
+        <p:spPr/>
+        <p:txBody>
+          <a:bodyPr/>
+          <a:lstStyle/>
+          <a:p>
+            <a:pPr marL="0" indent="0">
+              <a:buNone/>
+            </a:pPr>
+            <a:r>
+              <a:rPr lang="en-CA" b="1" dirty="0" smtClean="0"/>
+              <a:t>CVST </a:t>
+            </a:r>
+            <a:r>
+              <a:rPr lang="en-CA" b="1" dirty="0" smtClean="0"/>
+              <a:t>APIs to access bus and BIXI </a:t>
+            </a:r>
+            <a:r>
+              <a:rPr lang="en-CA" b="1" dirty="0" smtClean="0"/>
+              <a:t>information</a:t>
+            </a:r>
+          </a:p>
+          <a:p>
+            <a:pPr>
+              <a:buFont typeface="Arial" panose="020B0604020202020204" pitchFamily="34" charset="0"/>
+              <a:buChar char="•"/>
+            </a:pPr>
+            <a:r>
+              <a:rPr lang="en-CA" dirty="0" smtClean="0"/>
+              <a:t> Stations(t): set of all BIXI stations in the city at time t</a:t>
+            </a:r>
+          </a:p>
+          <a:p>
+            <a:pPr>
+              <a:buFont typeface="Arial" panose="020B0604020202020204" pitchFamily="34" charset="0"/>
+              <a:buChar char="•"/>
+            </a:pPr>
+            <a:r>
+              <a:rPr lang="en-CA" dirty="0"/>
+              <a:t> </a:t>
+            </a:r>
+            <a:r>
+              <a:rPr lang="en-CA" dirty="0" err="1" smtClean="0"/>
+              <a:t>AvailableBikes</a:t>
+            </a:r>
+            <a:r>
+              <a:rPr lang="en-CA" dirty="0" smtClean="0"/>
+              <a:t>(</a:t>
+            </a:r>
+            <a:r>
+              <a:rPr lang="en-CA" dirty="0" err="1" smtClean="0"/>
+              <a:t>s,t</a:t>
+            </a:r>
+            <a:r>
+              <a:rPr lang="en-CA" dirty="0"/>
+              <a:t>): the number of available bikes at station s at time t</a:t>
+            </a:r>
+          </a:p>
+          <a:p>
+            <a:pPr>
+              <a:buFont typeface="Arial" panose="020B0604020202020204" pitchFamily="34" charset="0"/>
+              <a:buChar char="•"/>
+            </a:pPr>
+            <a:r>
+              <a:rPr lang="en-CA" dirty="0" smtClean="0"/>
+              <a:t> </a:t>
+            </a:r>
+            <a:r>
+              <a:rPr lang="en-CA" dirty="0" err="1" smtClean="0"/>
+              <a:t>AvailableDocks</a:t>
+            </a:r>
+            <a:r>
+              <a:rPr lang="en-CA" dirty="0" smtClean="0"/>
+              <a:t>(</a:t>
+            </a:r>
+            <a:r>
+              <a:rPr lang="en-CA" dirty="0" err="1" smtClean="0"/>
+              <a:t>s,t</a:t>
+            </a:r>
+            <a:r>
+              <a:rPr lang="en-CA" dirty="0"/>
+              <a:t>): the number of available docks at station s at time </a:t>
+            </a:r>
+            <a:r>
+              <a:rPr lang="en-CA" dirty="0" smtClean="0"/>
+              <a:t>t</a:t>
+            </a:r>
+          </a:p>
+          <a:p>
+            <a:pPr marL="0" indent="0">
+              <a:buNone/>
+            </a:pPr>
+            <a:r>
+              <a:rPr lang="en-CA" b="1" dirty="0" smtClean="0"/>
+              <a:t>Historical data (samples at 5min intervals)</a:t>
+            </a:r>
+          </a:p>
+          <a:p>
+            <a:pPr>
+              <a:buFont typeface="Arial" panose="020B0604020202020204" pitchFamily="34" charset="0"/>
+              <a:buChar char="•"/>
+            </a:pPr>
+            <a:r>
+              <a:rPr lang="en-CA" b="1" dirty="0"/>
+              <a:t> </a:t>
+            </a:r>
+            <a:r>
+              <a:rPr lang="en-CA" dirty="0" err="1" smtClean="0"/>
+              <a:t>AvailableBikesAvg</a:t>
+            </a:r>
+            <a:r>
+              <a:rPr lang="en-CA" dirty="0" smtClean="0"/>
+              <a:t>(</a:t>
+            </a:r>
+            <a:r>
+              <a:rPr lang="en-CA" dirty="0" err="1" smtClean="0"/>
+              <a:t>s,t,P,W</a:t>
+            </a:r>
+            <a:r>
+              <a:rPr lang="en-CA" dirty="0" smtClean="0"/>
+              <a:t>): </a:t>
+            </a:r>
+            <a:r>
+              <a:rPr lang="en-CA" dirty="0"/>
+              <a:t>the </a:t>
+            </a:r>
+            <a:r>
+              <a:rPr lang="en-CA" dirty="0" smtClean="0"/>
+              <a:t>average number </a:t>
+            </a:r>
+            <a:r>
+              <a:rPr lang="en-CA" dirty="0"/>
+              <a:t>of available bikes </a:t>
+            </a:r>
+            <a:r>
+              <a:rPr lang="en-CA" dirty="0" smtClean="0"/>
+              <a:t>at station s over </a:t>
+            </a:r>
+            <a:r>
+              <a:rPr lang="en-CA" dirty="0"/>
+              <a:t>the last P observations (from current time) in the period from [t-W/2, T+W/2</a:t>
+            </a:r>
+            <a:r>
+              <a:rPr lang="en-CA" dirty="0" smtClean="0"/>
+              <a:t>]</a:t>
+            </a:r>
+          </a:p>
+          <a:p>
+            <a:pPr>
+              <a:buFont typeface="Arial" panose="020B0604020202020204" pitchFamily="34" charset="0"/>
+              <a:buChar char="•"/>
+            </a:pPr>
+            <a:r>
+              <a:rPr lang="en-CA" dirty="0"/>
+              <a:t> </a:t>
+            </a:r>
+            <a:r>
+              <a:rPr lang="en-CA" dirty="0" err="1" smtClean="0"/>
+              <a:t>AvailableDockaAvg</a:t>
+            </a:r>
+            <a:r>
+              <a:rPr lang="en-CA" dirty="0" smtClean="0"/>
+              <a:t>(</a:t>
+            </a:r>
+            <a:r>
+              <a:rPr lang="en-CA" dirty="0" err="1"/>
+              <a:t>d</a:t>
+            </a:r>
+            <a:r>
+              <a:rPr lang="en-CA" dirty="0" err="1" smtClean="0"/>
+              <a:t>,t,P,W</a:t>
+            </a:r>
+            <a:r>
+              <a:rPr lang="en-CA" dirty="0"/>
+              <a:t>): the average number of available </a:t>
+            </a:r>
+            <a:r>
+              <a:rPr lang="en-CA" dirty="0" smtClean="0"/>
+              <a:t>docks at </a:t>
+            </a:r>
+            <a:r>
+              <a:rPr lang="en-CA" dirty="0"/>
+              <a:t>station </a:t>
+            </a:r>
+            <a:r>
+              <a:rPr lang="en-CA" dirty="0" smtClean="0"/>
+              <a:t>d </a:t>
+            </a:r>
+            <a:r>
+              <a:rPr lang="en-CA" dirty="0"/>
+              <a:t>over the last P observations (from current time) in the period from [t-W/2, T+W/2]</a:t>
+            </a:r>
+            <a:endParaRPr lang="en-CA" dirty="0" smtClean="0"/>
+          </a:p>
+        </p:txBody>
+      </p:sp>
+    </p:spTree>
+    <p:extLst>
+      <p:ext uri="{BB962C8B-B14F-4D97-AF65-F5344CB8AC3E}">
+        <p14:creationId xmlns:p14="http://schemas.microsoft.com/office/powerpoint/2010/main" val="4206865469"/>
+      </p:ext>
+    </p:extLst>
+  </p:cSld>
+  <p:clrMapOvr>
+    <a:masterClrMapping/>
+  </p:clrMapOvr>
 </p:sld>
 </file>
 
@@ -5041,7 +5086,15 @@
             </a:pPr>
             <a:r>
               <a:rPr lang="en-CA" sz="2400" dirty="0" smtClean="0"/>
-              <a:t> The best way for city transit using bus and BIXI services considering history and real-time transportation data</a:t>
+              <a:t> The best way for city transit using </a:t>
+            </a:r>
+            <a:r>
+              <a:rPr lang="en-CA" sz="2400" dirty="0" smtClean="0"/>
+              <a:t>public transportation </a:t>
+            </a:r>
+            <a:r>
+              <a:rPr lang="en-CA" sz="2400" dirty="0" smtClean="0"/>
+              <a:t>and BIXI services considering history and real-time transportation data</a:t>
             </a:r>
           </a:p>
           <a:p>
@@ -5249,39 +5302,50 @@
           <a:bodyPr/>
           <a:lstStyle/>
           <a:p>
+            <a:r>
+              <a:rPr lang="en-CA" sz="6600" b="1" dirty="0" smtClean="0"/>
+              <a:t>Designs and milestones</a:t>
+            </a:r>
+            <a:endParaRPr lang="en-CA" b="1" dirty="0"/>
+          </a:p>
+        </p:txBody>
+      </p:sp>
+      <p:sp>
+        <p:nvSpPr>
+          <p:cNvPr id="3" name="Content Placeholder 2"/>
+          <p:cNvSpPr>
+            <a:spLocks noGrp="1"/>
+          </p:cNvSpPr>
+          <p:nvPr>
+            <p:ph idx="1"/>
+          </p:nvPr>
+        </p:nvSpPr>
+        <p:spPr/>
+        <p:txBody>
+          <a:bodyPr/>
+          <a:lstStyle/>
+          <a:p>
             <a:endParaRPr lang="en-CA"/>
-          </a:p>
-        </p:txBody>
-      </p:sp>
-      <p:sp>
-        <p:nvSpPr>
-          <p:cNvPr id="3" name="Content Placeholder 2"/>
-          <p:cNvSpPr>
-            <a:spLocks noGrp="1"/>
-          </p:cNvSpPr>
-          <p:nvPr>
-            <p:ph idx="1"/>
-          </p:nvPr>
-        </p:nvSpPr>
-        <p:spPr/>
-        <p:txBody>
-          <a:bodyPr/>
-          <a:lstStyle/>
-          <a:p>
-            <a:endParaRPr lang="en-CA" dirty="0"/>
           </a:p>
         </p:txBody>
       </p:sp>
     </p:spTree>
     <p:extLst>
       <p:ext uri="{BB962C8B-B14F-4D97-AF65-F5344CB8AC3E}">
-        <p14:creationId xmlns:p14="http://schemas.microsoft.com/office/powerpoint/2010/main" val="1419114830"/>
+        <p14:creationId xmlns:p14="http://schemas.microsoft.com/office/powerpoint/2010/main" val="2441757737"/>
       </p:ext>
     </p:extLst>
   </p:cSld>
   <p:clrMapOvr>
     <a:masterClrMapping/>
   </p:clrMapOvr>
+  <p:timing>
+    <p:tnLst>
+      <p:par>
+        <p:cTn id="1" dur="indefinite" restart="never" nodeType="tmRoot"/>
+      </p:par>
+    </p:tnLst>
+  </p:timing>
 </p:sld>
 </file>
 
@@ -5319,7 +5383,7 @@
           <a:p>
             <a:r>
               <a:rPr lang="en-CA" dirty="0" smtClean="0"/>
-              <a:t>Tasks</a:t>
+              <a:t>Design</a:t>
             </a:r>
             <a:endParaRPr lang="en-CA" dirty="0"/>
           </a:p>
@@ -5337,79 +5401,132 @@
         </p:nvSpPr>
         <p:spPr/>
         <p:txBody>
-          <a:bodyPr/>
-          <a:lstStyle/>
-          <a:p>
-            <a:pPr marL="457200" indent="-457200">
-              <a:buFont typeface="+mj-lt"/>
-              <a:buAutoNum type="arabicPeriod"/>
-            </a:pPr>
-            <a:r>
-              <a:rPr lang="en-CA" dirty="0" smtClean="0"/>
-              <a:t>Google map APIs: find the route from S to D using bus or bike</a:t>
-            </a:r>
-          </a:p>
-          <a:p>
-            <a:pPr marL="457200" indent="-457200">
-              <a:buFont typeface="+mj-lt"/>
-              <a:buAutoNum type="arabicPeriod"/>
-            </a:pPr>
-            <a:r>
-              <a:rPr lang="en-CA" dirty="0" smtClean="0"/>
-              <a:t>CVST APIs to access bus and BIXI information</a:t>
-            </a:r>
-          </a:p>
-          <a:p>
-            <a:pPr marL="457200" indent="-457200">
-              <a:buFont typeface="+mj-lt"/>
-              <a:buAutoNum type="arabicPeriod"/>
-            </a:pPr>
-            <a:r>
-              <a:rPr lang="en-CA" dirty="0" smtClean="0"/>
-              <a:t>CVST APIs to access to road blocks</a:t>
-            </a:r>
-          </a:p>
-          <a:p>
-            <a:pPr marL="457200" indent="-457200">
-              <a:buFont typeface="+mj-lt"/>
-              <a:buAutoNum type="arabicPeriod"/>
-            </a:pPr>
-            <a:r>
-              <a:rPr lang="en-CA" dirty="0" smtClean="0"/>
-              <a:t>How to test the application: scenarios, performance metrics</a:t>
-            </a:r>
-          </a:p>
-          <a:p>
-            <a:pPr marL="457200" indent="-457200">
-              <a:buFont typeface="+mj-lt"/>
-              <a:buAutoNum type="arabicPeriod"/>
-            </a:pPr>
-            <a:r>
-              <a:rPr lang="en-CA" dirty="0" smtClean="0"/>
-              <a:t>How to demo the application: perform tests in advance, summarize, visualize the results for presentations, live demo?</a:t>
-            </a:r>
-          </a:p>
+          <a:bodyPr>
+            <a:normAutofit fontScale="92500" lnSpcReduction="10000"/>
+          </a:bodyPr>
+          <a:lstStyle/>
           <a:p>
             <a:pPr marL="0" indent="0">
               <a:buNone/>
             </a:pPr>
             <a:r>
               <a:rPr lang="en-CA" dirty="0" smtClean="0"/>
+              <a:t>S:</a:t>
+            </a:r>
+            <a:r>
+              <a:rPr lang="en-CA" b="1" dirty="0" smtClean="0"/>
               <a:t> </a:t>
             </a:r>
+            <a:r>
+              <a:rPr lang="en-CA" dirty="0" smtClean="0"/>
+              <a:t>original departure point</a:t>
+            </a:r>
+          </a:p>
+          <a:p>
+            <a:pPr marL="0" indent="0">
+              <a:buNone/>
+            </a:pPr>
+            <a:r>
+              <a:rPr lang="en-CA" dirty="0" smtClean="0"/>
+              <a:t>D: final destination</a:t>
+            </a:r>
+          </a:p>
+          <a:p>
+            <a:pPr marL="0" indent="0">
+              <a:buNone/>
+            </a:pPr>
+            <a:r>
+              <a:rPr lang="en-CA" dirty="0" smtClean="0"/>
+              <a:t>S1: </a:t>
+            </a:r>
+            <a:r>
+              <a:rPr lang="en-CA" dirty="0"/>
+              <a:t>departure BIXI station </a:t>
+            </a:r>
+            <a:endParaRPr lang="en-CA" dirty="0" smtClean="0"/>
+          </a:p>
+          <a:p>
+            <a:pPr marL="0" indent="0">
+              <a:buNone/>
+            </a:pPr>
+            <a:r>
+              <a:rPr lang="en-CA" dirty="0"/>
+              <a:t>D1: </a:t>
+            </a:r>
+            <a:r>
+              <a:rPr lang="en-CA" dirty="0" smtClean="0"/>
+              <a:t>destination </a:t>
+            </a:r>
+            <a:r>
+              <a:rPr lang="en-CA" dirty="0"/>
+              <a:t>BIXI </a:t>
+            </a:r>
+            <a:r>
+              <a:rPr lang="en-CA" dirty="0" smtClean="0"/>
+              <a:t>station</a:t>
+            </a:r>
+          </a:p>
+          <a:p>
+            <a:r>
+              <a:rPr lang="en-CA" b="1" dirty="0" smtClean="0"/>
+              <a:t>Route planning for biking:</a:t>
+            </a:r>
+          </a:p>
+          <a:p>
+            <a:r>
+              <a:rPr lang="en-CA" dirty="0" smtClean="0"/>
+              <a:t>- SEG1: Current location to the best departure BIXI station to pickup a bike: walk from S to S1</a:t>
+            </a:r>
+          </a:p>
+          <a:p>
+            <a:r>
+              <a:rPr lang="en-CA" dirty="0" smtClean="0"/>
+              <a:t>- SEG2: Departure BIXI station to destination BIXI station: bike from S1 to D1</a:t>
+            </a:r>
+          </a:p>
+          <a:p>
+            <a:r>
+              <a:rPr lang="en-CA" dirty="0" smtClean="0"/>
+              <a:t>- SEG3: Destination BIXI station to the final destination: walk from D1 to D</a:t>
+            </a:r>
+          </a:p>
+          <a:p>
+            <a:endParaRPr lang="en-CA" dirty="0" smtClean="0"/>
+          </a:p>
+          <a:p>
+            <a:r>
+              <a:rPr lang="en-CA" dirty="0" smtClean="0"/>
+              <a:t>S ----------------------&gt; S1</a:t>
+            </a:r>
+            <a:r>
+              <a:rPr lang="en-CA" dirty="0"/>
+              <a:t> </a:t>
+            </a:r>
+            <a:r>
+              <a:rPr lang="en-CA" dirty="0" smtClean="0"/>
+              <a:t>======================&gt; D1 ----------------------&gt; D</a:t>
+            </a:r>
+            <a:endParaRPr lang="en-CA" dirty="0"/>
           </a:p>
         </p:txBody>
       </p:sp>
     </p:spTree>
     <p:extLst>
       <p:ext uri="{BB962C8B-B14F-4D97-AF65-F5344CB8AC3E}">
-        <p14:creationId xmlns:p14="http://schemas.microsoft.com/office/powerpoint/2010/main" val="1542830949"/>
+        <p14:creationId xmlns:p14="http://schemas.microsoft.com/office/powerpoint/2010/main" val="3119394370"/>
       </p:ext>
     </p:extLst>
   </p:cSld>
   <p:clrMapOvr>
     <a:masterClrMapping/>
   </p:clrMapOvr>
+  <p:timing>
+    <p:tnLst>
+      <p:par>
+        <p:cTn id="1" dur="indefinite" restart="never" nodeType="tmRoot"/>
+      </p:par>
+    </p:tnLst>
+  </p:timing>
 </p:sld>
 </file>
 
@@ -5446,10 +5563,10 @@
           <a:lstStyle/>
           <a:p>
             <a:r>
-              <a:rPr lang="en-CA" sz="6600" b="1" dirty="0" smtClean="0"/>
-              <a:t>Designs and milestones</a:t>
-            </a:r>
-            <a:endParaRPr lang="en-CA" b="1" dirty="0"/>
+              <a:rPr lang="en-CA" dirty="0" smtClean="0"/>
+              <a:t>Design</a:t>
+            </a:r>
+            <a:endParaRPr lang="en-CA" dirty="0"/>
           </a:p>
         </p:txBody>
       </p:sp>
@@ -5463,19 +5580,248 @@
             <p:ph idx="1"/>
           </p:nvPr>
         </p:nvSpPr>
-        <p:spPr/>
-        <p:txBody>
-          <a:bodyPr/>
-          <a:lstStyle/>
-          <a:p>
-            <a:endParaRPr lang="en-CA"/>
+        <p:spPr>
+          <a:xfrm>
+            <a:off x="1097280" y="1845734"/>
+            <a:ext cx="10058400" cy="4422062"/>
+          </a:xfrm>
+        </p:spPr>
+        <p:txBody>
+          <a:bodyPr>
+            <a:normAutofit/>
+          </a:bodyPr>
+          <a:lstStyle/>
+          <a:p>
+            <a:pPr>
+              <a:buFont typeface="Wingdings" panose="05000000000000000000" pitchFamily="2" charset="2"/>
+              <a:buChar char="§"/>
+            </a:pPr>
+            <a:r>
+              <a:rPr lang="en-CA" b="1" dirty="0" smtClean="0"/>
+              <a:t> B</a:t>
+            </a:r>
+            <a:r>
+              <a:rPr lang="en-CA" dirty="0" smtClean="0"/>
+              <a:t>: set of all bike stations</a:t>
+            </a:r>
+          </a:p>
+          <a:p>
+            <a:pPr lvl="1">
+              <a:buFont typeface="Wingdings" panose="05000000000000000000" pitchFamily="2" charset="2"/>
+              <a:buChar char="§"/>
+            </a:pPr>
+            <a:r>
+              <a:rPr lang="en-CA" dirty="0"/>
+              <a:t>  </a:t>
+            </a:r>
+            <a:r>
+              <a:rPr lang="en-CA" dirty="0" err="1"/>
+              <a:t>AvailableBikes</a:t>
+            </a:r>
+            <a:r>
+              <a:rPr lang="en-CA" dirty="0"/>
+              <a:t>(</a:t>
+            </a:r>
+            <a:r>
+              <a:rPr lang="en-CA" dirty="0" err="1"/>
+              <a:t>s,t</a:t>
+            </a:r>
+            <a:r>
+              <a:rPr lang="en-CA" dirty="0"/>
+              <a:t>): the number of available bikes at station s at time t</a:t>
+            </a:r>
+          </a:p>
+          <a:p>
+            <a:pPr lvl="1">
+              <a:buFont typeface="Wingdings" panose="05000000000000000000" pitchFamily="2" charset="2"/>
+              <a:buChar char="§"/>
+            </a:pPr>
+            <a:r>
+              <a:rPr lang="en-CA" dirty="0"/>
+              <a:t> </a:t>
+            </a:r>
+            <a:r>
+              <a:rPr lang="en-CA" dirty="0" err="1"/>
+              <a:t>AvailableDocks</a:t>
+            </a:r>
+            <a:r>
+              <a:rPr lang="en-CA" dirty="0"/>
+              <a:t>(</a:t>
+            </a:r>
+            <a:r>
+              <a:rPr lang="en-CA" dirty="0" err="1"/>
+              <a:t>s,t</a:t>
+            </a:r>
+            <a:r>
+              <a:rPr lang="en-CA" dirty="0"/>
+              <a:t>): the number of available docks at station s at time t</a:t>
+            </a:r>
+          </a:p>
+          <a:p>
+            <a:pPr>
+              <a:buFont typeface="Wingdings" panose="05000000000000000000" pitchFamily="2" charset="2"/>
+              <a:buChar char="§"/>
+            </a:pPr>
+            <a:r>
+              <a:rPr lang="en-CA" b="1" dirty="0" smtClean="0"/>
+              <a:t> B_s</a:t>
+            </a:r>
+            <a:r>
+              <a:rPr lang="en-CA" dirty="0" smtClean="0"/>
+              <a:t>(</a:t>
+            </a:r>
+            <a:r>
+              <a:rPr lang="en-CA" dirty="0" err="1" smtClean="0"/>
+              <a:t>S,n,m,t</a:t>
+            </a:r>
+            <a:r>
+              <a:rPr lang="en-CA" dirty="0" smtClean="0"/>
+              <a:t>): </a:t>
+            </a:r>
+            <a:r>
+              <a:rPr lang="en-CA" dirty="0"/>
+              <a:t>set of n</a:t>
+            </a:r>
+            <a:r>
+              <a:rPr lang="en-CA" dirty="0" smtClean="0"/>
+              <a:t> bike stations that have (</a:t>
+            </a:r>
+            <a:r>
+              <a:rPr lang="en-CA" dirty="0"/>
+              <a:t>a</a:t>
+            </a:r>
+            <a:r>
+              <a:rPr lang="en-CA" dirty="0" smtClean="0"/>
+              <a:t>) </a:t>
+            </a:r>
+            <a:r>
+              <a:rPr lang="en-CA" dirty="0"/>
+              <a:t>shortest geo distances to </a:t>
+            </a:r>
+            <a:r>
+              <a:rPr lang="en-CA" dirty="0" smtClean="0"/>
+              <a:t>S and (b) at least m available bikes at time t</a:t>
+            </a:r>
+            <a:endParaRPr lang="en-CA" dirty="0"/>
+          </a:p>
+          <a:p>
+            <a:pPr>
+              <a:buFont typeface="Wingdings" panose="05000000000000000000" pitchFamily="2" charset="2"/>
+              <a:buChar char="§"/>
+            </a:pPr>
+            <a:r>
+              <a:rPr lang="en-CA" b="1" dirty="0" smtClean="0"/>
+              <a:t> </a:t>
+            </a:r>
+            <a:r>
+              <a:rPr lang="en-CA" b="1" dirty="0" err="1" smtClean="0"/>
+              <a:t>B_d</a:t>
+            </a:r>
+            <a:r>
+              <a:rPr lang="en-CA" dirty="0" smtClean="0"/>
+              <a:t>(</a:t>
+            </a:r>
+            <a:r>
+              <a:rPr lang="en-CA" dirty="0" err="1" smtClean="0"/>
+              <a:t>D,n,m,t</a:t>
+            </a:r>
+            <a:r>
+              <a:rPr lang="en-CA" dirty="0" smtClean="0"/>
+              <a:t>): </a:t>
+            </a:r>
+            <a:r>
+              <a:rPr lang="en-CA" dirty="0"/>
+              <a:t>set of n bike stations </a:t>
+            </a:r>
+            <a:r>
+              <a:rPr lang="en-CA" dirty="0" smtClean="0"/>
+              <a:t>that have (a) </a:t>
+            </a:r>
+            <a:r>
+              <a:rPr lang="en-CA" dirty="0"/>
+              <a:t>shortest geo distances to </a:t>
+            </a:r>
+            <a:r>
+              <a:rPr lang="en-CA" dirty="0" smtClean="0"/>
+              <a:t>D and (b) </a:t>
+            </a:r>
+            <a:r>
+              <a:rPr lang="en-CA" dirty="0"/>
+              <a:t>at least m available </a:t>
+            </a:r>
+            <a:r>
+              <a:rPr lang="en-CA" dirty="0" smtClean="0"/>
+              <a:t>docks at time t</a:t>
+            </a:r>
+          </a:p>
+          <a:p>
+            <a:pPr>
+              <a:buFont typeface="Wingdings" panose="05000000000000000000" pitchFamily="2" charset="2"/>
+              <a:buChar char="§"/>
+            </a:pPr>
+            <a:r>
+              <a:rPr lang="en-CA" dirty="0" smtClean="0"/>
+              <a:t> </a:t>
+            </a:r>
+            <a:r>
+              <a:rPr lang="en-CA" dirty="0" err="1" smtClean="0"/>
+              <a:t>G_w</a:t>
+            </a:r>
+            <a:r>
+              <a:rPr lang="en-CA" dirty="0" smtClean="0"/>
+              <a:t>(X,Y), </a:t>
+            </a:r>
+            <a:r>
+              <a:rPr lang="en-CA" dirty="0" err="1" smtClean="0"/>
+              <a:t>G_b</a:t>
+            </a:r>
+            <a:r>
+              <a:rPr lang="en-CA" dirty="0" smtClean="0"/>
+              <a:t>(X,Y), </a:t>
+            </a:r>
+            <a:r>
+              <a:rPr lang="en-CA" dirty="0" err="1" smtClean="0"/>
+              <a:t>G_pub</a:t>
+            </a:r>
+            <a:r>
+              <a:rPr lang="en-CA" dirty="0" smtClean="0"/>
+              <a:t>(X,Y</a:t>
+            </a:r>
+            <a:r>
+              <a:rPr lang="en-CA" dirty="0"/>
+              <a:t>)</a:t>
+            </a:r>
+            <a:r>
+              <a:rPr lang="en-CA" dirty="0" smtClean="0"/>
+              <a:t>: </a:t>
+            </a:r>
+            <a:r>
+              <a:rPr lang="en-CA" dirty="0"/>
+              <a:t>the cost of </a:t>
+            </a:r>
+            <a:r>
+              <a:rPr lang="en-CA" dirty="0" smtClean="0"/>
+              <a:t>walking/biking/public transportation </a:t>
+            </a:r>
+            <a:r>
+              <a:rPr lang="en-CA" dirty="0"/>
+              <a:t>from X to Y calculated by </a:t>
+            </a:r>
+            <a:r>
+              <a:rPr lang="en-CA" dirty="0" err="1" smtClean="0"/>
+              <a:t>GoogleAPI</a:t>
+            </a:r>
+            <a:r>
+              <a:rPr lang="en-CA" dirty="0" smtClean="0"/>
+              <a:t> at time t</a:t>
+            </a:r>
           </a:p>
         </p:txBody>
       </p:sp>
     </p:spTree>
     <p:extLst>
       <p:ext uri="{BB962C8B-B14F-4D97-AF65-F5344CB8AC3E}">
-        <p14:creationId xmlns:p14="http://schemas.microsoft.com/office/powerpoint/2010/main" val="2441757737"/>
+        <p14:creationId xmlns:p14="http://schemas.microsoft.com/office/powerpoint/2010/main" val="2256211168"/>
       </p:ext>
     </p:extLst>
   </p:cSld>
@@ -5542,10 +5888,15 @@
             <p:ph idx="1"/>
           </p:nvPr>
         </p:nvSpPr>
-        <p:spPr/>
+        <p:spPr>
+          <a:xfrm>
+            <a:off x="1097280" y="1845734"/>
+            <a:ext cx="10058400" cy="4422062"/>
+          </a:xfrm>
+        </p:spPr>
         <p:txBody>
           <a:bodyPr>
-            <a:normAutofit fontScale="92500" lnSpcReduction="10000"/>
+            <a:normAutofit/>
           </a:bodyPr>
           <a:lstStyle/>
           <a:p>
@@ -5553,110 +5904,215 @@
               <a:buNone/>
             </a:pPr>
             <a:r>
-              <a:rPr lang="en-CA" dirty="0" smtClean="0"/>
-              <a:t>S:</a:t>
-            </a:r>
-            <a:r>
               <a:rPr lang="en-CA" b="1" dirty="0" smtClean="0"/>
+              <a:t>How to select S1?</a:t>
+            </a:r>
+          </a:p>
+          <a:p>
+            <a:pPr marL="0" indent="0">
+              <a:buNone/>
+            </a:pPr>
+            <a:r>
+              <a:rPr lang="en-CA" dirty="0" smtClean="0"/>
+              <a:t>S1 \in </a:t>
+            </a:r>
+            <a:r>
+              <a:rPr lang="en-CA" b="1" dirty="0"/>
+              <a:t>B_s</a:t>
+            </a:r>
+            <a:r>
+              <a:rPr lang="en-CA" dirty="0"/>
+              <a:t>(</a:t>
+            </a:r>
+            <a:r>
+              <a:rPr lang="en-CA" dirty="0" err="1"/>
+              <a:t>S,n,m,t</a:t>
+            </a:r>
+            <a:r>
+              <a:rPr lang="en-CA" dirty="0" smtClean="0"/>
+              <a:t>) and </a:t>
+            </a:r>
+            <a:r>
+              <a:rPr lang="en-CA" dirty="0" err="1" smtClean="0"/>
+              <a:t>G_w</a:t>
+            </a:r>
+            <a:r>
+              <a:rPr lang="en-CA" dirty="0" smtClean="0"/>
+              <a:t>(S,S1) = min{</a:t>
+            </a:r>
+            <a:r>
+              <a:rPr lang="en-CA" dirty="0" err="1" smtClean="0"/>
+              <a:t>G_w</a:t>
+            </a:r>
+            <a:r>
+              <a:rPr lang="en-CA" dirty="0" smtClean="0"/>
+              <a:t>(S,s)}, \</a:t>
+            </a:r>
+            <a:r>
+              <a:rPr lang="en-CA" dirty="0" err="1" smtClean="0"/>
+              <a:t>forall</a:t>
+            </a:r>
+            <a:r>
+              <a:rPr lang="en-CA" dirty="0" smtClean="0"/>
+              <a:t> s \in </a:t>
+            </a:r>
+            <a:r>
+              <a:rPr lang="en-CA" b="1" dirty="0" smtClean="0"/>
+              <a:t>B_s</a:t>
+            </a:r>
+            <a:r>
+              <a:rPr lang="en-CA" dirty="0" smtClean="0"/>
+              <a:t>(</a:t>
+            </a:r>
+            <a:r>
+              <a:rPr lang="en-CA" dirty="0" err="1" smtClean="0"/>
+              <a:t>S,n,m,t</a:t>
+            </a:r>
+            <a:r>
+              <a:rPr lang="en-CA" dirty="0" smtClean="0"/>
+              <a:t>)</a:t>
+            </a:r>
+          </a:p>
+          <a:p>
+            <a:pPr marL="0" indent="0">
+              <a:buNone/>
+            </a:pPr>
+            <a:r>
+              <a:rPr lang="en-CA" b="1" dirty="0"/>
+              <a:t>How to select </a:t>
+            </a:r>
+            <a:r>
+              <a:rPr lang="en-CA" b="1" dirty="0" smtClean="0"/>
+              <a:t>D1</a:t>
+            </a:r>
+            <a:r>
+              <a:rPr lang="en-CA" b="1" dirty="0"/>
+              <a:t>?</a:t>
+            </a:r>
+          </a:p>
+          <a:p>
+            <a:pPr marL="0" indent="0">
+              <a:buNone/>
+            </a:pPr>
+            <a:r>
+              <a:rPr lang="en-CA" dirty="0" smtClean="0"/>
+              <a:t>D1 </a:t>
+            </a:r>
+            <a:r>
+              <a:rPr lang="en-CA" dirty="0"/>
+              <a:t>\in </a:t>
+            </a:r>
+            <a:r>
+              <a:rPr lang="en-CA" b="1" dirty="0" err="1" smtClean="0"/>
+              <a:t>B_d</a:t>
+            </a:r>
+            <a:r>
+              <a:rPr lang="en-CA" dirty="0" smtClean="0"/>
+              <a:t>(</a:t>
+            </a:r>
+            <a:r>
+              <a:rPr lang="en-CA" dirty="0" err="1"/>
+              <a:t>D</a:t>
+            </a:r>
+            <a:r>
+              <a:rPr lang="en-CA" dirty="0" err="1" smtClean="0"/>
+              <a:t>,n,m,t</a:t>
+            </a:r>
+            <a:r>
+              <a:rPr lang="en-CA" dirty="0"/>
+              <a:t>) and </a:t>
+            </a:r>
+            <a:r>
+              <a:rPr lang="en-CA" dirty="0" err="1" smtClean="0"/>
+              <a:t>G_w</a:t>
+            </a:r>
+            <a:r>
+              <a:rPr lang="en-CA" dirty="0" smtClean="0"/>
+              <a:t>(D1,D) </a:t>
+            </a:r>
+            <a:r>
+              <a:rPr lang="en-CA" dirty="0"/>
+              <a:t>= </a:t>
+            </a:r>
+            <a:r>
+              <a:rPr lang="en-CA" dirty="0" smtClean="0"/>
+              <a:t>min{</a:t>
+            </a:r>
+            <a:r>
+              <a:rPr lang="en-CA" dirty="0" err="1" smtClean="0"/>
+              <a:t>G_w</a:t>
+            </a:r>
+            <a:r>
+              <a:rPr lang="en-CA" dirty="0" smtClean="0"/>
+              <a:t>(</a:t>
+            </a:r>
+            <a:r>
+              <a:rPr lang="en-CA" dirty="0" err="1" smtClean="0"/>
+              <a:t>d,D</a:t>
+            </a:r>
+            <a:r>
+              <a:rPr lang="en-CA" dirty="0" smtClean="0"/>
+              <a:t>)}, </a:t>
+            </a:r>
+            <a:r>
+              <a:rPr lang="en-CA" dirty="0"/>
+              <a:t>\</a:t>
+            </a:r>
+            <a:r>
+              <a:rPr lang="en-CA" dirty="0" err="1"/>
+              <a:t>forall</a:t>
+            </a:r>
+            <a:r>
+              <a:rPr lang="en-CA" dirty="0"/>
               <a:t> </a:t>
             </a:r>
             <a:r>
               <a:rPr lang="en-CA" dirty="0" smtClean="0"/>
-              <a:t>original departure point</a:t>
+              <a:t>d </a:t>
+            </a:r>
+            <a:r>
+              <a:rPr lang="en-CA" dirty="0"/>
+              <a:t>\in </a:t>
+            </a:r>
+            <a:r>
+              <a:rPr lang="en-CA" b="1" dirty="0" err="1" smtClean="0"/>
+              <a:t>B_d</a:t>
+            </a:r>
+            <a:r>
+              <a:rPr lang="en-CA" dirty="0" smtClean="0"/>
+              <a:t>(</a:t>
+            </a:r>
+            <a:r>
+              <a:rPr lang="en-CA" dirty="0" err="1"/>
+              <a:t>D</a:t>
+            </a:r>
+            <a:r>
+              <a:rPr lang="en-CA" dirty="0" err="1" smtClean="0"/>
+              <a:t>,n,m,t</a:t>
+            </a:r>
+            <a:r>
+              <a:rPr lang="en-CA" dirty="0" smtClean="0"/>
+              <a:t>)</a:t>
             </a:r>
           </a:p>
           <a:p>
             <a:pPr marL="0" indent="0">
               <a:buNone/>
             </a:pPr>
-            <a:r>
-              <a:rPr lang="en-CA" dirty="0" smtClean="0"/>
-              <a:t>D: final destination</a:t>
-            </a:r>
+            <a:endParaRPr lang="en-CA" dirty="0"/>
           </a:p>
           <a:p>
             <a:pPr marL="0" indent="0">
               <a:buNone/>
             </a:pPr>
-            <a:r>
-              <a:rPr lang="en-CA" dirty="0" smtClean="0"/>
-              <a:t>S1: </a:t>
-            </a:r>
-            <a:r>
-              <a:rPr lang="en-CA" dirty="0"/>
-              <a:t>departure BIXI station </a:t>
-            </a:r>
             <a:endParaRPr lang="en-CA" dirty="0" smtClean="0"/>
-          </a:p>
-          <a:p>
-            <a:pPr marL="0" indent="0">
-              <a:buNone/>
-            </a:pPr>
-            <a:r>
-              <a:rPr lang="en-CA" dirty="0"/>
-              <a:t>D1: </a:t>
-            </a:r>
-            <a:r>
-              <a:rPr lang="en-CA" dirty="0" smtClean="0"/>
-              <a:t>destination </a:t>
-            </a:r>
-            <a:r>
-              <a:rPr lang="en-CA" dirty="0"/>
-              <a:t>BIXI </a:t>
-            </a:r>
-            <a:r>
-              <a:rPr lang="en-CA" dirty="0" smtClean="0"/>
-              <a:t>station</a:t>
-            </a:r>
-          </a:p>
-          <a:p>
-            <a:r>
-              <a:rPr lang="en-CA" b="1" dirty="0" smtClean="0"/>
-              <a:t>Route planning for biking:</a:t>
-            </a:r>
-          </a:p>
-          <a:p>
-            <a:r>
-              <a:rPr lang="en-CA" dirty="0" smtClean="0"/>
-              <a:t>- SEG1: Current location to the best departure BIXI station to pickup a bike: walk from S to S1</a:t>
-            </a:r>
-          </a:p>
-          <a:p>
-            <a:r>
-              <a:rPr lang="en-CA" dirty="0" smtClean="0"/>
-              <a:t>- SEG2: Departure BIXI station to destination BIXI station: bike from S1 to D1</a:t>
-            </a:r>
-          </a:p>
-          <a:p>
-            <a:r>
-              <a:rPr lang="en-CA" dirty="0" smtClean="0"/>
-              <a:t>- SEG3: Destination BIXI station to the final destination: walk from D1 to D</a:t>
-            </a:r>
-          </a:p>
-          <a:p>
-            <a:endParaRPr lang="en-CA" dirty="0" smtClean="0"/>
-          </a:p>
-          <a:p>
-            <a:r>
-              <a:rPr lang="en-CA" dirty="0" smtClean="0"/>
-              <a:t>S ----------------------&gt; S1</a:t>
-            </a:r>
-            <a:r>
-              <a:rPr lang="en-CA" dirty="0"/>
-              <a:t> </a:t>
-            </a:r>
-            <a:r>
-              <a:rPr lang="en-CA" dirty="0" smtClean="0"/>
-              <a:t>======================&gt; D1 ----------------------&gt; D</a:t>
-            </a:r>
-            <a:endParaRPr lang="en-CA" dirty="0"/>
           </a:p>
         </p:txBody>
       </p:sp>
     </p:spTree>
     <p:extLst>
       <p:ext uri="{BB962C8B-B14F-4D97-AF65-F5344CB8AC3E}">
-        <p14:creationId xmlns:p14="http://schemas.microsoft.com/office/powerpoint/2010/main" val="3119394370"/>
+        <p14:creationId xmlns:p14="http://schemas.microsoft.com/office/powerpoint/2010/main" val="2511717434"/>
       </p:ext>
     </p:extLst>
   </p:cSld>
@@ -5706,10 +6162,9 @@
           <a:lstStyle/>
           <a:p>
             <a:r>
-              <a:rPr lang="en-CA" dirty="0" smtClean="0"/>
+              <a:rPr lang="en-CA" dirty="0"/>
               <a:t>Design</a:t>
             </a:r>
-            <a:endParaRPr lang="en-CA" dirty="0"/>
           </a:p>
         </p:txBody>
       </p:sp>
@@ -5723,188 +6178,69 @@
             <p:ph idx="1"/>
           </p:nvPr>
         </p:nvSpPr>
-        <p:spPr>
-          <a:xfrm>
-            <a:off x="1097280" y="1845734"/>
-            <a:ext cx="10058400" cy="4422062"/>
-          </a:xfrm>
-        </p:spPr>
-        <p:txBody>
-          <a:bodyPr>
-            <a:normAutofit/>
-          </a:bodyPr>
-          <a:lstStyle/>
-          <a:p>
-            <a:pPr>
-              <a:buFont typeface="Wingdings" panose="05000000000000000000" pitchFamily="2" charset="2"/>
-              <a:buChar char="§"/>
+        <p:spPr/>
+        <p:txBody>
+          <a:bodyPr/>
+          <a:lstStyle/>
+          <a:p>
+            <a:pPr marL="0" indent="0">
+              <a:buNone/>
             </a:pPr>
             <a:r>
               <a:rPr lang="en-CA" b="1" dirty="0" smtClean="0"/>
-              <a:t> B</a:t>
-            </a:r>
-            <a:r>
-              <a:rPr lang="en-CA" dirty="0" smtClean="0"/>
-              <a:t>: set of all bike stations</a:t>
-            </a:r>
-          </a:p>
-          <a:p>
-            <a:pPr lvl="1">
-              <a:buFont typeface="Wingdings" panose="05000000000000000000" pitchFamily="2" charset="2"/>
-              <a:buChar char="§"/>
-            </a:pPr>
-            <a:r>
-              <a:rPr lang="en-CA" dirty="0"/>
-              <a:t>  </a:t>
+              <a:t>Public transportation cost:</a:t>
+            </a:r>
+          </a:p>
+          <a:p>
+            <a:pPr marL="0" indent="0">
+              <a:buNone/>
+            </a:pPr>
+            <a:r>
+              <a:rPr lang="en-CA" dirty="0" smtClean="0"/>
+              <a:t>C_PUB(</a:t>
+            </a:r>
+            <a:r>
+              <a:rPr lang="en-CA" dirty="0" err="1" smtClean="0"/>
+              <a:t>S,D,t</a:t>
+            </a:r>
+            <a:r>
+              <a:rPr lang="en-CA" dirty="0"/>
+              <a:t>) = </a:t>
+            </a:r>
+            <a:r>
+              <a:rPr lang="en-CA" dirty="0" smtClean="0"/>
+              <a:t>G_PUB(S,S1,t)</a:t>
+            </a:r>
+            <a:endParaRPr lang="en-CA" b="1" dirty="0" smtClean="0"/>
+          </a:p>
+          <a:p>
+            <a:pPr marL="0" indent="0">
+              <a:buNone/>
+            </a:pPr>
+            <a:r>
+              <a:rPr lang="en-CA" b="1" dirty="0" smtClean="0"/>
+              <a:t>BIXI </a:t>
+            </a:r>
+            <a:r>
+              <a:rPr lang="en-CA" b="1" dirty="0"/>
+              <a:t>cost:</a:t>
+            </a:r>
+          </a:p>
+          <a:p>
+            <a:pPr marL="0" indent="0">
+              <a:buNone/>
+            </a:pPr>
+            <a:r>
+              <a:rPr lang="en-CA" dirty="0"/>
+              <a:t>C_BIXI(</a:t>
             </a:r>
             <a:r>
               <a:rPr lang="en-CA" dirty="0" err="1"/>
-              <a:t>AvailableBikes</a:t>
-            </a:r>
-            <a:r>
-              <a:rPr lang="en-CA" dirty="0"/>
-              <a:t>(</a:t>
-            </a:r>
-            <a:r>
-              <a:rPr lang="en-CA" dirty="0" err="1"/>
-              <a:t>s,t</a:t>
-            </a:r>
-            <a:r>
-              <a:rPr lang="en-CA" dirty="0"/>
-              <a:t>): the number of available bikes at station s at time t</a:t>
-            </a:r>
-          </a:p>
-          <a:p>
-            <a:pPr lvl="1">
-              <a:buFont typeface="Wingdings" panose="05000000000000000000" pitchFamily="2" charset="2"/>
-              <a:buChar char="§"/>
-            </a:pPr>
-            <a:r>
-              <a:rPr lang="en-CA" dirty="0"/>
-              <a:t> </a:t>
-            </a:r>
-            <a:r>
-              <a:rPr lang="en-CA" dirty="0" err="1"/>
-              <a:t>AvailableDocks</a:t>
-            </a:r>
-            <a:r>
-              <a:rPr lang="en-CA" dirty="0"/>
-              <a:t>(</a:t>
-            </a:r>
-            <a:r>
-              <a:rPr lang="en-CA" dirty="0" err="1"/>
-              <a:t>s,t</a:t>
-            </a:r>
-            <a:r>
-              <a:rPr lang="en-CA" dirty="0"/>
-              <a:t>): the number of available docks at station s at time t</a:t>
-            </a:r>
-          </a:p>
-          <a:p>
-            <a:pPr>
-              <a:buFont typeface="Wingdings" panose="05000000000000000000" pitchFamily="2" charset="2"/>
-              <a:buChar char="§"/>
-            </a:pPr>
-            <a:r>
-              <a:rPr lang="en-CA" b="1" dirty="0" smtClean="0"/>
-              <a:t> B_s</a:t>
-            </a:r>
-            <a:r>
-              <a:rPr lang="en-CA" dirty="0" smtClean="0"/>
-              <a:t>(</a:t>
-            </a:r>
-            <a:r>
-              <a:rPr lang="en-CA" dirty="0" err="1" smtClean="0"/>
-              <a:t>S,n,m,t</a:t>
-            </a:r>
-            <a:r>
-              <a:rPr lang="en-CA" dirty="0" smtClean="0"/>
-              <a:t>): </a:t>
-            </a:r>
-            <a:r>
-              <a:rPr lang="en-CA" dirty="0"/>
-              <a:t>set of n</a:t>
-            </a:r>
-            <a:r>
-              <a:rPr lang="en-CA" dirty="0" smtClean="0"/>
-              <a:t> bike stations that have (</a:t>
-            </a:r>
-            <a:r>
-              <a:rPr lang="en-CA" dirty="0"/>
-              <a:t>a</a:t>
-            </a:r>
-            <a:r>
-              <a:rPr lang="en-CA" dirty="0" smtClean="0"/>
-              <a:t>) </a:t>
-            </a:r>
-            <a:r>
-              <a:rPr lang="en-CA" dirty="0"/>
-              <a:t>shortest geo distances to </a:t>
-            </a:r>
-            <a:r>
-              <a:rPr lang="en-CA" dirty="0" smtClean="0"/>
-              <a:t>S and (b) at least m available bikes at time t</a:t>
-            </a:r>
-            <a:endParaRPr lang="en-CA" dirty="0"/>
-          </a:p>
-          <a:p>
-            <a:pPr>
-              <a:buFont typeface="Wingdings" panose="05000000000000000000" pitchFamily="2" charset="2"/>
-              <a:buChar char="§"/>
-            </a:pPr>
-            <a:r>
-              <a:rPr lang="en-CA" b="1" dirty="0" smtClean="0"/>
-              <a:t> </a:t>
-            </a:r>
-            <a:r>
-              <a:rPr lang="en-CA" b="1" dirty="0" err="1" smtClean="0"/>
-              <a:t>B_d</a:t>
-            </a:r>
-            <a:r>
-              <a:rPr lang="en-CA" dirty="0" smtClean="0"/>
-              <a:t>(</a:t>
-            </a:r>
-            <a:r>
-              <a:rPr lang="en-CA" dirty="0" err="1" smtClean="0"/>
-              <a:t>D,n,m,t</a:t>
-            </a:r>
-            <a:r>
-              <a:rPr lang="en-CA" dirty="0" smtClean="0"/>
-              <a:t>): </a:t>
-            </a:r>
-            <a:r>
-              <a:rPr lang="en-CA" dirty="0"/>
-              <a:t>set of n bike stations </a:t>
-            </a:r>
-            <a:r>
-              <a:rPr lang="en-CA" dirty="0" smtClean="0"/>
-              <a:t>that have (a) </a:t>
-            </a:r>
-            <a:r>
-              <a:rPr lang="en-CA" dirty="0"/>
-              <a:t>shortest geo distances to </a:t>
-            </a:r>
-            <a:r>
-              <a:rPr lang="en-CA" dirty="0" smtClean="0"/>
-              <a:t>D and (b) </a:t>
-            </a:r>
-            <a:r>
-              <a:rPr lang="en-CA" dirty="0"/>
-              <a:t>at least m available </a:t>
-            </a:r>
-            <a:r>
-              <a:rPr lang="en-CA" dirty="0" smtClean="0"/>
-              <a:t>docks at time t</a:t>
-            </a:r>
-          </a:p>
-          <a:p>
-            <a:pPr>
-              <a:buFont typeface="Wingdings" panose="05000000000000000000" pitchFamily="2" charset="2"/>
-              <a:buChar char="§"/>
-            </a:pPr>
-            <a:r>
-              <a:rPr lang="en-CA" dirty="0" smtClean="0"/>
-              <a:t> </a:t>
+              <a:t>S,D,t</a:t>
+            </a:r>
+            <a:r>
+              <a:rPr lang="en-CA" dirty="0"/>
+              <a:t>) = </a:t>
             </a:r>
             <a:r>
               <a:rPr lang="en-CA" dirty="0" err="1" smtClean="0"/>
@@ -5912,7 +6248,11 @@
             </a:r>
             <a:r>
               <a:rPr lang="en-CA" dirty="0" smtClean="0"/>
-              <a:t>(X,Y), </a:t>
+              <a:t>(S,S1,t) </a:t>
+            </a:r>
+            <a:r>
+              <a:rPr lang="en-CA" dirty="0"/>
+              <a:t>+ </a:t>
             </a:r>
             <a:r>
               <a:rPr lang="en-CA" dirty="0" err="1" smtClean="0"/>
@@ -5920,51 +6260,107 @@
             </a:r>
             <a:r>
               <a:rPr lang="en-CA" dirty="0" smtClean="0"/>
-              <a:t>(X,Y), </a:t>
+              <a:t>(S1,D1,t) </a:t>
+            </a:r>
+            <a:r>
+              <a:rPr lang="en-CA" dirty="0"/>
+              <a:t>+ </a:t>
             </a:r>
             <a:r>
               <a:rPr lang="en-CA" dirty="0" err="1" smtClean="0"/>
-              <a:t>G_pub</a:t>
-            </a:r>
-            <a:r>
-              <a:rPr lang="en-CA" dirty="0" smtClean="0"/>
-              <a:t>(X,Y</a:t>
-            </a:r>
-            <a:r>
-              <a:rPr lang="en-CA" dirty="0"/>
-              <a:t>)</a:t>
-            </a:r>
-            <a:r>
-              <a:rPr lang="en-CA" dirty="0" smtClean="0"/>
-              <a:t>: </a:t>
-            </a:r>
-            <a:r>
-              <a:rPr lang="en-CA" dirty="0"/>
-              <a:t>the cost of </a:t>
-            </a:r>
-            <a:r>
-              <a:rPr lang="en-CA" dirty="0" smtClean="0"/>
-              <a:t>walking/biking/public transportation </a:t>
-            </a:r>
-            <a:r>
-              <a:rPr lang="en-CA" dirty="0"/>
-              <a:t>from X to Y calculated by </a:t>
-            </a:r>
-            <a:r>
-              <a:rPr lang="en-CA" dirty="0" err="1" smtClean="0"/>
-              <a:t>GoogleAPI</a:t>
-            </a:r>
-            <a:r>
-              <a:rPr lang="en-CA" dirty="0" smtClean="0"/>
-              <a:t> at time t</a:t>
-            </a:r>
+              <a:t>G_w</a:t>
+            </a:r>
+            <a:r>
+              <a:rPr lang="en-CA" dirty="0" smtClean="0"/>
+              <a:t>(D1,D,t)</a:t>
+            </a:r>
+          </a:p>
+          <a:p>
+            <a:pPr marL="0" indent="0">
+              <a:buNone/>
+            </a:pPr>
+            <a:r>
+              <a:rPr lang="en-CA" i="1" dirty="0" smtClean="0"/>
+              <a:t>These 2 costs could be adjusted by other information from CVST</a:t>
+            </a:r>
+          </a:p>
+          <a:p>
+            <a:pPr>
+              <a:buFont typeface="Arial" panose="020B0604020202020204" pitchFamily="34" charset="0"/>
+              <a:buChar char="•"/>
+            </a:pPr>
+            <a:r>
+              <a:rPr lang="en-CA" i="1" dirty="0"/>
+              <a:t> </a:t>
+            </a:r>
+            <a:r>
+              <a:rPr lang="en-CA" i="1" dirty="0" smtClean="0"/>
+              <a:t>Road blocks</a:t>
+            </a:r>
+          </a:p>
+          <a:p>
+            <a:pPr>
+              <a:buFont typeface="Arial" panose="020B0604020202020204" pitchFamily="34" charset="0"/>
+              <a:buChar char="•"/>
+            </a:pPr>
+            <a:r>
+              <a:rPr lang="en-CA" i="1" dirty="0"/>
+              <a:t> </a:t>
+            </a:r>
+            <a:r>
+              <a:rPr lang="en-CA" i="1" dirty="0" smtClean="0"/>
+              <a:t>Constructions</a:t>
+            </a:r>
+          </a:p>
+          <a:p>
+            <a:pPr>
+              <a:buFont typeface="Arial" panose="020B0604020202020204" pitchFamily="34" charset="0"/>
+              <a:buChar char="•"/>
+            </a:pPr>
+            <a:r>
+              <a:rPr lang="en-CA" i="1" dirty="0"/>
+              <a:t> </a:t>
+            </a:r>
+            <a:r>
+              <a:rPr lang="en-CA" i="1" dirty="0" smtClean="0"/>
+              <a:t>Accidents</a:t>
+            </a:r>
+          </a:p>
+          <a:p>
+            <a:pPr>
+              <a:buFont typeface="Arial" panose="020B0604020202020204" pitchFamily="34" charset="0"/>
+              <a:buChar char="•"/>
+            </a:pPr>
+            <a:r>
+              <a:rPr lang="en-CA" i="1" dirty="0"/>
+              <a:t> </a:t>
+            </a:r>
+            <a:r>
+              <a:rPr lang="en-CA" i="1" dirty="0" smtClean="0"/>
+              <a:t>…</a:t>
+            </a:r>
+          </a:p>
+          <a:p>
+            <a:pPr marL="0" indent="0">
+              <a:buNone/>
+            </a:pPr>
+            <a:endParaRPr lang="en-CA" dirty="0"/>
+          </a:p>
+          <a:p>
+            <a:pPr marL="0" indent="0">
+              <a:buNone/>
+            </a:pPr>
+            <a:endParaRPr lang="en-CA" dirty="0"/>
+          </a:p>
+          <a:p>
+            <a:endParaRPr lang="en-CA" dirty="0"/>
           </a:p>
         </p:txBody>
       </p:sp>
     </p:spTree>
     <p:extLst>
       <p:ext uri="{BB962C8B-B14F-4D97-AF65-F5344CB8AC3E}">
-        <p14:creationId xmlns:p14="http://schemas.microsoft.com/office/powerpoint/2010/main" val="2256211168"/>
+        <p14:creationId xmlns:p14="http://schemas.microsoft.com/office/powerpoint/2010/main" val="51058796"/>
       </p:ext>
     </p:extLst>
   </p:cSld>
@@ -6014,10 +6410,9 @@
           <a:lstStyle/>
           <a:p>
             <a:r>
-              <a:rPr lang="en-CA" dirty="0" smtClean="0"/>
+              <a:rPr lang="en-CA" dirty="0"/>
               <a:t>Design</a:t>
             </a:r>
-            <a:endParaRPr lang="en-CA" dirty="0"/>
           </a:p>
         </p:txBody>
       </p:sp>
@@ -6031,16 +6426,9 @@
             <p:ph idx="1"/>
           </p:nvPr>
         </p:nvSpPr>
-        <p:spPr>
-          <a:xfrm>
-            <a:off x="1097280" y="1845734"/>
-            <a:ext cx="10058400" cy="4422062"/>
-          </a:xfrm>
-        </p:spPr>
-        <p:txBody>
-          <a:bodyPr>
-            <a:normAutofit/>
-          </a:bodyPr>
+        <p:spPr/>
+        <p:txBody>
+          <a:bodyPr/>
           <a:lstStyle/>
           <a:p>
             <a:pPr marL="0" indent="0">
@@ -6048,7 +6436,11 @@
             </a:pPr>
             <a:r>
               <a:rPr lang="en-CA" b="1" dirty="0" smtClean="0"/>
-              <a:t>How to select S1?</a:t>
+              <a:t>BIXI </a:t>
+            </a:r>
+            <a:r>
+              <a:rPr lang="en-CA" b="1" dirty="0"/>
+              <a:t>cost:</a:t>
             </a:r>
           </a:p>
           <a:p>
@@ -6056,24 +6448,16 @@
               <a:buNone/>
             </a:pPr>
             <a:r>
-              <a:rPr lang="en-CA" dirty="0" smtClean="0"/>
-              <a:t>S1 \in </a:t>
-            </a:r>
-            <a:r>
-              <a:rPr lang="en-CA" b="1" dirty="0"/>
-              <a:t>B_s</a:t>
-            </a:r>
-            <a:r>
-              <a:rPr lang="en-CA" dirty="0"/>
-              <a:t>(</a:t>
+              <a:rPr lang="en-CA" dirty="0"/>
+              <a:t>C_BIXI(</a:t>
             </a:r>
             <a:r>
               <a:rPr lang="en-CA" dirty="0" err="1"/>
-              <a:t>S,n,m,t</a:t>
-            </a:r>
-            <a:r>
-              <a:rPr lang="en-CA" dirty="0" smtClean="0"/>
-              <a:t>) and </a:t>
+              <a:t>S,D,t</a:t>
+            </a:r>
+            <a:r>
+              <a:rPr lang="en-CA" dirty="0"/>
+              <a:t>) = </a:t>
             </a:r>
             <a:r>
               <a:rPr lang="en-CA" dirty="0" err="1" smtClean="0"/>
@@ -6081,7 +6465,23 @@
             </a:r>
             <a:r>
               <a:rPr lang="en-CA" dirty="0" smtClean="0"/>
-              <a:t>(S,S1) = min{</a:t>
+              <a:t>(S,S1,t) </a:t>
+            </a:r>
+            <a:r>
+              <a:rPr lang="en-CA" dirty="0"/>
+              <a:t>+ </a:t>
+            </a:r>
+            <a:r>
+              <a:rPr lang="en-CA" dirty="0" err="1" smtClean="0"/>
+              <a:t>G_b</a:t>
+            </a:r>
+            <a:r>
+              <a:rPr lang="en-CA" dirty="0" smtClean="0"/>
+              <a:t>(S1,D1,t) </a:t>
+            </a:r>
+            <a:r>
+              <a:rPr lang="en-CA" dirty="0"/>
+              <a:t>+ </a:t>
             </a:r>
             <a:r>
               <a:rPr lang="en-CA" dirty="0" err="1" smtClean="0"/>
@@ -6089,173 +6489,190 @@
             </a:r>
             <a:r>
               <a:rPr lang="en-CA" dirty="0" smtClean="0"/>
-              <a:t>(S,s)}, \</a:t>
+              <a:t>(D1,D,t)</a:t>
+            </a:r>
+          </a:p>
+          <a:p>
+            <a:pPr marL="0" indent="0">
+              <a:buNone/>
+            </a:pPr>
+            <a:r>
+              <a:rPr lang="en-CA" b="1" dirty="0" smtClean="0"/>
+              <a:t>This cost could be associated with confidence level when combined with historical data over the last P observations (from current time) in the period from [t-W/2, T+W/2]</a:t>
+            </a:r>
+          </a:p>
+          <a:p>
+            <a:pPr>
+              <a:buFont typeface="Arial" panose="020B0604020202020204" pitchFamily="34" charset="0"/>
+              <a:buChar char="•"/>
+            </a:pPr>
+            <a:r>
+              <a:rPr lang="en-CA" dirty="0"/>
+              <a:t> </a:t>
+            </a:r>
+            <a:r>
+              <a:rPr lang="en-CA" dirty="0" smtClean="0"/>
+              <a:t>Confidence(s1,t)&gt;Confidence(s2,t) if </a:t>
             </a:r>
             <a:r>
               <a:rPr lang="en-CA" dirty="0" err="1" smtClean="0"/>
-              <a:t>forall</a:t>
-            </a:r>
-            <a:r>
-              <a:rPr lang="en-CA" dirty="0" smtClean="0"/>
-              <a:t> s \in </a:t>
-            </a:r>
-            <a:r>
-              <a:rPr lang="en-CA" b="1" dirty="0" smtClean="0"/>
-              <a:t>B_s</a:t>
-            </a:r>
-            <a:r>
-              <a:rPr lang="en-CA" dirty="0" smtClean="0"/>
-              <a:t>(</a:t>
+              <a:t>AvailableBikes</a:t>
+            </a:r>
+            <a:r>
+              <a:rPr lang="en-CA" dirty="0" smtClean="0"/>
+              <a:t>(s1,t)&gt;</a:t>
             </a:r>
             <a:r>
               <a:rPr lang="en-CA" dirty="0" err="1" smtClean="0"/>
-              <a:t>S,n,m,t</a:t>
-            </a:r>
-            <a:r>
-              <a:rPr lang="en-CA" dirty="0" smtClean="0"/>
+              <a:t>AvailableBikes</a:t>
+            </a:r>
+            <a:r>
+              <a:rPr lang="en-CA" dirty="0" smtClean="0"/>
+              <a:t>(s2,t)</a:t>
+            </a:r>
+          </a:p>
+          <a:p>
+            <a:pPr>
+              <a:buFont typeface="Arial" panose="020B0604020202020204" pitchFamily="34" charset="0"/>
+              <a:buChar char="•"/>
+            </a:pPr>
+            <a:r>
+              <a:rPr lang="en-CA" dirty="0" smtClean="0"/>
+              <a:t> Confidence(s1,t</a:t>
+            </a:r>
+            <a:r>
+              <a:rPr lang="en-CA" dirty="0"/>
+              <a:t>)&gt;Confidence(s2,t) if </a:t>
+            </a:r>
+            <a:r>
+              <a:rPr lang="en-CA" dirty="0" err="1" smtClean="0"/>
+              <a:t>AvailableBikesAvg</a:t>
+            </a:r>
+            <a:r>
+              <a:rPr lang="en-CA" dirty="0" smtClean="0"/>
+              <a:t>(s1,t,P,W)&gt;</a:t>
+            </a:r>
+            <a:r>
+              <a:rPr lang="en-CA" dirty="0" err="1" smtClean="0"/>
+              <a:t>AvailableBikesAvg</a:t>
+            </a:r>
+            <a:r>
+              <a:rPr lang="en-CA" dirty="0" smtClean="0"/>
+              <a:t>(s2,t,P,W)</a:t>
+            </a:r>
+            <a:endParaRPr lang="en-CA" dirty="0"/>
+          </a:p>
+          <a:p>
+            <a:pPr>
+              <a:buFont typeface="Arial" panose="020B0604020202020204" pitchFamily="34" charset="0"/>
+              <a:buChar char="•"/>
+            </a:pPr>
+            <a:r>
+              <a:rPr lang="en-CA" dirty="0" smtClean="0"/>
+              <a:t> Confidence(d1,t</a:t>
+            </a:r>
+            <a:r>
+              <a:rPr lang="en-CA" dirty="0"/>
+              <a:t>)&gt;</a:t>
+            </a:r>
+            <a:r>
+              <a:rPr lang="en-CA" dirty="0" smtClean="0"/>
+              <a:t>Confidence(d2,t</a:t>
+            </a:r>
+            <a:r>
+              <a:rPr lang="en-CA" dirty="0"/>
+              <a:t>) if </a:t>
+            </a:r>
+            <a:r>
+              <a:rPr lang="en-CA" dirty="0" err="1" smtClean="0"/>
+              <a:t>AvailableDocks</a:t>
+            </a:r>
+            <a:r>
+              <a:rPr lang="en-CA" dirty="0" smtClean="0"/>
+              <a:t>(d1,t</a:t>
+            </a:r>
+            <a:r>
+              <a:rPr lang="en-CA" dirty="0"/>
+              <a:t>)&gt;</a:t>
+            </a:r>
+            <a:r>
+              <a:rPr lang="en-CA" dirty="0" err="1" smtClean="0"/>
+              <a:t>AvailableDocks</a:t>
+            </a:r>
+            <a:r>
+              <a:rPr lang="en-CA" dirty="0" smtClean="0"/>
+              <a:t>(d2,t</a:t>
+            </a:r>
+            <a:r>
+              <a:rPr lang="en-CA" dirty="0"/>
               <a:t>)</a:t>
             </a:r>
           </a:p>
           <a:p>
+            <a:pPr>
+              <a:buFont typeface="Arial" panose="020B0604020202020204" pitchFamily="34" charset="0"/>
+              <a:buChar char="•"/>
+            </a:pPr>
+            <a:r>
+              <a:rPr lang="en-CA" dirty="0"/>
+              <a:t> </a:t>
+            </a:r>
+            <a:r>
+              <a:rPr lang="en-CA" dirty="0" smtClean="0"/>
+              <a:t>Confidence(d1,t</a:t>
+            </a:r>
+            <a:r>
+              <a:rPr lang="en-CA" dirty="0"/>
+              <a:t>)&gt;</a:t>
+            </a:r>
+            <a:r>
+              <a:rPr lang="en-CA" dirty="0" smtClean="0"/>
+              <a:t>Confidence(d2,t</a:t>
+            </a:r>
+            <a:r>
+              <a:rPr lang="en-CA" dirty="0"/>
+              <a:t>) if </a:t>
+            </a:r>
+            <a:r>
+              <a:rPr lang="en-CA" dirty="0" err="1" smtClean="0"/>
+              <a:t>AvailableDocksAvg</a:t>
+            </a:r>
+            <a:r>
+              <a:rPr lang="en-CA" dirty="0" smtClean="0"/>
+              <a:t>(d1,t,P,W</a:t>
+            </a:r>
+            <a:r>
+              <a:rPr lang="en-CA" dirty="0"/>
+              <a:t>)&gt;</a:t>
+            </a:r>
+            <a:r>
+              <a:rPr lang="en-CA" dirty="0" err="1" smtClean="0"/>
+              <a:t>AvailableDocksAvg</a:t>
+            </a:r>
+            <a:r>
+              <a:rPr lang="en-CA" dirty="0" smtClean="0"/>
+              <a:t>(d2,t,P,W</a:t>
+            </a:r>
+            <a:r>
+              <a:rPr lang="en-CA" dirty="0"/>
+              <a:t>)</a:t>
+            </a:r>
+          </a:p>
+          <a:p>
             <a:pPr marL="0" indent="0">
               <a:buNone/>
             </a:pPr>
-            <a:r>
-              <a:rPr lang="en-CA" b="1" dirty="0"/>
-              <a:t>How to select </a:t>
-            </a:r>
-            <a:r>
-              <a:rPr lang="en-CA" b="1" dirty="0" smtClean="0"/>
-              <a:t>D1</a:t>
-            </a:r>
-            <a:r>
-              <a:rPr lang="en-CA" b="1" dirty="0"/>
-              <a:t>?</a:t>
-            </a:r>
-          </a:p>
-          <a:p>
-            <a:pPr marL="0" indent="0">
-              <a:buNone/>
-            </a:pPr>
-            <a:r>
-              <a:rPr lang="en-CA" dirty="0" smtClean="0"/>
-              <a:t>D1 </a:t>
-            </a:r>
-            <a:r>
-              <a:rPr lang="en-CA" dirty="0"/>
-              <a:t>\in </a:t>
-            </a:r>
-            <a:r>
-              <a:rPr lang="en-CA" b="1" dirty="0" err="1" smtClean="0"/>
-              <a:t>B_d</a:t>
-            </a:r>
-            <a:r>
-              <a:rPr lang="en-CA" dirty="0" smtClean="0"/>
-              <a:t>(</a:t>
-            </a:r>
-            <a:r>
-              <a:rPr lang="en-CA" dirty="0" err="1"/>
-              <a:t>D</a:t>
-            </a:r>
-            <a:r>
-              <a:rPr lang="en-CA" dirty="0" err="1" smtClean="0"/>
-              <a:t>,n,m,t</a:t>
-            </a:r>
-            <a:r>
-              <a:rPr lang="en-CA" dirty="0"/>
-              <a:t>) and </a:t>
-            </a:r>
-            <a:r>
-              <a:rPr lang="en-CA" dirty="0" err="1" smtClean="0"/>
-              <a:t>G_w</a:t>
-            </a:r>
-            <a:r>
-              <a:rPr lang="en-CA" dirty="0" smtClean="0"/>
-              <a:t>(D1,D) </a:t>
-            </a:r>
-            <a:r>
-              <a:rPr lang="en-CA" dirty="0"/>
-              <a:t>= </a:t>
-            </a:r>
-            <a:r>
-              <a:rPr lang="en-CA" dirty="0" smtClean="0"/>
-              <a:t>min{</a:t>
-            </a:r>
-            <a:r>
-              <a:rPr lang="en-CA" dirty="0" err="1" smtClean="0"/>
-              <a:t>G_w</a:t>
-            </a:r>
-            <a:r>
-              <a:rPr lang="en-CA" dirty="0" smtClean="0"/>
-              <a:t>(</a:t>
-            </a:r>
-            <a:r>
-              <a:rPr lang="en-CA" dirty="0" err="1" smtClean="0"/>
-              <a:t>d,D</a:t>
-            </a:r>
-            <a:r>
-              <a:rPr lang="en-CA" dirty="0" smtClean="0"/>
-              <a:t>)}, </a:t>
-            </a:r>
-            <a:r>
-              <a:rPr lang="en-CA" dirty="0"/>
-              <a:t>\</a:t>
-            </a:r>
-            <a:r>
-              <a:rPr lang="en-CA" dirty="0" err="1"/>
-              <a:t>forall</a:t>
-            </a:r>
-            <a:r>
-              <a:rPr lang="en-CA" dirty="0"/>
-              <a:t> </a:t>
-            </a:r>
-            <a:r>
-              <a:rPr lang="en-CA" dirty="0" smtClean="0"/>
-              <a:t>d </a:t>
-            </a:r>
-            <a:r>
-              <a:rPr lang="en-CA" dirty="0"/>
-              <a:t>\in </a:t>
-            </a:r>
-            <a:r>
-              <a:rPr lang="en-CA" b="1" dirty="0" err="1" smtClean="0"/>
-              <a:t>B_d</a:t>
-            </a:r>
-            <a:r>
-              <a:rPr lang="en-CA" dirty="0" smtClean="0"/>
-              <a:t>(</a:t>
-            </a:r>
-            <a:r>
-              <a:rPr lang="en-CA" dirty="0" err="1"/>
-              <a:t>D</a:t>
-            </a:r>
-            <a:r>
-              <a:rPr lang="en-CA" dirty="0" err="1" smtClean="0"/>
-              <a:t>,n,m,t</a:t>
-            </a:r>
-            <a:r>
-              <a:rPr lang="en-CA" dirty="0" smtClean="0"/>
-              <a:t>)</a:t>
-            </a:r>
-          </a:p>
-          <a:p>
-            <a:pPr marL="0" indent="0">
-              <a:buNone/>
-            </a:pPr>
             <a:endParaRPr lang="en-CA" dirty="0"/>
           </a:p>
           <a:p>
-            <a:pPr marL="0" indent="0">
-              <a:buNone/>
-            </a:pPr>
-            <a:endParaRPr lang="en-CA" dirty="0" smtClean="0"/>
+            <a:endParaRPr lang="en-CA" dirty="0"/>
           </a:p>
         </p:txBody>
       </p:sp>
     </p:spTree>
     <p:extLst>
       <p:ext uri="{BB962C8B-B14F-4D97-AF65-F5344CB8AC3E}">
-        <p14:creationId xmlns:p14="http://schemas.microsoft.com/office/powerpoint/2010/main" val="2511717434"/>
+        <p14:creationId xmlns:p14="http://schemas.microsoft.com/office/powerpoint/2010/main" val="3886950627"/>
       </p:ext>
     </p:extLst>
   </p:cSld>

--- a/SAVI - Design Camp 2015.pptx
+++ b/SAVI - Design Camp 2015.pptx
@@ -14,11 +14,12 @@
     <p:sldId id="267" r:id="rId8"/>
     <p:sldId id="270" r:id="rId9"/>
     <p:sldId id="266" r:id="rId10"/>
-    <p:sldId id="268" r:id="rId11"/>
-    <p:sldId id="269" r:id="rId12"/>
-    <p:sldId id="271" r:id="rId13"/>
-    <p:sldId id="272" r:id="rId14"/>
-    <p:sldId id="273" r:id="rId15"/>
+    <p:sldId id="274" r:id="rId11"/>
+    <p:sldId id="268" r:id="rId12"/>
+    <p:sldId id="269" r:id="rId13"/>
+    <p:sldId id="271" r:id="rId14"/>
+    <p:sldId id="272" r:id="rId15"/>
+    <p:sldId id="273" r:id="rId16"/>
   </p:sldIdLst>
   <p:sldSz cx="12192000" cy="6858000"/>
   <p:notesSz cx="6858000" cy="9144000"/>
@@ -351,7 +352,7 @@
           <a:p>
             <a:fld id="{4BDF68E2-58F2-4D09-BE8B-E3BD06533059}" type="datetimeFigureOut">
               <a:rPr lang="en-US" dirty="0"/>
-              <a:t>10/10/2015</a:t>
+              <a:t>10/11/2015</a:t>
             </a:fld>
             <a:endParaRPr lang="en-US" dirty="0"/>
           </a:p>
@@ -554,7 +555,7 @@
           <a:p>
             <a:fld id="{2E2D6473-DF6D-4702-B328-E0DD40540A4E}" type="datetimeFigureOut">
               <a:rPr lang="en-US" dirty="0"/>
-              <a:t>10/10/2015</a:t>
+              <a:t>10/11/2015</a:t>
             </a:fld>
             <a:endParaRPr lang="en-US" dirty="0"/>
           </a:p>
@@ -805,7 +806,7 @@
           <a:p>
             <a:fld id="{E26F7E3A-B166-407D-9866-32884E7D5B37}" type="datetimeFigureOut">
               <a:rPr lang="en-US" dirty="0"/>
-              <a:t>10/10/2015</a:t>
+              <a:t>10/11/2015</a:t>
             </a:fld>
             <a:endParaRPr lang="en-US" dirty="0"/>
           </a:p>
@@ -974,7 +975,7 @@
           <a:p>
             <a:fld id="{528FC5F6-F338-4AE4-BB23-26385BCFC423}" type="datetimeFigureOut">
               <a:rPr lang="en-US" dirty="0"/>
-              <a:t>10/10/2015</a:t>
+              <a:t>10/11/2015</a:t>
             </a:fld>
             <a:endParaRPr lang="en-US" dirty="0"/>
           </a:p>
@@ -1312,7 +1313,7 @@
           <a:p>
             <a:fld id="{20EBB0C4-6273-4C6E-B9BD-2EDC30F1CD52}" type="datetimeFigureOut">
               <a:rPr lang="en-US" dirty="0"/>
-              <a:t>10/10/2015</a:t>
+              <a:t>10/11/2015</a:t>
             </a:fld>
             <a:endParaRPr lang="en-US" dirty="0"/>
           </a:p>
@@ -1582,7 +1583,7 @@
           <a:p>
             <a:fld id="{19AB4D41-86C1-4908-B66A-0B50CEB3BF29}" type="datetimeFigureOut">
               <a:rPr lang="en-US" dirty="0"/>
-              <a:t>10/10/2015</a:t>
+              <a:t>10/11/2015</a:t>
             </a:fld>
             <a:endParaRPr lang="en-US" dirty="0"/>
           </a:p>
@@ -1956,7 +1957,7 @@
           <a:p>
             <a:fld id="{E6426E2C-56C1-4E0D-A793-0088A7FDD37E}" type="datetimeFigureOut">
               <a:rPr lang="en-US" dirty="0"/>
-              <a:t>10/10/2015</a:t>
+              <a:t>10/11/2015</a:t>
             </a:fld>
             <a:endParaRPr lang="en-US" dirty="0"/>
           </a:p>
@@ -2069,7 +2070,7 @@
           <a:p>
             <a:fld id="{C8C39B41-D8B5-4052-B551-9B5525EAA8B6}" type="datetimeFigureOut">
               <a:rPr lang="en-US" dirty="0"/>
-              <a:t>10/10/2015</a:t>
+              <a:t>10/11/2015</a:t>
             </a:fld>
             <a:endParaRPr lang="en-US" dirty="0"/>
           </a:p>
@@ -2235,7 +2236,7 @@
           <a:p>
             <a:fld id="{4D94136C-8742-45B2-AF27-D93DF72833A9}" type="datetimeFigureOut">
               <a:rPr lang="en-US" dirty="0"/>
-              <a:t>10/10/2015</a:t>
+              <a:t>10/11/2015</a:t>
             </a:fld>
             <a:endParaRPr lang="en-US" dirty="0"/>
           </a:p>
@@ -2585,7 +2586,7 @@
           <a:p>
             <a:fld id="{32ABBEA6-7C60-4B02-AE87-00D78D8422AF}" type="datetimeFigureOut">
               <a:rPr lang="en-US" dirty="0"/>
-              <a:t>10/10/2015</a:t>
+              <a:t>10/11/2015</a:t>
             </a:fld>
             <a:endParaRPr lang="en-US" dirty="0"/>
           </a:p>
@@ -2963,7 +2964,7 @@
           <a:p>
             <a:fld id="{C9CAD897-D46E-4AD2-BD9B-49DD3E640873}" type="datetimeFigureOut">
               <a:rPr lang="en-US" dirty="0"/>
-              <a:t>10/10/2015</a:t>
+              <a:t>10/11/2015</a:t>
             </a:fld>
             <a:endParaRPr lang="en-US" dirty="0"/>
           </a:p>
@@ -3245,7 +3246,7 @@
           <a:p>
             <a:fld id="{98624D31-43A5-475A-80CF-332C9F6DCF35}" type="datetimeFigureOut">
               <a:rPr lang="en-US" dirty="0"/>
-              <a:t>10/10/2015</a:t>
+              <a:t>10/11/2015</a:t>
             </a:fld>
             <a:endParaRPr lang="en-US" dirty="0"/>
           </a:p>
@@ -3951,100 +3952,433 @@
           <a:lstStyle/>
           <a:p>
             <a:r>
-              <a:rPr lang="en-CA" dirty="0" smtClean="0"/>
-              <a:t>V1.1: No real-time update/re-routing</a:t>
+              <a:rPr lang="en-CA" dirty="0"/>
+              <a:t>Design</a:t>
+            </a:r>
+          </a:p>
+        </p:txBody>
+      </p:sp>
+      <p:sp>
+        <p:nvSpPr>
+          <p:cNvPr id="3" name="Content Placeholder 2"/>
+          <p:cNvSpPr>
+            <a:spLocks noGrp="1"/>
+          </p:cNvSpPr>
+          <p:nvPr>
+            <p:ph idx="1"/>
+          </p:nvPr>
+        </p:nvSpPr>
+        <p:spPr/>
+        <p:txBody>
+          <a:bodyPr>
+            <a:normAutofit lnSpcReduction="10000"/>
+          </a:bodyPr>
+          <a:lstStyle/>
+          <a:p>
+            <a:pPr marL="0" indent="0">
+              <a:buNone/>
+            </a:pPr>
+            <a:r>
+              <a:rPr lang="en-CA" sz="2800" b="1" dirty="0" smtClean="0">
+                <a:solidFill>
+                  <a:srgbClr val="0070C0"/>
+                </a:solidFill>
+              </a:rPr>
+              <a:t>Confidence level </a:t>
+            </a:r>
+            <a:endParaRPr lang="en-CA" dirty="0" smtClean="0">
+              <a:solidFill>
+                <a:srgbClr val="0070C0"/>
+              </a:solidFill>
+            </a:endParaRPr>
+          </a:p>
+          <a:p>
+            <a:pPr>
+              <a:buFont typeface="Wingdings" panose="05000000000000000000" pitchFamily="2" charset="2"/>
+              <a:buChar char="§"/>
+            </a:pPr>
+            <a:r>
+              <a:rPr lang="en-CA" dirty="0" smtClean="0"/>
+              <a:t> </a:t>
+            </a:r>
+            <a:r>
+              <a:rPr lang="en-CA" dirty="0" err="1" smtClean="0"/>
+              <a:t>AvailableDocksMax</a:t>
+            </a:r>
+            <a:r>
+              <a:rPr lang="en-CA" dirty="0" smtClean="0"/>
+              <a:t>(</a:t>
+            </a:r>
+            <a:r>
+              <a:rPr lang="en-CA" dirty="0" err="1" smtClean="0"/>
+              <a:t>D,t</a:t>
+            </a:r>
+            <a:r>
+              <a:rPr lang="en-CA" dirty="0"/>
+              <a:t>) = max{</a:t>
+            </a:r>
+            <a:r>
+              <a:rPr lang="en-CA" dirty="0" err="1"/>
+              <a:t>AvailableDocks</a:t>
+            </a:r>
+            <a:r>
+              <a:rPr lang="en-CA" dirty="0"/>
+              <a:t>(</a:t>
+            </a:r>
+            <a:r>
+              <a:rPr lang="en-CA" dirty="0" err="1"/>
+              <a:t>d,t</a:t>
+            </a:r>
+            <a:r>
+              <a:rPr lang="en-CA" dirty="0"/>
+              <a:t>)} \</a:t>
+            </a:r>
+            <a:r>
+              <a:rPr lang="en-CA" dirty="0" err="1"/>
+              <a:t>forall</a:t>
+            </a:r>
+            <a:r>
+              <a:rPr lang="en-CA" dirty="0"/>
+              <a:t> d \in </a:t>
+            </a:r>
+            <a:r>
+              <a:rPr lang="en-CA" b="1" dirty="0" err="1" smtClean="0"/>
+              <a:t>B_d</a:t>
+            </a:r>
+            <a:r>
+              <a:rPr lang="en-CA" dirty="0" smtClean="0"/>
+              <a:t>(</a:t>
+            </a:r>
+            <a:r>
+              <a:rPr lang="en-CA" dirty="0" err="1" smtClean="0"/>
+              <a:t>D,n,m,t</a:t>
+            </a:r>
+            <a:r>
+              <a:rPr lang="en-CA" dirty="0" smtClean="0"/>
+              <a:t>)</a:t>
+            </a:r>
+          </a:p>
+          <a:p>
+            <a:pPr>
+              <a:buFont typeface="Wingdings" panose="05000000000000000000" pitchFamily="2" charset="2"/>
+              <a:buChar char="§"/>
+            </a:pPr>
+            <a:r>
+              <a:rPr lang="en-CA" dirty="0"/>
+              <a:t> </a:t>
+            </a:r>
+            <a:r>
+              <a:rPr lang="en-CA" dirty="0" err="1" smtClean="0"/>
+              <a:t>AvailableDocksAvgMax</a:t>
+            </a:r>
+            <a:r>
+              <a:rPr lang="en-CA" dirty="0" smtClean="0"/>
+              <a:t>(</a:t>
+            </a:r>
+            <a:r>
+              <a:rPr lang="en-CA" dirty="0" err="1" smtClean="0"/>
+              <a:t>D,t,P,W</a:t>
+            </a:r>
+            <a:r>
+              <a:rPr lang="en-CA" dirty="0"/>
+              <a:t>) = max{</a:t>
+            </a:r>
+            <a:r>
+              <a:rPr lang="en-CA" dirty="0" err="1"/>
+              <a:t>AvailableDocksAvg</a:t>
+            </a:r>
+            <a:r>
+              <a:rPr lang="en-CA" dirty="0"/>
+              <a:t>(</a:t>
+            </a:r>
+            <a:r>
+              <a:rPr lang="en-CA" dirty="0" err="1"/>
+              <a:t>d,t,P,W</a:t>
+            </a:r>
+            <a:r>
+              <a:rPr lang="en-CA" dirty="0"/>
+              <a:t>)} \</a:t>
+            </a:r>
+            <a:r>
+              <a:rPr lang="en-CA" dirty="0" err="1"/>
+              <a:t>forall</a:t>
+            </a:r>
+            <a:r>
+              <a:rPr lang="en-CA" dirty="0"/>
+              <a:t> d \in </a:t>
+            </a:r>
+            <a:r>
+              <a:rPr lang="en-CA" b="1" dirty="0" err="1"/>
+              <a:t>B_d</a:t>
+            </a:r>
+            <a:r>
+              <a:rPr lang="en-CA" dirty="0"/>
+              <a:t>(</a:t>
+            </a:r>
+            <a:r>
+              <a:rPr lang="en-CA" dirty="0" err="1"/>
+              <a:t>D,n,m,t</a:t>
+            </a:r>
+            <a:r>
+              <a:rPr lang="en-CA" dirty="0" smtClean="0"/>
+              <a:t>)</a:t>
+            </a:r>
+          </a:p>
+          <a:p>
+            <a:pPr marL="0" indent="0">
+              <a:buNone/>
+            </a:pPr>
+            <a:r>
+              <a:rPr lang="en-CA" b="1" dirty="0" smtClean="0"/>
+              <a:t>Confidence of station d at time t based on real-time data</a:t>
+            </a:r>
+          </a:p>
+          <a:p>
+            <a:pPr>
+              <a:buFont typeface="Wingdings" panose="05000000000000000000" pitchFamily="2" charset="2"/>
+              <a:buChar char="§"/>
+            </a:pPr>
+            <a:r>
+              <a:rPr lang="en-CA" dirty="0"/>
+              <a:t> </a:t>
+            </a:r>
+            <a:r>
+              <a:rPr lang="en-CA" dirty="0" smtClean="0"/>
+              <a:t>A(</a:t>
+            </a:r>
+            <a:r>
+              <a:rPr lang="en-CA" dirty="0" err="1" smtClean="0"/>
+              <a:t>d,t</a:t>
+            </a:r>
+            <a:r>
+              <a:rPr lang="en-CA" dirty="0" smtClean="0"/>
+              <a:t>) = </a:t>
+            </a:r>
+            <a:r>
+              <a:rPr lang="en-CA" dirty="0" err="1" smtClean="0"/>
+              <a:t>AvailableDocks</a:t>
+            </a:r>
+            <a:r>
+              <a:rPr lang="en-CA" dirty="0" smtClean="0"/>
+              <a:t>(</a:t>
+            </a:r>
+            <a:r>
+              <a:rPr lang="en-CA" dirty="0" err="1" smtClean="0"/>
+              <a:t>d,t</a:t>
+            </a:r>
+            <a:r>
+              <a:rPr lang="en-CA" dirty="0" smtClean="0"/>
+              <a:t>) / </a:t>
+            </a:r>
+            <a:r>
+              <a:rPr lang="en-CA" dirty="0" err="1" smtClean="0"/>
+              <a:t>AvailableDocksMax</a:t>
+            </a:r>
+            <a:r>
+              <a:rPr lang="en-CA" dirty="0" smtClean="0"/>
+              <a:t>(</a:t>
+            </a:r>
+            <a:r>
+              <a:rPr lang="en-CA" dirty="0" err="1" smtClean="0"/>
+              <a:t>D,t</a:t>
+            </a:r>
+            <a:r>
+              <a:rPr lang="en-CA" dirty="0" smtClean="0"/>
+              <a:t>), </a:t>
+            </a:r>
+            <a:r>
+              <a:rPr lang="en-CA" dirty="0"/>
+              <a:t>d \in </a:t>
+            </a:r>
+            <a:r>
+              <a:rPr lang="en-CA" b="1" dirty="0" err="1"/>
+              <a:t>B_d</a:t>
+            </a:r>
+            <a:r>
+              <a:rPr lang="en-CA" dirty="0"/>
+              <a:t>(</a:t>
+            </a:r>
+            <a:r>
+              <a:rPr lang="en-CA" dirty="0" err="1"/>
+              <a:t>D,n,m,t</a:t>
+            </a:r>
+            <a:r>
+              <a:rPr lang="en-CA" dirty="0" smtClean="0"/>
+              <a:t>)</a:t>
+            </a:r>
+          </a:p>
+          <a:p>
+            <a:pPr marL="0" indent="0">
+              <a:buNone/>
+            </a:pPr>
+            <a:r>
+              <a:rPr lang="en-CA" b="1" dirty="0"/>
+              <a:t>Confidence  of station d at time t </a:t>
+            </a:r>
+            <a:r>
+              <a:rPr lang="en-CA" b="1" dirty="0" smtClean="0"/>
+              <a:t>based </a:t>
+            </a:r>
+            <a:r>
+              <a:rPr lang="en-CA" b="1" dirty="0"/>
+              <a:t>on </a:t>
+            </a:r>
+            <a:r>
+              <a:rPr lang="en-CA" b="1" dirty="0" smtClean="0"/>
+              <a:t>historical data</a:t>
+            </a:r>
+          </a:p>
+          <a:p>
+            <a:pPr>
+              <a:buFont typeface="Wingdings" panose="05000000000000000000" pitchFamily="2" charset="2"/>
+              <a:buChar char="§"/>
+            </a:pPr>
+            <a:r>
+              <a:rPr lang="en-CA" dirty="0"/>
+              <a:t> </a:t>
+            </a:r>
+            <a:r>
+              <a:rPr lang="en-CA" dirty="0" smtClean="0"/>
+              <a:t>B(</a:t>
+            </a:r>
+            <a:r>
+              <a:rPr lang="en-CA" dirty="0" err="1" smtClean="0"/>
+              <a:t>d,t</a:t>
+            </a:r>
+            <a:r>
+              <a:rPr lang="en-CA" dirty="0"/>
+              <a:t>) = </a:t>
+            </a:r>
+            <a:r>
+              <a:rPr lang="en-CA" dirty="0" err="1" smtClean="0"/>
+              <a:t>AvailableDocksAvg</a:t>
+            </a:r>
+            <a:r>
+              <a:rPr lang="en-CA" dirty="0" smtClean="0"/>
+              <a:t>(</a:t>
+            </a:r>
+            <a:r>
+              <a:rPr lang="en-CA" dirty="0" err="1"/>
+              <a:t>d</a:t>
+            </a:r>
+            <a:r>
+              <a:rPr lang="en-CA" dirty="0" err="1" smtClean="0"/>
+              <a:t>,t,P,W</a:t>
+            </a:r>
+            <a:r>
+              <a:rPr lang="en-CA" dirty="0"/>
+              <a:t>) </a:t>
+            </a:r>
+            <a:r>
+              <a:rPr lang="en-CA" dirty="0" smtClean="0"/>
+              <a:t>/ </a:t>
+            </a:r>
+            <a:r>
+              <a:rPr lang="en-CA" dirty="0" err="1"/>
+              <a:t>AvailableDocksAvgMax</a:t>
+            </a:r>
+            <a:r>
+              <a:rPr lang="en-CA" dirty="0"/>
+              <a:t>(</a:t>
+            </a:r>
+            <a:r>
+              <a:rPr lang="en-CA" dirty="0" err="1"/>
+              <a:t>D,t,P,W</a:t>
+            </a:r>
+            <a:r>
+              <a:rPr lang="en-CA" dirty="0"/>
+              <a:t>)</a:t>
+            </a:r>
+            <a:r>
+              <a:rPr lang="en-CA" dirty="0" smtClean="0"/>
+              <a:t>, </a:t>
+            </a:r>
+            <a:r>
+              <a:rPr lang="en-CA" dirty="0"/>
+              <a:t>d \in </a:t>
+            </a:r>
+            <a:r>
+              <a:rPr lang="en-CA" b="1" dirty="0" err="1"/>
+              <a:t>B_d</a:t>
+            </a:r>
+            <a:r>
+              <a:rPr lang="en-CA" dirty="0"/>
+              <a:t>(</a:t>
+            </a:r>
+            <a:r>
+              <a:rPr lang="en-CA" dirty="0" err="1"/>
+              <a:t>D,n,m,t</a:t>
+            </a:r>
+            <a:r>
+              <a:rPr lang="en-CA" dirty="0" smtClean="0"/>
+              <a:t>)</a:t>
+            </a:r>
+          </a:p>
+          <a:p>
+            <a:pPr marL="0" indent="0">
+              <a:buNone/>
+            </a:pPr>
+            <a:r>
+              <a:rPr lang="en-CA" b="1" dirty="0" smtClean="0"/>
+              <a:t>Confidence </a:t>
+            </a:r>
+            <a:r>
+              <a:rPr lang="en-CA" b="1" dirty="0"/>
+              <a:t> of station d at time t </a:t>
+            </a:r>
+            <a:endParaRPr lang="en-CA" dirty="0" smtClean="0"/>
+          </a:p>
+          <a:p>
+            <a:pPr>
+              <a:buFont typeface="Wingdings" panose="05000000000000000000" pitchFamily="2" charset="2"/>
+              <a:buChar char="§"/>
+            </a:pPr>
+            <a:r>
+              <a:rPr lang="en-CA" dirty="0"/>
+              <a:t> </a:t>
+            </a:r>
+            <a:r>
+              <a:rPr lang="en-CA" dirty="0" smtClean="0"/>
+              <a:t>C(</a:t>
+            </a:r>
+            <a:r>
+              <a:rPr lang="en-CA" dirty="0" err="1" smtClean="0"/>
+              <a:t>d,t</a:t>
+            </a:r>
+            <a:r>
+              <a:rPr lang="en-CA" dirty="0" smtClean="0"/>
+              <a:t>) = \alpha * A(</a:t>
+            </a:r>
+            <a:r>
+              <a:rPr lang="en-CA" dirty="0" err="1" smtClean="0"/>
+              <a:t>d,t</a:t>
+            </a:r>
+            <a:r>
+              <a:rPr lang="en-CA" dirty="0" smtClean="0"/>
+              <a:t>) + (1-</a:t>
+            </a:r>
+            <a:r>
+              <a:rPr lang="en-CA" dirty="0"/>
+              <a:t>\</a:t>
+            </a:r>
+            <a:r>
+              <a:rPr lang="en-CA" dirty="0" smtClean="0"/>
+              <a:t>alpha) * B(</a:t>
+            </a:r>
+            <a:r>
+              <a:rPr lang="en-CA" dirty="0" err="1" smtClean="0"/>
+              <a:t>d,t</a:t>
+            </a:r>
+            <a:r>
+              <a:rPr lang="en-CA" dirty="0" smtClean="0"/>
+              <a:t>), Ex: \alpha = 0.7</a:t>
             </a:r>
             <a:endParaRPr lang="en-CA" dirty="0"/>
           </a:p>
-        </p:txBody>
-      </p:sp>
-      <p:sp>
-        <p:nvSpPr>
-          <p:cNvPr id="3" name="Content Placeholder 2"/>
-          <p:cNvSpPr>
-            <a:spLocks noGrp="1"/>
-          </p:cNvSpPr>
-          <p:nvPr>
-            <p:ph idx="1"/>
-          </p:nvPr>
-        </p:nvSpPr>
-        <p:spPr/>
-        <p:txBody>
-          <a:bodyPr/>
-          <a:lstStyle/>
-          <a:p>
-            <a:pPr marL="457200" indent="-457200">
-              <a:buFont typeface="+mj-lt"/>
-              <a:buAutoNum type="arabicPeriod"/>
-            </a:pPr>
-            <a:r>
-              <a:rPr lang="en-CA" dirty="0" smtClean="0"/>
-              <a:t>Read(S,D)</a:t>
-            </a:r>
-          </a:p>
-          <a:p>
-            <a:pPr marL="457200" indent="-457200">
-              <a:buFont typeface="+mj-lt"/>
-              <a:buAutoNum type="arabicPeriod"/>
-            </a:pPr>
-            <a:r>
-              <a:rPr lang="en-CA" dirty="0" smtClean="0"/>
-              <a:t>Calculate </a:t>
-            </a:r>
-            <a:r>
-              <a:rPr lang="en-CA" dirty="0"/>
-              <a:t>C_PUB(</a:t>
-            </a:r>
-            <a:r>
-              <a:rPr lang="en-CA" dirty="0" err="1"/>
-              <a:t>S,D,t</a:t>
-            </a:r>
-            <a:r>
-              <a:rPr lang="en-CA" dirty="0" smtClean="0"/>
-              <a:t>)</a:t>
-            </a:r>
-          </a:p>
-          <a:p>
-            <a:pPr marL="457200" indent="-457200">
-              <a:buFont typeface="+mj-lt"/>
-              <a:buAutoNum type="arabicPeriod"/>
-            </a:pPr>
-            <a:r>
-              <a:rPr lang="en-CA" dirty="0" smtClean="0"/>
-              <a:t>Calculate </a:t>
-            </a:r>
-            <a:r>
-              <a:rPr lang="en-CA" dirty="0"/>
-              <a:t>C_BIXI(</a:t>
-            </a:r>
-            <a:r>
-              <a:rPr lang="en-CA" dirty="0" err="1"/>
-              <a:t>S,D,t</a:t>
-            </a:r>
-            <a:r>
-              <a:rPr lang="en-CA" dirty="0" smtClean="0"/>
-              <a:t>)</a:t>
-            </a:r>
-          </a:p>
-          <a:p>
-            <a:pPr marL="457200" indent="-457200">
-              <a:buFont typeface="+mj-lt"/>
-              <a:buAutoNum type="arabicPeriod"/>
-            </a:pPr>
-            <a:r>
-              <a:rPr lang="en-CA" dirty="0" smtClean="0"/>
-              <a:t>Select route</a:t>
-            </a:r>
-          </a:p>
-          <a:p>
-            <a:pPr marL="457200" indent="-457200">
-              <a:buFont typeface="+mj-lt"/>
-              <a:buAutoNum type="arabicPeriod"/>
-            </a:pPr>
-            <a:r>
-              <a:rPr lang="en-CA" dirty="0" smtClean="0"/>
-              <a:t>Display decision and map  </a:t>
-            </a:r>
+          <a:p>
+            <a:pPr marL="0" indent="0">
+              <a:buNone/>
+            </a:pPr>
             <a:endParaRPr lang="en-CA" dirty="0"/>
           </a:p>
           <a:p>
@@ -4061,7 +4395,7 @@
     </p:spTree>
     <p:extLst>
       <p:ext uri="{BB962C8B-B14F-4D97-AF65-F5344CB8AC3E}">
-        <p14:creationId xmlns:p14="http://schemas.microsoft.com/office/powerpoint/2010/main" val="4248212465"/>
+        <p14:creationId xmlns:p14="http://schemas.microsoft.com/office/powerpoint/2010/main" val="866070232"/>
       </p:ext>
     </p:extLst>
   </p:cSld>
@@ -4111,10 +4445,10 @@
           <a:lstStyle/>
           <a:p>
             <a:r>
-              <a:rPr lang="en-CA" dirty="0" smtClean="0"/>
-              <a:t>V2.1: Real-time updates + re-routings</a:t>
-            </a:r>
-            <a:endParaRPr lang="en-CA" dirty="0"/>
+              <a:rPr lang="en-CA" b="1" dirty="0" smtClean="0"/>
+              <a:t>V1.1: No real-time update/re-routing</a:t>
+            </a:r>
+            <a:endParaRPr lang="en-CA" b="1" dirty="0"/>
           </a:p>
         </p:txBody>
       </p:sp>
@@ -4130,9 +4464,7 @@
         </p:nvSpPr>
         <p:spPr/>
         <p:txBody>
-          <a:bodyPr>
-            <a:normAutofit fontScale="85000" lnSpcReduction="20000"/>
-          </a:bodyPr>
+          <a:bodyPr/>
           <a:lstStyle/>
           <a:p>
             <a:pPr marL="457200" indent="-457200">
@@ -4205,174 +4537,13 @@
             </a:pPr>
             <a:r>
               <a:rPr lang="en-CA" dirty="0" smtClean="0"/>
-              <a:t>Display decision and map</a:t>
-            </a:r>
+              <a:t>Display decision and map  </a:t>
+            </a:r>
+            <a:endParaRPr lang="en-CA" dirty="0"/>
           </a:p>
           <a:p>
             <a:pPr marL="0" indent="0">
               <a:buNone/>
-            </a:pPr>
-            <a:r>
-              <a:rPr lang="en-CA" b="1" dirty="0" smtClean="0"/>
-              <a:t>If decision == BIXI</a:t>
-            </a:r>
-          </a:p>
-          <a:p>
-            <a:pPr marL="0" indent="0">
-              <a:buNone/>
-            </a:pPr>
-            <a:r>
-              <a:rPr lang="en-CA" dirty="0" smtClean="0"/>
-              <a:t>Every 5 minutes (or upon related information updated): </a:t>
-            </a:r>
-            <a:r>
-              <a:rPr lang="en-CA" dirty="0"/>
-              <a:t>if </a:t>
-            </a:r>
-            <a:r>
-              <a:rPr lang="en-CA" dirty="0" err="1"/>
-              <a:t>AvailableBikes</a:t>
-            </a:r>
-            <a:r>
-              <a:rPr lang="en-CA" dirty="0"/>
-              <a:t>(S1,t)==0 </a:t>
-            </a:r>
-            <a:r>
-              <a:rPr lang="en-CA" dirty="0" smtClean="0"/>
-              <a:t> or </a:t>
-            </a:r>
-            <a:r>
-              <a:rPr lang="en-CA" dirty="0" err="1" smtClean="0"/>
-              <a:t>AvailableDocks</a:t>
-            </a:r>
-            <a:r>
-              <a:rPr lang="en-CA" dirty="0" smtClean="0"/>
-              <a:t>(D1,t</a:t>
-            </a:r>
-            <a:r>
-              <a:rPr lang="en-CA" dirty="0"/>
-              <a:t>)==0</a:t>
-            </a:r>
-            <a:endParaRPr lang="en-CA" dirty="0" smtClean="0"/>
-          </a:p>
-          <a:p>
-            <a:pPr>
-              <a:buFont typeface="Wingdings" panose="05000000000000000000" pitchFamily="2" charset="2"/>
-              <a:buChar char="§"/>
-            </a:pPr>
-            <a:r>
-              <a:rPr lang="en-CA" dirty="0"/>
-              <a:t> </a:t>
-            </a:r>
-            <a:r>
-              <a:rPr lang="en-CA" dirty="0" smtClean="0"/>
-              <a:t>if currently in SEG1</a:t>
-            </a:r>
-          </a:p>
-          <a:p>
-            <a:pPr lvl="1">
-              <a:buFont typeface="Wingdings" panose="05000000000000000000" pitchFamily="2" charset="2"/>
-              <a:buChar char="§"/>
-            </a:pPr>
-            <a:r>
-              <a:rPr lang="en-CA" dirty="0"/>
-              <a:t> </a:t>
-            </a:r>
-            <a:r>
-              <a:rPr lang="en-CA" dirty="0" smtClean="0"/>
-              <a:t>if </a:t>
-            </a:r>
-            <a:r>
-              <a:rPr lang="en-CA" dirty="0" err="1" smtClean="0"/>
-              <a:t>AvailableBikes</a:t>
-            </a:r>
-            <a:r>
-              <a:rPr lang="en-CA" dirty="0" smtClean="0"/>
-              <a:t>(S1,t)==0 </a:t>
-            </a:r>
-          </a:p>
-          <a:p>
-            <a:pPr lvl="1">
-              <a:buFont typeface="Wingdings" panose="05000000000000000000" pitchFamily="2" charset="2"/>
-              <a:buChar char="§"/>
-            </a:pPr>
-            <a:r>
-              <a:rPr lang="en-CA" dirty="0"/>
-              <a:t> </a:t>
-            </a:r>
-            <a:r>
-              <a:rPr lang="en-CA" dirty="0" smtClean="0"/>
-              <a:t>if </a:t>
-            </a:r>
-            <a:r>
-              <a:rPr lang="en-CA" dirty="0" err="1" smtClean="0"/>
-              <a:t>AvailableDocks</a:t>
-            </a:r>
-            <a:r>
-              <a:rPr lang="en-CA" dirty="0" smtClean="0"/>
-              <a:t>(D1,t</a:t>
-            </a:r>
-            <a:r>
-              <a:rPr lang="en-CA" dirty="0"/>
-              <a:t>)==</a:t>
-            </a:r>
-            <a:r>
-              <a:rPr lang="en-CA" dirty="0" smtClean="0"/>
-              <a:t>0</a:t>
-            </a:r>
-          </a:p>
-          <a:p>
-            <a:pPr>
-              <a:buFont typeface="Wingdings" panose="05000000000000000000" pitchFamily="2" charset="2"/>
-              <a:buChar char="§"/>
-            </a:pPr>
-            <a:r>
-              <a:rPr lang="en-CA" dirty="0" smtClean="0"/>
-              <a:t> </a:t>
-            </a:r>
-            <a:r>
-              <a:rPr lang="en-CA" dirty="0"/>
-              <a:t>if currently in </a:t>
-            </a:r>
-            <a:r>
-              <a:rPr lang="en-CA" dirty="0" smtClean="0"/>
-              <a:t>SEG2</a:t>
-            </a:r>
-          </a:p>
-          <a:p>
-            <a:pPr lvl="1">
-              <a:buFont typeface="Wingdings" panose="05000000000000000000" pitchFamily="2" charset="2"/>
-              <a:buChar char="§"/>
-            </a:pPr>
-            <a:r>
-              <a:rPr lang="en-CA" dirty="0"/>
-              <a:t>if </a:t>
-            </a:r>
-            <a:r>
-              <a:rPr lang="en-CA" dirty="0" err="1" smtClean="0"/>
-              <a:t>AvailableDocks</a:t>
-            </a:r>
-            <a:r>
-              <a:rPr lang="en-CA" dirty="0" smtClean="0"/>
-              <a:t>(D1,t</a:t>
-            </a:r>
-            <a:r>
-              <a:rPr lang="en-CA" dirty="0"/>
-              <a:t>)==0</a:t>
-            </a:r>
-            <a:endParaRPr lang="en-CA" dirty="0" smtClean="0"/>
-          </a:p>
-          <a:p>
-            <a:pPr>
-              <a:buFont typeface="Wingdings" panose="05000000000000000000" pitchFamily="2" charset="2"/>
-              <a:buChar char="§"/>
-            </a:pPr>
-            <a:endParaRPr lang="en-CA" dirty="0" smtClean="0"/>
-          </a:p>
-          <a:p>
-            <a:pPr marL="457200" indent="-457200">
-              <a:buFont typeface="+mj-lt"/>
-              <a:buAutoNum type="arabicPeriod"/>
             </a:pPr>
             <a:endParaRPr lang="en-CA" dirty="0"/>
           </a:p>
@@ -4384,7 +4555,7 @@
     </p:spTree>
     <p:extLst>
       <p:ext uri="{BB962C8B-B14F-4D97-AF65-F5344CB8AC3E}">
-        <p14:creationId xmlns:p14="http://schemas.microsoft.com/office/powerpoint/2010/main" val="1280183590"/>
+        <p14:creationId xmlns:p14="http://schemas.microsoft.com/office/powerpoint/2010/main" val="4248212465"/>
       </p:ext>
     </p:extLst>
   </p:cSld>
@@ -4435,7 +4606,7 @@
           <a:p>
             <a:r>
               <a:rPr lang="en-CA" dirty="0" smtClean="0"/>
-              <a:t>Tasks</a:t>
+              <a:t>V2.1: Real-time updates + re-routings</a:t>
             </a:r>
             <a:endParaRPr lang="en-CA" dirty="0"/>
           </a:p>
@@ -4453,7 +4624,9 @@
         </p:nvSpPr>
         <p:spPr/>
         <p:txBody>
-          <a:bodyPr/>
+          <a:bodyPr>
+            <a:normAutofit fontScale="85000" lnSpcReduction="20000"/>
+          </a:bodyPr>
           <a:lstStyle/>
           <a:p>
             <a:pPr marL="457200" indent="-457200">
@@ -4462,7 +4635,7 @@
             </a:pPr>
             <a:r>
               <a:rPr lang="en-CA" dirty="0" smtClean="0"/>
-              <a:t>Google map APIs: find the route from S to D using bus or bike</a:t>
+              <a:t>Read(S,D)</a:t>
             </a:r>
           </a:p>
           <a:p>
@@ -4472,7 +4645,19 @@
             </a:pPr>
             <a:r>
               <a:rPr lang="en-CA" dirty="0" smtClean="0"/>
-              <a:t>CVST APIs to access bus and BIXI information</a:t>
+              <a:t>Calculate </a:t>
+            </a:r>
+            <a:r>
+              <a:rPr lang="en-CA" dirty="0"/>
+              <a:t>C_PUB(</a:t>
+            </a:r>
+            <a:r>
+              <a:rPr lang="en-CA" dirty="0" err="1"/>
+              <a:t>S,D,t</a:t>
+            </a:r>
+            <a:r>
+              <a:rPr lang="en-CA" dirty="0" smtClean="0"/>
+              <a:t>)</a:t>
             </a:r>
           </a:p>
           <a:p>
@@ -4482,7 +4667,19 @@
             </a:pPr>
             <a:r>
               <a:rPr lang="en-CA" dirty="0" smtClean="0"/>
-              <a:t>CVST APIs to access to road blocks</a:t>
+              <a:t>Calculate </a:t>
+            </a:r>
+            <a:r>
+              <a:rPr lang="en-CA" dirty="0"/>
+              <a:t>C_BIXI(</a:t>
+            </a:r>
+            <a:r>
+              <a:rPr lang="en-CA" dirty="0" err="1"/>
+              <a:t>S,D,t</a:t>
+            </a:r>
+            <a:r>
+              <a:rPr lang="en-CA" dirty="0" smtClean="0"/>
+              <a:t>)</a:t>
             </a:r>
           </a:p>
           <a:p>
@@ -4492,7 +4689,7 @@
             </a:pPr>
             <a:r>
               <a:rPr lang="en-CA" dirty="0" smtClean="0"/>
-              <a:t>How to test the application: scenarios, performance metrics</a:t>
+              <a:t>Select route</a:t>
             </a:r>
           </a:p>
           <a:p>
@@ -4502,7 +4699,7 @@
             </a:pPr>
             <a:r>
               <a:rPr lang="en-CA" dirty="0" smtClean="0"/>
-              <a:t>How to demo the application: perform tests in advance, summarize, visualize the results for presentations, live demo?</a:t>
+              <a:t>Display decision and map</a:t>
             </a:r>
           </a:p>
           <a:p>
@@ -4510,22 +4707,191 @@
               <a:buNone/>
             </a:pPr>
             <a:r>
-              <a:rPr lang="en-CA" dirty="0" smtClean="0"/>
+              <a:rPr lang="en-CA" b="1" dirty="0" smtClean="0"/>
+              <a:t>If decision == BIXI</a:t>
+            </a:r>
+          </a:p>
+          <a:p>
+            <a:pPr marL="0" indent="0">
+              <a:buNone/>
+            </a:pPr>
+            <a:r>
+              <a:rPr lang="en-CA" dirty="0" smtClean="0"/>
+              <a:t>Every 5 minutes (or upon related information updated): </a:t>
+            </a:r>
+            <a:r>
+              <a:rPr lang="en-CA" dirty="0"/>
+              <a:t>if </a:t>
+            </a:r>
+            <a:r>
+              <a:rPr lang="en-CA" dirty="0" err="1"/>
+              <a:t>AvailableBikes</a:t>
+            </a:r>
+            <a:r>
+              <a:rPr lang="en-CA" dirty="0"/>
+              <a:t>(S1,t)==0 </a:t>
+            </a:r>
+            <a:r>
+              <a:rPr lang="en-CA" dirty="0" smtClean="0"/>
+              <a:t> or </a:t>
+            </a:r>
+            <a:r>
+              <a:rPr lang="en-CA" dirty="0" err="1" smtClean="0"/>
+              <a:t>AvailableDocks</a:t>
+            </a:r>
+            <a:r>
+              <a:rPr lang="en-CA" dirty="0" smtClean="0"/>
+              <a:t>(D1,t</a:t>
+            </a:r>
+            <a:r>
+              <a:rPr lang="en-CA" dirty="0"/>
+              <a:t>)==0</a:t>
+            </a:r>
+            <a:endParaRPr lang="en-CA" dirty="0" smtClean="0"/>
+          </a:p>
+          <a:p>
+            <a:pPr>
+              <a:buFont typeface="Wingdings" panose="05000000000000000000" pitchFamily="2" charset="2"/>
+              <a:buChar char="§"/>
+            </a:pPr>
+            <a:r>
+              <a:rPr lang="en-CA" dirty="0"/>
               <a:t> </a:t>
             </a:r>
+            <a:r>
+              <a:rPr lang="en-CA" dirty="0" smtClean="0"/>
+              <a:t>if currently in SEG1</a:t>
+            </a:r>
+          </a:p>
+          <a:p>
+            <a:pPr lvl="1">
+              <a:buFont typeface="Wingdings" panose="05000000000000000000" pitchFamily="2" charset="2"/>
+              <a:buChar char="§"/>
+            </a:pPr>
+            <a:r>
+              <a:rPr lang="en-CA" dirty="0"/>
+              <a:t> </a:t>
+            </a:r>
+            <a:r>
+              <a:rPr lang="en-CA" dirty="0" smtClean="0"/>
+              <a:t>if </a:t>
+            </a:r>
+            <a:r>
+              <a:rPr lang="en-CA" dirty="0" err="1" smtClean="0"/>
+              <a:t>AvailableBikes</a:t>
+            </a:r>
+            <a:r>
+              <a:rPr lang="en-CA" dirty="0" smtClean="0"/>
+              <a:t>(S1,t)==0 </a:t>
+            </a:r>
+          </a:p>
+          <a:p>
+            <a:pPr lvl="1">
+              <a:buFont typeface="Wingdings" panose="05000000000000000000" pitchFamily="2" charset="2"/>
+              <a:buChar char="§"/>
+            </a:pPr>
+            <a:r>
+              <a:rPr lang="en-CA" dirty="0"/>
+              <a:t> </a:t>
+            </a:r>
+            <a:r>
+              <a:rPr lang="en-CA" dirty="0" smtClean="0"/>
+              <a:t>if </a:t>
+            </a:r>
+            <a:r>
+              <a:rPr lang="en-CA" dirty="0" err="1" smtClean="0"/>
+              <a:t>AvailableDocks</a:t>
+            </a:r>
+            <a:r>
+              <a:rPr lang="en-CA" dirty="0" smtClean="0"/>
+              <a:t>(D1,t</a:t>
+            </a:r>
+            <a:r>
+              <a:rPr lang="en-CA" dirty="0"/>
+              <a:t>)==</a:t>
+            </a:r>
+            <a:r>
+              <a:rPr lang="en-CA" dirty="0" smtClean="0"/>
+              <a:t>0</a:t>
+            </a:r>
+          </a:p>
+          <a:p>
+            <a:pPr>
+              <a:buFont typeface="Wingdings" panose="05000000000000000000" pitchFamily="2" charset="2"/>
+              <a:buChar char="§"/>
+            </a:pPr>
+            <a:r>
+              <a:rPr lang="en-CA" dirty="0" smtClean="0"/>
+              <a:t> </a:t>
+            </a:r>
+            <a:r>
+              <a:rPr lang="en-CA" dirty="0"/>
+              <a:t>if currently in </a:t>
+            </a:r>
+            <a:r>
+              <a:rPr lang="en-CA" dirty="0" smtClean="0"/>
+              <a:t>SEG2</a:t>
+            </a:r>
+          </a:p>
+          <a:p>
+            <a:pPr lvl="1">
+              <a:buFont typeface="Wingdings" panose="05000000000000000000" pitchFamily="2" charset="2"/>
+              <a:buChar char="§"/>
+            </a:pPr>
+            <a:r>
+              <a:rPr lang="en-CA" dirty="0"/>
+              <a:t>if </a:t>
+            </a:r>
+            <a:r>
+              <a:rPr lang="en-CA" dirty="0" err="1" smtClean="0"/>
+              <a:t>AvailableDocks</a:t>
+            </a:r>
+            <a:r>
+              <a:rPr lang="en-CA" dirty="0" smtClean="0"/>
+              <a:t>(D1,t</a:t>
+            </a:r>
+            <a:r>
+              <a:rPr lang="en-CA" dirty="0"/>
+              <a:t>)==0</a:t>
+            </a:r>
+            <a:endParaRPr lang="en-CA" dirty="0" smtClean="0"/>
+          </a:p>
+          <a:p>
+            <a:pPr>
+              <a:buFont typeface="Wingdings" panose="05000000000000000000" pitchFamily="2" charset="2"/>
+              <a:buChar char="§"/>
+            </a:pPr>
+            <a:endParaRPr lang="en-CA" dirty="0" smtClean="0"/>
+          </a:p>
+          <a:p>
+            <a:pPr marL="457200" indent="-457200">
+              <a:buFont typeface="+mj-lt"/>
+              <a:buAutoNum type="arabicPeriod"/>
+            </a:pPr>
+            <a:endParaRPr lang="en-CA" dirty="0"/>
+          </a:p>
+          <a:p>
+            <a:endParaRPr lang="en-CA" dirty="0"/>
           </a:p>
         </p:txBody>
       </p:sp>
     </p:spTree>
     <p:extLst>
       <p:ext uri="{BB962C8B-B14F-4D97-AF65-F5344CB8AC3E}">
-        <p14:creationId xmlns:p14="http://schemas.microsoft.com/office/powerpoint/2010/main" val="991234321"/>
+        <p14:creationId xmlns:p14="http://schemas.microsoft.com/office/powerpoint/2010/main" val="1280183590"/>
       </p:ext>
     </p:extLst>
   </p:cSld>
   <p:clrMapOvr>
     <a:masterClrMapping/>
   </p:clrMapOvr>
+  <p:timing>
+    <p:tnLst>
+      <p:par>
+        <p:cTn id="1" dur="indefinite" restart="never" nodeType="tmRoot"/>
+      </p:par>
+    </p:tnLst>
+  </p:timing>
 </p:sld>
 </file>
 
@@ -4584,160 +4950,70 @@
           <a:bodyPr/>
           <a:lstStyle/>
           <a:p>
+            <a:pPr marL="457200" indent="-457200">
+              <a:buFont typeface="+mj-lt"/>
+              <a:buAutoNum type="arabicPeriod"/>
+            </a:pPr>
+            <a:r>
+              <a:rPr lang="en-CA" dirty="0" smtClean="0"/>
+              <a:t>Google map APIs: find the route from S to D using bus or bike</a:t>
+            </a:r>
+          </a:p>
+          <a:p>
+            <a:pPr marL="457200" indent="-457200">
+              <a:buFont typeface="+mj-lt"/>
+              <a:buAutoNum type="arabicPeriod"/>
+            </a:pPr>
+            <a:r>
+              <a:rPr lang="en-CA" dirty="0" smtClean="0"/>
+              <a:t>CVST APIs to access bus and BIXI information</a:t>
+            </a:r>
+          </a:p>
+          <a:p>
+            <a:pPr marL="457200" indent="-457200">
+              <a:buFont typeface="+mj-lt"/>
+              <a:buAutoNum type="arabicPeriod"/>
+            </a:pPr>
+            <a:r>
+              <a:rPr lang="en-CA" dirty="0" smtClean="0"/>
+              <a:t>CVST APIs to access to road blocks</a:t>
+            </a:r>
+          </a:p>
+          <a:p>
+            <a:pPr marL="457200" indent="-457200">
+              <a:buFont typeface="+mj-lt"/>
+              <a:buAutoNum type="arabicPeriod"/>
+            </a:pPr>
+            <a:r>
+              <a:rPr lang="en-CA" dirty="0" smtClean="0"/>
+              <a:t>How to test the application: scenarios, performance metrics</a:t>
+            </a:r>
+          </a:p>
+          <a:p>
+            <a:pPr marL="457200" indent="-457200">
+              <a:buFont typeface="+mj-lt"/>
+              <a:buAutoNum type="arabicPeriod"/>
+            </a:pPr>
+            <a:r>
+              <a:rPr lang="en-CA" dirty="0" smtClean="0"/>
+              <a:t>How to demo the application: perform tests in advance, summarize, visualize the results for presentations, live demo?</a:t>
+            </a:r>
+          </a:p>
+          <a:p>
             <a:pPr marL="0" indent="0">
               <a:buNone/>
             </a:pPr>
             <a:r>
-              <a:rPr lang="en-CA" b="1" dirty="0" smtClean="0"/>
-              <a:t>Google map </a:t>
-            </a:r>
-            <a:r>
-              <a:rPr lang="en-CA" b="1" dirty="0" smtClean="0"/>
-              <a:t>APIs</a:t>
-            </a:r>
-          </a:p>
-          <a:p>
-            <a:pPr>
-              <a:buFont typeface="Arial" panose="020B0604020202020204" pitchFamily="34" charset="0"/>
-              <a:buChar char="•"/>
-            </a:pPr>
-            <a:r>
               <a:rPr lang="en-CA" dirty="0" smtClean="0"/>
               <a:t> </a:t>
             </a:r>
-            <a:r>
-              <a:rPr lang="en-CA" dirty="0" err="1" smtClean="0"/>
-              <a:t>G_w</a:t>
-            </a:r>
-            <a:r>
-              <a:rPr lang="en-CA" dirty="0" smtClean="0"/>
-              <a:t>(X,Y): </a:t>
-            </a:r>
-            <a:r>
-              <a:rPr lang="en-CA" dirty="0"/>
-              <a:t>the cost of </a:t>
-            </a:r>
-            <a:r>
-              <a:rPr lang="en-CA" dirty="0" smtClean="0"/>
-              <a:t>walking from </a:t>
-            </a:r>
-            <a:r>
-              <a:rPr lang="en-CA" dirty="0"/>
-              <a:t>X to Y calculated by </a:t>
-            </a:r>
-            <a:r>
-              <a:rPr lang="en-CA" dirty="0" err="1"/>
-              <a:t>GoogleAPI</a:t>
-            </a:r>
-            <a:r>
-              <a:rPr lang="en-CA" dirty="0"/>
-              <a:t> at time </a:t>
-            </a:r>
-            <a:r>
-              <a:rPr lang="en-CA" dirty="0" smtClean="0"/>
-              <a:t>t</a:t>
-            </a:r>
-          </a:p>
-          <a:p>
-            <a:pPr>
-              <a:buFont typeface="Arial" panose="020B0604020202020204" pitchFamily="34" charset="0"/>
-              <a:buChar char="•"/>
-            </a:pPr>
-            <a:r>
-              <a:rPr lang="en-CA" dirty="0" smtClean="0"/>
-              <a:t> </a:t>
-            </a:r>
-            <a:r>
-              <a:rPr lang="en-CA" dirty="0" err="1" smtClean="0"/>
-              <a:t>G_b</a:t>
-            </a:r>
-            <a:r>
-              <a:rPr lang="en-CA" dirty="0" smtClean="0"/>
-              <a:t>(X,Y): </a:t>
-            </a:r>
-            <a:r>
-              <a:rPr lang="en-CA" dirty="0"/>
-              <a:t>the cost of </a:t>
-            </a:r>
-            <a:r>
-              <a:rPr lang="en-CA" dirty="0" smtClean="0"/>
-              <a:t>biking from </a:t>
-            </a:r>
-            <a:r>
-              <a:rPr lang="en-CA" dirty="0"/>
-              <a:t>X to Y calculated by </a:t>
-            </a:r>
-            <a:r>
-              <a:rPr lang="en-CA" dirty="0" err="1"/>
-              <a:t>GoogleAPI</a:t>
-            </a:r>
-            <a:r>
-              <a:rPr lang="en-CA" dirty="0"/>
-              <a:t> at time </a:t>
-            </a:r>
-            <a:r>
-              <a:rPr lang="en-CA" dirty="0" smtClean="0"/>
-              <a:t>t</a:t>
-            </a:r>
-          </a:p>
-          <a:p>
-            <a:pPr algn="just">
-              <a:buFont typeface="Arial" panose="020B0604020202020204" pitchFamily="34" charset="0"/>
-              <a:buChar char="•"/>
-            </a:pPr>
-            <a:r>
-              <a:rPr lang="en-CA" dirty="0" smtClean="0"/>
-              <a:t> </a:t>
-            </a:r>
-            <a:r>
-              <a:rPr lang="en-CA" dirty="0" err="1" smtClean="0"/>
-              <a:t>G_pub</a:t>
-            </a:r>
-            <a:r>
-              <a:rPr lang="en-CA" dirty="0" smtClean="0"/>
-              <a:t>(X,Y</a:t>
-            </a:r>
-            <a:r>
-              <a:rPr lang="en-CA" dirty="0"/>
-              <a:t>): the cost of </a:t>
-            </a:r>
-            <a:r>
-              <a:rPr lang="en-CA" dirty="0" smtClean="0"/>
-              <a:t>public </a:t>
-            </a:r>
-            <a:r>
-              <a:rPr lang="en-CA" dirty="0"/>
-              <a:t>transportation </a:t>
-            </a:r>
-            <a:r>
-              <a:rPr lang="en-CA" dirty="0" smtClean="0"/>
-              <a:t>(bus, metro, street car, …) from </a:t>
-            </a:r>
-            <a:r>
-              <a:rPr lang="en-CA" dirty="0"/>
-              <a:t>X to Y calculated by </a:t>
-            </a:r>
-            <a:r>
-              <a:rPr lang="en-CA" dirty="0" err="1"/>
-              <a:t>GoogleAPI</a:t>
-            </a:r>
-            <a:r>
-              <a:rPr lang="en-CA" dirty="0"/>
-              <a:t> at time t</a:t>
-            </a:r>
-          </a:p>
-          <a:p>
-            <a:pPr marL="0" indent="0">
-              <a:buNone/>
-            </a:pPr>
-            <a:endParaRPr lang="en-CA" dirty="0" smtClean="0"/>
           </a:p>
         </p:txBody>
       </p:sp>
     </p:spTree>
     <p:extLst>
       <p:ext uri="{BB962C8B-B14F-4D97-AF65-F5344CB8AC3E}">
-        <p14:creationId xmlns:p14="http://schemas.microsoft.com/office/powerpoint/2010/main" val="700665803"/>
+        <p14:creationId xmlns:p14="http://schemas.microsoft.com/office/powerpoint/2010/main" val="991234321"/>
       </p:ext>
     </p:extLst>
   </p:cSld>
@@ -4807,15 +5083,221 @@
             </a:pPr>
             <a:r>
               <a:rPr lang="en-CA" b="1" dirty="0" smtClean="0"/>
-              <a:t>CVST </a:t>
-            </a:r>
+              <a:t>Google map APIs</a:t>
+            </a:r>
+          </a:p>
+          <a:p>
+            <a:pPr>
+              <a:buFont typeface="Arial" panose="020B0604020202020204" pitchFamily="34" charset="0"/>
+              <a:buChar char="•"/>
+            </a:pPr>
+            <a:r>
+              <a:rPr lang="en-CA" dirty="0" smtClean="0"/>
+              <a:t> </a:t>
+            </a:r>
+            <a:r>
+              <a:rPr lang="en-CA" dirty="0" err="1" smtClean="0"/>
+              <a:t>G_w</a:t>
+            </a:r>
+            <a:r>
+              <a:rPr lang="en-CA" dirty="0" smtClean="0"/>
+              <a:t>(X,Y): </a:t>
+            </a:r>
+            <a:r>
+              <a:rPr lang="en-CA" dirty="0"/>
+              <a:t>the cost of </a:t>
+            </a:r>
+            <a:r>
+              <a:rPr lang="en-CA" dirty="0" smtClean="0"/>
+              <a:t>walking from </a:t>
+            </a:r>
+            <a:r>
+              <a:rPr lang="en-CA" dirty="0"/>
+              <a:t>X to Y calculated by </a:t>
+            </a:r>
+            <a:r>
+              <a:rPr lang="en-CA" dirty="0" err="1"/>
+              <a:t>GoogleAPI</a:t>
+            </a:r>
+            <a:r>
+              <a:rPr lang="en-CA" dirty="0"/>
+              <a:t> at time </a:t>
+            </a:r>
+            <a:r>
+              <a:rPr lang="en-CA" dirty="0" smtClean="0"/>
+              <a:t>t</a:t>
+            </a:r>
+          </a:p>
+          <a:p>
+            <a:pPr>
+              <a:buFont typeface="Arial" panose="020B0604020202020204" pitchFamily="34" charset="0"/>
+              <a:buChar char="•"/>
+            </a:pPr>
+            <a:r>
+              <a:rPr lang="en-CA" dirty="0" smtClean="0"/>
+              <a:t> </a:t>
+            </a:r>
+            <a:r>
+              <a:rPr lang="en-CA" dirty="0" err="1" smtClean="0"/>
+              <a:t>G_b</a:t>
+            </a:r>
+            <a:r>
+              <a:rPr lang="en-CA" dirty="0" smtClean="0"/>
+              <a:t>(X,Y): </a:t>
+            </a:r>
+            <a:r>
+              <a:rPr lang="en-CA" dirty="0"/>
+              <a:t>the cost of </a:t>
+            </a:r>
+            <a:r>
+              <a:rPr lang="en-CA" dirty="0" smtClean="0"/>
+              <a:t>biking from </a:t>
+            </a:r>
+            <a:r>
+              <a:rPr lang="en-CA" dirty="0"/>
+              <a:t>X to Y calculated by </a:t>
+            </a:r>
+            <a:r>
+              <a:rPr lang="en-CA" dirty="0" err="1"/>
+              <a:t>GoogleAPI</a:t>
+            </a:r>
+            <a:r>
+              <a:rPr lang="en-CA" dirty="0"/>
+              <a:t> at time </a:t>
+            </a:r>
+            <a:r>
+              <a:rPr lang="en-CA" dirty="0" smtClean="0"/>
+              <a:t>t</a:t>
+            </a:r>
+          </a:p>
+          <a:p>
+            <a:pPr algn="just">
+              <a:buFont typeface="Arial" panose="020B0604020202020204" pitchFamily="34" charset="0"/>
+              <a:buChar char="•"/>
+            </a:pPr>
+            <a:r>
+              <a:rPr lang="en-CA" dirty="0" smtClean="0"/>
+              <a:t> </a:t>
+            </a:r>
+            <a:r>
+              <a:rPr lang="en-CA" dirty="0" err="1" smtClean="0"/>
+              <a:t>G_pub</a:t>
+            </a:r>
+            <a:r>
+              <a:rPr lang="en-CA" dirty="0" smtClean="0"/>
+              <a:t>(X,Y</a:t>
+            </a:r>
+            <a:r>
+              <a:rPr lang="en-CA" dirty="0"/>
+              <a:t>): the cost of </a:t>
+            </a:r>
+            <a:r>
+              <a:rPr lang="en-CA" dirty="0" smtClean="0"/>
+              <a:t>public </a:t>
+            </a:r>
+            <a:r>
+              <a:rPr lang="en-CA" dirty="0"/>
+              <a:t>transportation </a:t>
+            </a:r>
+            <a:r>
+              <a:rPr lang="en-CA" dirty="0" smtClean="0"/>
+              <a:t>(bus, metro, street car, …) from </a:t>
+            </a:r>
+            <a:r>
+              <a:rPr lang="en-CA" dirty="0"/>
+              <a:t>X to Y calculated by </a:t>
+            </a:r>
+            <a:r>
+              <a:rPr lang="en-CA" dirty="0" err="1"/>
+              <a:t>GoogleAPI</a:t>
+            </a:r>
+            <a:r>
+              <a:rPr lang="en-CA" dirty="0"/>
+              <a:t> at time t</a:t>
+            </a:r>
+          </a:p>
+          <a:p>
+            <a:pPr marL="0" indent="0">
+              <a:buNone/>
+            </a:pPr>
+            <a:endParaRPr lang="en-CA" dirty="0" smtClean="0"/>
+          </a:p>
+        </p:txBody>
+      </p:sp>
+    </p:spTree>
+    <p:extLst>
+      <p:ext uri="{BB962C8B-B14F-4D97-AF65-F5344CB8AC3E}">
+        <p14:creationId xmlns:p14="http://schemas.microsoft.com/office/powerpoint/2010/main" val="700665803"/>
+      </p:ext>
+    </p:extLst>
+  </p:cSld>
+  <p:clrMapOvr>
+    <a:masterClrMapping/>
+  </p:clrMapOvr>
+</p:sld>
+</file>
+
+<file path=ppt/slides/slide15.xml><?xml version="1.0" encoding="utf-8"?>
+<p:sld xmlns:a="http://schemas.openxmlformats.org/drawingml/2006/main" xmlns:r="http://schemas.openxmlformats.org/officeDocument/2006/relationships" xmlns:p="http://schemas.openxmlformats.org/presentationml/2006/main">
+  <p:cSld>
+    <p:spTree>
+      <p:nvGrpSpPr>
+        <p:cNvPr id="1" name=""/>
+        <p:cNvGrpSpPr/>
+        <p:nvPr/>
+      </p:nvGrpSpPr>
+      <p:grpSpPr>
+        <a:xfrm>
+          <a:off x="0" y="0"/>
+          <a:ext cx="0" cy="0"/>
+          <a:chOff x="0" y="0"/>
+          <a:chExt cx="0" cy="0"/>
+        </a:xfrm>
+      </p:grpSpPr>
+      <p:sp>
+        <p:nvSpPr>
+          <p:cNvPr id="2" name="Title 1"/>
+          <p:cNvSpPr>
+            <a:spLocks noGrp="1"/>
+          </p:cNvSpPr>
+          <p:nvPr>
+            <p:ph type="title"/>
+          </p:nvPr>
+        </p:nvSpPr>
+        <p:spPr/>
+        <p:txBody>
+          <a:bodyPr/>
+          <a:lstStyle/>
+          <a:p>
+            <a:r>
+              <a:rPr lang="en-CA" dirty="0" smtClean="0"/>
+              <a:t>Tasks</a:t>
+            </a:r>
+            <a:endParaRPr lang="en-CA" dirty="0"/>
+          </a:p>
+        </p:txBody>
+      </p:sp>
+      <p:sp>
+        <p:nvSpPr>
+          <p:cNvPr id="3" name="Content Placeholder 2"/>
+          <p:cNvSpPr>
+            <a:spLocks noGrp="1"/>
+          </p:cNvSpPr>
+          <p:nvPr>
+            <p:ph idx="1"/>
+          </p:nvPr>
+        </p:nvSpPr>
+        <p:spPr/>
+        <p:txBody>
+          <a:bodyPr/>
+          <a:lstStyle/>
+          <a:p>
+            <a:pPr marL="0" indent="0">
+              <a:buNone/>
+            </a:pPr>
             <a:r>
               <a:rPr lang="en-CA" b="1" dirty="0" smtClean="0"/>
-              <a:t>APIs to access bus and BIXI </a:t>
-            </a:r>
-            <a:r>
-              <a:rPr lang="en-CA" b="1" dirty="0" smtClean="0"/>
-              <a:t>information</a:t>
+              <a:t>CVST APIs to access bus and BIXI information</a:t>
             </a:r>
           </a:p>
           <a:p>
@@ -5086,15 +5568,7 @@
             </a:pPr>
             <a:r>
               <a:rPr lang="en-CA" sz="2400" dirty="0" smtClean="0"/>
-              <a:t> The best way for city transit using </a:t>
-            </a:r>
-            <a:r>
-              <a:rPr lang="en-CA" sz="2400" dirty="0" smtClean="0"/>
-              <a:t>public transportation </a:t>
-            </a:r>
-            <a:r>
-              <a:rPr lang="en-CA" sz="2400" dirty="0" smtClean="0"/>
-              <a:t>and BIXI services considering history and real-time transportation data</a:t>
+              <a:t> The best way for city transit using public transportation and BIXI services considering history and real-time transportation data</a:t>
             </a:r>
           </a:p>
           <a:p>
@@ -5905,7 +6379,11 @@
             </a:pPr>
             <a:r>
               <a:rPr lang="en-CA" b="1" dirty="0" smtClean="0"/>
-              <a:t>How to select S1?</a:t>
+              <a:t>How </a:t>
+            </a:r>
+            <a:r>
+              <a:rPr lang="en-CA" b="1" dirty="0"/>
+              <a:t>to select S1?</a:t>
             </a:r>
           </a:p>
           <a:p>
@@ -5914,7 +6392,11 @@
             </a:pPr>
             <a:r>
               <a:rPr lang="en-CA" dirty="0" smtClean="0"/>
-              <a:t>S1 \in </a:t>
+              <a:t>S1 </a:t>
+            </a:r>
+            <a:r>
+              <a:rPr lang="en-CA" dirty="0" smtClean="0"/>
+              <a:t>\in </a:t>
             </a:r>
             <a:r>
               <a:rPr lang="en-CA" b="1" dirty="0"/>
@@ -5978,15 +6460,19 @@
               <a:buNone/>
             </a:pPr>
             <a:r>
+              <a:rPr lang="en-CA" b="1" dirty="0" smtClean="0"/>
+              <a:t>How </a:t>
+            </a:r>
+            <a:r>
               <a:rPr lang="en-CA" b="1" dirty="0"/>
-              <a:t>How to select </a:t>
+              <a:t>to select </a:t>
             </a:r>
             <a:r>
               <a:rPr lang="en-CA" b="1" dirty="0" smtClean="0"/>
               <a:t>D1</a:t>
             </a:r>
             <a:r>
-              <a:rPr lang="en-CA" b="1" dirty="0"/>
+              <a:rPr lang="en-CA" b="1" dirty="0" smtClean="0"/>
               <a:t>?</a:t>
             </a:r>
           </a:p>
@@ -6428,7 +6914,9 @@
         </p:nvSpPr>
         <p:spPr/>
         <p:txBody>
-          <a:bodyPr/>
+          <a:bodyPr>
+            <a:normAutofit/>
+          </a:bodyPr>
           <a:lstStyle/>
           <a:p>
             <a:pPr marL="0" indent="0">
@@ -6654,9 +7142,22 @@
               <a:t>(d2,t,P,W</a:t>
             </a:r>
             <a:r>
-              <a:rPr lang="en-CA" dirty="0"/>
+              <a:rPr lang="en-CA" dirty="0" smtClean="0"/>
               <a:t>)</a:t>
             </a:r>
+          </a:p>
+          <a:p>
+            <a:pPr>
+              <a:buFont typeface="Arial" panose="020B0604020202020204" pitchFamily="34" charset="0"/>
+              <a:buChar char="•"/>
+            </a:pPr>
+            <a:endParaRPr lang="en-CA" dirty="0"/>
+          </a:p>
+          <a:p>
+            <a:pPr marL="0" indent="0">
+              <a:buNone/>
+            </a:pPr>
+            <a:endParaRPr lang="en-CA" dirty="0"/>
           </a:p>
           <a:p>
             <a:pPr marL="0" indent="0">
